--- a/capstone 1.pptx
+++ b/capstone 1.pptx
@@ -4,6 +4,9 @@
   <p:sldMasterIdLst>
     <p:sldMasterId id="2147483714" r:id="rId1"/>
   </p:sldMasterIdLst>
+  <p:notesMasterIdLst>
+    <p:notesMasterId r:id="rId13"/>
+  </p:notesMasterIdLst>
   <p:sldIdLst>
     <p:sldId id="256" r:id="rId2"/>
     <p:sldId id="257" r:id="rId3"/>
@@ -128,615 +131,6 @@
     <p1510:client id="{0884B420-BC33-F941-8670-1D47317EB863}" v="90" dt="2022-06-13T00:17:35.102"/>
   </p1510:revLst>
 </p1510:revInfo>
-</file>
-
-<file path=ppt/changesInfos/changesInfo1.xml><?xml version="1.0" encoding="utf-8"?>
-<pc:chgInfo xmlns:a="http://schemas.openxmlformats.org/drawingml/2006/main" xmlns:r="http://schemas.openxmlformats.org/officeDocument/2006/relationships" xmlns:ac="http://schemas.microsoft.com/office/drawing/2013/main/command" xmlns:pc="http://schemas.microsoft.com/office/powerpoint/2013/main/command">
-  <pc:docChgLst>
-    <pc:chgData name="Tyanna Frison" userId="c8a9292a7676774c" providerId="LiveId" clId="{0884B420-BC33-F941-8670-1D47317EB863}"/>
-    <pc:docChg chg="undo custSel addSld modSld">
-      <pc:chgData name="Tyanna Frison" userId="c8a9292a7676774c" providerId="LiveId" clId="{0884B420-BC33-F941-8670-1D47317EB863}" dt="2022-06-13T00:17:35.102" v="3311" actId="20577"/>
-      <pc:docMkLst>
-        <pc:docMk/>
-      </pc:docMkLst>
-      <pc:sldChg chg="addSp delSp modSp mod">
-        <pc:chgData name="Tyanna Frison" userId="c8a9292a7676774c" providerId="LiveId" clId="{0884B420-BC33-F941-8670-1D47317EB863}" dt="2022-06-10T16:43:50.294" v="354" actId="1076"/>
-        <pc:sldMkLst>
-          <pc:docMk/>
-          <pc:sldMk cId="1726641951" sldId="256"/>
-        </pc:sldMkLst>
-        <pc:spChg chg="mod">
-          <ac:chgData name="Tyanna Frison" userId="c8a9292a7676774c" providerId="LiveId" clId="{0884B420-BC33-F941-8670-1D47317EB863}" dt="2022-06-10T16:23:55.706" v="37" actId="20577"/>
-          <ac:spMkLst>
-            <pc:docMk/>
-            <pc:sldMk cId="1726641951" sldId="256"/>
-            <ac:spMk id="3" creationId="{D8EAFC47-29C8-DA4B-802C-DEA9A036607B}"/>
-          </ac:spMkLst>
-        </pc:spChg>
-        <pc:spChg chg="add del mod">
-          <ac:chgData name="Tyanna Frison" userId="c8a9292a7676774c" providerId="LiveId" clId="{0884B420-BC33-F941-8670-1D47317EB863}" dt="2022-06-10T16:24:32.204" v="39"/>
-          <ac:spMkLst>
-            <pc:docMk/>
-            <pc:sldMk cId="1726641951" sldId="256"/>
-            <ac:spMk id="4" creationId="{CF5E4C64-0A7C-C94F-BEC7-EDF140AB3C94}"/>
-          </ac:spMkLst>
-        </pc:spChg>
-        <pc:spChg chg="add del mod">
-          <ac:chgData name="Tyanna Frison" userId="c8a9292a7676774c" providerId="LiveId" clId="{0884B420-BC33-F941-8670-1D47317EB863}" dt="2022-06-10T16:39:20.428" v="349" actId="478"/>
-          <ac:spMkLst>
-            <pc:docMk/>
-            <pc:sldMk cId="1726641951" sldId="256"/>
-            <ac:spMk id="5" creationId="{953802F2-7054-7B44-9F87-5E5BD25D4633}"/>
-          </ac:spMkLst>
-        </pc:spChg>
-        <pc:spChg chg="add del mod">
-          <ac:chgData name="Tyanna Frison" userId="c8a9292a7676774c" providerId="LiveId" clId="{0884B420-BC33-F941-8670-1D47317EB863}" dt="2022-06-10T16:43:44.773" v="353"/>
-          <ac:spMkLst>
-            <pc:docMk/>
-            <pc:sldMk cId="1726641951" sldId="256"/>
-            <ac:spMk id="6" creationId="{993B459E-84F9-854A-B8D9-D4E2C345A31B}"/>
-          </ac:spMkLst>
-        </pc:spChg>
-        <pc:picChg chg="add mod">
-          <ac:chgData name="Tyanna Frison" userId="c8a9292a7676774c" providerId="LiveId" clId="{0884B420-BC33-F941-8670-1D47317EB863}" dt="2022-06-10T16:43:50.294" v="354" actId="1076"/>
-          <ac:picMkLst>
-            <pc:docMk/>
-            <pc:sldMk cId="1726641951" sldId="256"/>
-            <ac:picMk id="2050" creationId="{DF1649D9-694D-4D4E-A4F4-19FF5A6F4843}"/>
-          </ac:picMkLst>
-        </pc:picChg>
-      </pc:sldChg>
-      <pc:sldChg chg="addSp delSp modSp mod">
-        <pc:chgData name="Tyanna Frison" userId="c8a9292a7676774c" providerId="LiveId" clId="{0884B420-BC33-F941-8670-1D47317EB863}" dt="2022-06-13T00:16:41.996" v="3288" actId="20577"/>
-        <pc:sldMkLst>
-          <pc:docMk/>
-          <pc:sldMk cId="3741979173" sldId="257"/>
-        </pc:sldMkLst>
-        <pc:spChg chg="mod">
-          <ac:chgData name="Tyanna Frison" userId="c8a9292a7676774c" providerId="LiveId" clId="{0884B420-BC33-F941-8670-1D47317EB863}" dt="2022-06-13T00:16:41.996" v="3288" actId="20577"/>
-          <ac:spMkLst>
-            <pc:docMk/>
-            <pc:sldMk cId="3741979173" sldId="257"/>
-            <ac:spMk id="2" creationId="{6018CAB4-1B8F-824D-ADC0-5611E8CAFD44}"/>
-          </ac:spMkLst>
-        </pc:spChg>
-        <pc:spChg chg="add del mod">
-          <ac:chgData name="Tyanna Frison" userId="c8a9292a7676774c" providerId="LiveId" clId="{0884B420-BC33-F941-8670-1D47317EB863}" dt="2022-06-10T16:27:44.164" v="50"/>
-          <ac:spMkLst>
-            <pc:docMk/>
-            <pc:sldMk cId="3741979173" sldId="257"/>
-            <ac:spMk id="3" creationId="{E54181AF-8F0E-804C-8AB1-A47EC3B51A92}"/>
-          </ac:spMkLst>
-        </pc:spChg>
-        <pc:spChg chg="add del mod">
-          <ac:chgData name="Tyanna Frison" userId="c8a9292a7676774c" providerId="LiveId" clId="{0884B420-BC33-F941-8670-1D47317EB863}" dt="2022-06-10T16:28:31.355" v="53"/>
-          <ac:spMkLst>
-            <pc:docMk/>
-            <pc:sldMk cId="3741979173" sldId="257"/>
-            <ac:spMk id="5" creationId="{E4DE9717-A134-E642-92BD-7F6EDA516F06}"/>
-          </ac:spMkLst>
-        </pc:spChg>
-        <pc:spChg chg="add mod">
-          <ac:chgData name="Tyanna Frison" userId="c8a9292a7676774c" providerId="LiveId" clId="{0884B420-BC33-F941-8670-1D47317EB863}" dt="2022-06-10T16:34:34.333" v="345" actId="14100"/>
-          <ac:spMkLst>
-            <pc:docMk/>
-            <pc:sldMk cId="3741979173" sldId="257"/>
-            <ac:spMk id="7" creationId="{45346307-D592-B847-B6F6-AA9DBCBAD607}"/>
-          </ac:spMkLst>
-        </pc:spChg>
-        <pc:spChg chg="add mod">
-          <ac:chgData name="Tyanna Frison" userId="c8a9292a7676774c" providerId="LiveId" clId="{0884B420-BC33-F941-8670-1D47317EB863}" dt="2022-06-10T16:34:57.202" v="347" actId="12"/>
-          <ac:spMkLst>
-            <pc:docMk/>
-            <pc:sldMk cId="3741979173" sldId="257"/>
-            <ac:spMk id="8" creationId="{2091A9CF-DC7F-874A-9888-B093ACAF4CE2}"/>
-          </ac:spMkLst>
-        </pc:spChg>
-        <pc:graphicFrameChg chg="add del mod modGraphic">
-          <ac:chgData name="Tyanna Frison" userId="c8a9292a7676774c" providerId="LiveId" clId="{0884B420-BC33-F941-8670-1D47317EB863}" dt="2022-06-10T16:27:41.451" v="48"/>
-          <ac:graphicFrameMkLst>
-            <pc:docMk/>
-            <pc:sldMk cId="3741979173" sldId="257"/>
-            <ac:graphicFrameMk id="4" creationId="{90FC5FC7-4B55-A144-A341-047883638272}"/>
-          </ac:graphicFrameMkLst>
-        </pc:graphicFrameChg>
-      </pc:sldChg>
-      <pc:sldChg chg="modSp mod">
-        <pc:chgData name="Tyanna Frison" userId="c8a9292a7676774c" providerId="LiveId" clId="{0884B420-BC33-F941-8670-1D47317EB863}" dt="2022-06-10T16:48:16.498" v="403" actId="12"/>
-        <pc:sldMkLst>
-          <pc:docMk/>
-          <pc:sldMk cId="1947129714" sldId="258"/>
-        </pc:sldMkLst>
-        <pc:spChg chg="mod">
-          <ac:chgData name="Tyanna Frison" userId="c8a9292a7676774c" providerId="LiveId" clId="{0884B420-BC33-F941-8670-1D47317EB863}" dt="2022-06-10T16:48:16.498" v="403" actId="12"/>
-          <ac:spMkLst>
-            <pc:docMk/>
-            <pc:sldMk cId="1947129714" sldId="258"/>
-            <ac:spMk id="2" creationId="{531A3473-0DF5-E94B-9CD0-F2B639E35DC6}"/>
-          </ac:spMkLst>
-        </pc:spChg>
-      </pc:sldChg>
-      <pc:sldChg chg="modSp mod">
-        <pc:chgData name="Tyanna Frison" userId="c8a9292a7676774c" providerId="LiveId" clId="{0884B420-BC33-F941-8670-1D47317EB863}" dt="2022-06-12T23:34:45.210" v="3286" actId="27636"/>
-        <pc:sldMkLst>
-          <pc:docMk/>
-          <pc:sldMk cId="753871748" sldId="259"/>
-        </pc:sldMkLst>
-        <pc:spChg chg="mod">
-          <ac:chgData name="Tyanna Frison" userId="c8a9292a7676774c" providerId="LiveId" clId="{0884B420-BC33-F941-8670-1D47317EB863}" dt="2022-06-10T16:45:56.492" v="379" actId="20577"/>
-          <ac:spMkLst>
-            <pc:docMk/>
-            <pc:sldMk cId="753871748" sldId="259"/>
-            <ac:spMk id="4" creationId="{195E0DBA-D03B-F54C-B17E-902D7CD5AB29}"/>
-          </ac:spMkLst>
-        </pc:spChg>
-        <pc:spChg chg="mod">
-          <ac:chgData name="Tyanna Frison" userId="c8a9292a7676774c" providerId="LiveId" clId="{0884B420-BC33-F941-8670-1D47317EB863}" dt="2022-06-12T23:34:45.210" v="3286" actId="27636"/>
-          <ac:spMkLst>
-            <pc:docMk/>
-            <pc:sldMk cId="753871748" sldId="259"/>
-            <ac:spMk id="5" creationId="{45581152-B39E-4745-B3D9-993182EC741C}"/>
-          </ac:spMkLst>
-        </pc:spChg>
-      </pc:sldChg>
-      <pc:sldChg chg="modSp new mod">
-        <pc:chgData name="Tyanna Frison" userId="c8a9292a7676774c" providerId="LiveId" clId="{0884B420-BC33-F941-8670-1D47317EB863}" dt="2022-06-12T23:17:12.379" v="3232" actId="20577"/>
-        <pc:sldMkLst>
-          <pc:docMk/>
-          <pc:sldMk cId="1947078843" sldId="260"/>
-        </pc:sldMkLst>
-        <pc:spChg chg="mod">
-          <ac:chgData name="Tyanna Frison" userId="c8a9292a7676774c" providerId="LiveId" clId="{0884B420-BC33-F941-8670-1D47317EB863}" dt="2022-06-10T16:47:36.597" v="388" actId="207"/>
-          <ac:spMkLst>
-            <pc:docMk/>
-            <pc:sldMk cId="1947078843" sldId="260"/>
-            <ac:spMk id="2" creationId="{707A72E6-D29B-CD49-BEDD-FCCB6445B338}"/>
-          </ac:spMkLst>
-        </pc:spChg>
-        <pc:spChg chg="mod">
-          <ac:chgData name="Tyanna Frison" userId="c8a9292a7676774c" providerId="LiveId" clId="{0884B420-BC33-F941-8670-1D47317EB863}" dt="2022-06-12T23:17:12.379" v="3232" actId="20577"/>
-          <ac:spMkLst>
-            <pc:docMk/>
-            <pc:sldMk cId="1947078843" sldId="260"/>
-            <ac:spMk id="3" creationId="{BCF9B52F-6831-B249-AF12-7E2277035BF1}"/>
-          </ac:spMkLst>
-        </pc:spChg>
-      </pc:sldChg>
-      <pc:sldChg chg="addSp delSp modSp new mod">
-        <pc:chgData name="Tyanna Frison" userId="c8a9292a7676774c" providerId="LiveId" clId="{0884B420-BC33-F941-8670-1D47317EB863}" dt="2022-06-13T00:17:35.102" v="3311" actId="20577"/>
-        <pc:sldMkLst>
-          <pc:docMk/>
-          <pc:sldMk cId="1257573489" sldId="261"/>
-        </pc:sldMkLst>
-        <pc:spChg chg="mod">
-          <ac:chgData name="Tyanna Frison" userId="c8a9292a7676774c" providerId="LiveId" clId="{0884B420-BC33-F941-8670-1D47317EB863}" dt="2022-06-10T17:18:12.159" v="1673" actId="207"/>
-          <ac:spMkLst>
-            <pc:docMk/>
-            <pc:sldMk cId="1257573489" sldId="261"/>
-            <ac:spMk id="2" creationId="{2D448C20-D9F0-E740-8A27-9BBE5EB819AB}"/>
-          </ac:spMkLst>
-        </pc:spChg>
-        <pc:spChg chg="del">
-          <ac:chgData name="Tyanna Frison" userId="c8a9292a7676774c" providerId="LiveId" clId="{0884B420-BC33-F941-8670-1D47317EB863}" dt="2022-06-10T17:23:37.538" v="1674"/>
-          <ac:spMkLst>
-            <pc:docMk/>
-            <pc:sldMk cId="1257573489" sldId="261"/>
-            <ac:spMk id="3" creationId="{DDD7D1A1-8DE4-704E-9DAE-D9F592299BB3}"/>
-          </ac:spMkLst>
-        </pc:spChg>
-        <pc:spChg chg="add del mod">
-          <ac:chgData name="Tyanna Frison" userId="c8a9292a7676774c" providerId="LiveId" clId="{0884B420-BC33-F941-8670-1D47317EB863}" dt="2022-06-10T17:23:58.986" v="1678"/>
-          <ac:spMkLst>
-            <pc:docMk/>
-            <pc:sldMk cId="1257573489" sldId="261"/>
-            <ac:spMk id="6" creationId="{42C61AC9-570A-2E44-BA02-F973C664E534}"/>
-          </ac:spMkLst>
-        </pc:spChg>
-        <pc:spChg chg="add del mod">
-          <ac:chgData name="Tyanna Frison" userId="c8a9292a7676774c" providerId="LiveId" clId="{0884B420-BC33-F941-8670-1D47317EB863}" dt="2022-06-10T17:33:09.637" v="1680"/>
-          <ac:spMkLst>
-            <pc:docMk/>
-            <pc:sldMk cId="1257573489" sldId="261"/>
-            <ac:spMk id="9" creationId="{1D29769F-F2E4-4C4F-8E62-2D221EEDCC49}"/>
-          </ac:spMkLst>
-        </pc:spChg>
-        <pc:spChg chg="add del mod">
-          <ac:chgData name="Tyanna Frison" userId="c8a9292a7676774c" providerId="LiveId" clId="{0884B420-BC33-F941-8670-1D47317EB863}" dt="2022-06-10T17:41:41.717" v="1704"/>
-          <ac:spMkLst>
-            <pc:docMk/>
-            <pc:sldMk cId="1257573489" sldId="261"/>
-            <ac:spMk id="12" creationId="{EF96A45E-6842-C34A-9350-90E610D91E80}"/>
-          </ac:spMkLst>
-        </pc:spChg>
-        <pc:spChg chg="add mod">
-          <ac:chgData name="Tyanna Frison" userId="c8a9292a7676774c" providerId="LiveId" clId="{0884B420-BC33-F941-8670-1D47317EB863}" dt="2022-06-10T17:51:30.633" v="1831" actId="14100"/>
-          <ac:spMkLst>
-            <pc:docMk/>
-            <pc:sldMk cId="1257573489" sldId="261"/>
-            <ac:spMk id="14" creationId="{FF58C20D-439C-634B-8C61-00074BCEC17A}"/>
-          </ac:spMkLst>
-        </pc:spChg>
-        <pc:graphicFrameChg chg="add del mod modGraphic">
-          <ac:chgData name="Tyanna Frison" userId="c8a9292a7676774c" providerId="LiveId" clId="{0884B420-BC33-F941-8670-1D47317EB863}" dt="2022-06-10T17:23:46.882" v="1677" actId="478"/>
-          <ac:graphicFrameMkLst>
-            <pc:docMk/>
-            <pc:sldMk cId="1257573489" sldId="261"/>
-            <ac:graphicFrameMk id="4" creationId="{49311451-6BC7-6240-8355-E130EA409276}"/>
-          </ac:graphicFrameMkLst>
-        </pc:graphicFrameChg>
-        <pc:graphicFrameChg chg="add del mod">
-          <ac:chgData name="Tyanna Frison" userId="c8a9292a7676774c" providerId="LiveId" clId="{0884B420-BC33-F941-8670-1D47317EB863}" dt="2022-06-10T17:24:01.928" v="1679" actId="478"/>
-          <ac:graphicFrameMkLst>
-            <pc:docMk/>
-            <pc:sldMk cId="1257573489" sldId="261"/>
-            <ac:graphicFrameMk id="7" creationId="{116F14AD-E472-1545-B362-D0C3A36A6E1B}"/>
-          </ac:graphicFrameMkLst>
-        </pc:graphicFrameChg>
-        <pc:graphicFrameChg chg="add mod">
-          <ac:chgData name="Tyanna Frison" userId="c8a9292a7676774c" providerId="LiveId" clId="{0884B420-BC33-F941-8670-1D47317EB863}" dt="2022-06-13T00:17:35.102" v="3311" actId="20577"/>
-          <ac:graphicFrameMkLst>
-            <pc:docMk/>
-            <pc:sldMk cId="1257573489" sldId="261"/>
-            <ac:graphicFrameMk id="10" creationId="{B38FB6C9-CF6F-7043-A1DA-2B1F13CDC079}"/>
-          </ac:graphicFrameMkLst>
-        </pc:graphicFrameChg>
-        <pc:graphicFrameChg chg="add mod">
-          <ac:chgData name="Tyanna Frison" userId="c8a9292a7676774c" providerId="LiveId" clId="{0884B420-BC33-F941-8670-1D47317EB863}" dt="2022-06-10T17:38:41.359" v="1693"/>
-          <ac:graphicFrameMkLst>
-            <pc:docMk/>
-            <pc:sldMk cId="1257573489" sldId="261"/>
-            <ac:graphicFrameMk id="11" creationId="{B38FB6C9-CF6F-7043-A1DA-2B1F13CDC079}"/>
-          </ac:graphicFrameMkLst>
-        </pc:graphicFrameChg>
-        <pc:graphicFrameChg chg="add mod">
-          <ac:chgData name="Tyanna Frison" userId="c8a9292a7676774c" providerId="LiveId" clId="{0884B420-BC33-F941-8670-1D47317EB863}" dt="2022-06-10T17:41:31.827" v="1702"/>
-          <ac:graphicFrameMkLst>
-            <pc:docMk/>
-            <pc:sldMk cId="1257573489" sldId="261"/>
-            <ac:graphicFrameMk id="13" creationId="{0214E1D3-7DAB-D84C-BA9B-0570B5C38F18}"/>
-          </ac:graphicFrameMkLst>
-        </pc:graphicFrameChg>
-      </pc:sldChg>
-      <pc:sldChg chg="addSp delSp modSp new mod">
-        <pc:chgData name="Tyanna Frison" userId="c8a9292a7676774c" providerId="LiveId" clId="{0884B420-BC33-F941-8670-1D47317EB863}" dt="2022-06-12T23:26:02.928" v="3262" actId="20577"/>
-        <pc:sldMkLst>
-          <pc:docMk/>
-          <pc:sldMk cId="4212845624" sldId="262"/>
-        </pc:sldMkLst>
-        <pc:spChg chg="mod">
-          <ac:chgData name="Tyanna Frison" userId="c8a9292a7676774c" providerId="LiveId" clId="{0884B420-BC33-F941-8670-1D47317EB863}" dt="2022-06-10T18:44:29.415" v="3044" actId="207"/>
-          <ac:spMkLst>
-            <pc:docMk/>
-            <pc:sldMk cId="4212845624" sldId="262"/>
-            <ac:spMk id="2" creationId="{B3606A8F-3C72-C444-B9A6-771E20E43525}"/>
-          </ac:spMkLst>
-        </pc:spChg>
-        <pc:spChg chg="add del">
-          <ac:chgData name="Tyanna Frison" userId="c8a9292a7676774c" providerId="LiveId" clId="{0884B420-BC33-F941-8670-1D47317EB863}" dt="2022-06-10T17:54:56.619" v="1854"/>
-          <ac:spMkLst>
-            <pc:docMk/>
-            <pc:sldMk cId="4212845624" sldId="262"/>
-            <ac:spMk id="3" creationId="{4E3C8ECC-63B9-DE43-8B73-9D745FC4420E}"/>
-          </ac:spMkLst>
-        </pc:spChg>
-        <pc:spChg chg="add del mod">
-          <ac:chgData name="Tyanna Frison" userId="c8a9292a7676774c" providerId="LiveId" clId="{0884B420-BC33-F941-8670-1D47317EB863}" dt="2022-06-10T18:21:02.481" v="1875" actId="767"/>
-          <ac:spMkLst>
-            <pc:docMk/>
-            <pc:sldMk cId="4212845624" sldId="262"/>
-            <ac:spMk id="6" creationId="{EC0957EC-A9E2-4A48-9B15-7FB92EA62EFA}"/>
-          </ac:spMkLst>
-        </pc:spChg>
-        <pc:spChg chg="mod">
-          <ac:chgData name="Tyanna Frison" userId="c8a9292a7676774c" providerId="LiveId" clId="{0884B420-BC33-F941-8670-1D47317EB863}" dt="2022-06-10T18:23:46.368" v="1892" actId="27803"/>
-          <ac:spMkLst>
-            <pc:docMk/>
-            <pc:sldMk cId="4212845624" sldId="262"/>
-            <ac:spMk id="13" creationId="{52E823BA-F3C3-3D43-9041-545380264FF2}"/>
-          </ac:spMkLst>
-        </pc:spChg>
-        <pc:spChg chg="add mod">
-          <ac:chgData name="Tyanna Frison" userId="c8a9292a7676774c" providerId="LiveId" clId="{0884B420-BC33-F941-8670-1D47317EB863}" dt="2022-06-10T18:25:42.270" v="2030" actId="20577"/>
-          <ac:spMkLst>
-            <pc:docMk/>
-            <pc:sldMk cId="4212845624" sldId="262"/>
-            <ac:spMk id="14" creationId="{28F19905-730A-4542-9BC6-492CAD3E7720}"/>
-          </ac:spMkLst>
-        </pc:spChg>
-        <pc:spChg chg="add del mod">
-          <ac:chgData name="Tyanna Frison" userId="c8a9292a7676774c" providerId="LiveId" clId="{0884B420-BC33-F941-8670-1D47317EB863}" dt="2022-06-10T18:24:14.393" v="1896" actId="478"/>
-          <ac:spMkLst>
-            <pc:docMk/>
-            <pc:sldMk cId="4212845624" sldId="262"/>
-            <ac:spMk id="15" creationId="{3D929451-9D25-6E40-9AEF-384D82C272A7}"/>
-          </ac:spMkLst>
-        </pc:spChg>
-        <pc:spChg chg="add mod">
-          <ac:chgData name="Tyanna Frison" userId="c8a9292a7676774c" providerId="LiveId" clId="{0884B420-BC33-F941-8670-1D47317EB863}" dt="2022-06-12T23:26:02.928" v="3262" actId="20577"/>
-          <ac:spMkLst>
-            <pc:docMk/>
-            <pc:sldMk cId="4212845624" sldId="262"/>
-            <ac:spMk id="16" creationId="{3D92847C-BE0F-8E45-BBE4-61FBBBB1CFD9}"/>
-          </ac:spMkLst>
-        </pc:spChg>
-        <pc:spChg chg="add mod">
-          <ac:chgData name="Tyanna Frison" userId="c8a9292a7676774c" providerId="LiveId" clId="{0884B420-BC33-F941-8670-1D47317EB863}" dt="2022-06-10T18:27:55.336" v="2258" actId="20577"/>
-          <ac:spMkLst>
-            <pc:docMk/>
-            <pc:sldMk cId="4212845624" sldId="262"/>
-            <ac:spMk id="17" creationId="{65993479-EFCE-EF45-9FA6-B9D962B0F138}"/>
-          </ac:spMkLst>
-        </pc:spChg>
-        <pc:graphicFrameChg chg="add del mod ord modGraphic">
-          <ac:chgData name="Tyanna Frison" userId="c8a9292a7676774c" providerId="LiveId" clId="{0884B420-BC33-F941-8670-1D47317EB863}" dt="2022-06-10T17:54:29.153" v="1853" actId="3680"/>
-          <ac:graphicFrameMkLst>
-            <pc:docMk/>
-            <pc:sldMk cId="4212845624" sldId="262"/>
-            <ac:graphicFrameMk id="4" creationId="{CB0FC2A7-D164-9947-9888-F912D6F57DD0}"/>
-          </ac:graphicFrameMkLst>
-        </pc:graphicFrameChg>
-        <pc:graphicFrameChg chg="add mod modGraphic">
-          <ac:chgData name="Tyanna Frison" userId="c8a9292a7676774c" providerId="LiveId" clId="{0884B420-BC33-F941-8670-1D47317EB863}" dt="2022-06-10T18:07:59.885" v="1871"/>
-          <ac:graphicFrameMkLst>
-            <pc:docMk/>
-            <pc:sldMk cId="4212845624" sldId="262"/>
-            <ac:graphicFrameMk id="5" creationId="{B270BF1D-E605-604B-8263-FE40670C1B76}"/>
-          </ac:graphicFrameMkLst>
-        </pc:graphicFrameChg>
-        <pc:picChg chg="add del mod">
-          <ac:chgData name="Tyanna Frison" userId="c8a9292a7676774c" providerId="LiveId" clId="{0884B420-BC33-F941-8670-1D47317EB863}" dt="2022-06-10T18:23:46.368" v="1892" actId="27803"/>
-          <ac:picMkLst>
-            <pc:docMk/>
-            <pc:sldMk cId="4212845624" sldId="262"/>
-            <ac:picMk id="8" creationId="{52E823BA-F3C3-3D43-9041-545380264FF2}"/>
-          </ac:picMkLst>
-        </pc:picChg>
-        <pc:picChg chg="add mod">
-          <ac:chgData name="Tyanna Frison" userId="c8a9292a7676774c" providerId="LiveId" clId="{0884B420-BC33-F941-8670-1D47317EB863}" dt="2022-06-10T18:22:29.294" v="1884" actId="207"/>
-          <ac:picMkLst>
-            <pc:docMk/>
-            <pc:sldMk cId="4212845624" sldId="262"/>
-            <ac:picMk id="10" creationId="{6EC2EF08-642D-404D-9F2E-DFD3BDA03998}"/>
-          </ac:picMkLst>
-        </pc:picChg>
-        <pc:picChg chg="add mod">
-          <ac:chgData name="Tyanna Frison" userId="c8a9292a7676774c" providerId="LiveId" clId="{0884B420-BC33-F941-8670-1D47317EB863}" dt="2022-06-10T18:22:22.158" v="1883" actId="207"/>
-          <ac:picMkLst>
-            <pc:docMk/>
-            <pc:sldMk cId="4212845624" sldId="262"/>
-            <ac:picMk id="12" creationId="{199C0DC2-2E55-1640-9DBF-C7E98EA425C6}"/>
-          </ac:picMkLst>
-        </pc:picChg>
-      </pc:sldChg>
-      <pc:sldChg chg="modSp new mod">
-        <pc:chgData name="Tyanna Frison" userId="c8a9292a7676774c" providerId="LiveId" clId="{0884B420-BC33-F941-8670-1D47317EB863}" dt="2022-06-10T18:44:21.366" v="3043" actId="207"/>
-        <pc:sldMkLst>
-          <pc:docMk/>
-          <pc:sldMk cId="580219266" sldId="263"/>
-        </pc:sldMkLst>
-        <pc:spChg chg="mod">
-          <ac:chgData name="Tyanna Frison" userId="c8a9292a7676774c" providerId="LiveId" clId="{0884B420-BC33-F941-8670-1D47317EB863}" dt="2022-06-10T18:44:21.366" v="3043" actId="207"/>
-          <ac:spMkLst>
-            <pc:docMk/>
-            <pc:sldMk cId="580219266" sldId="263"/>
-            <ac:spMk id="2" creationId="{03A9755A-1271-844A-9869-AFB705F2900D}"/>
-          </ac:spMkLst>
-        </pc:spChg>
-        <pc:spChg chg="mod">
-          <ac:chgData name="Tyanna Frison" userId="c8a9292a7676774c" providerId="LiveId" clId="{0884B420-BC33-F941-8670-1D47317EB863}" dt="2022-06-10T18:36:12.246" v="2692" actId="20577"/>
-          <ac:spMkLst>
-            <pc:docMk/>
-            <pc:sldMk cId="580219266" sldId="263"/>
-            <ac:spMk id="3" creationId="{107C11D2-F2FD-C84B-A668-3EBEC8E77A6E}"/>
-          </ac:spMkLst>
-        </pc:spChg>
-      </pc:sldChg>
-      <pc:sldChg chg="addSp delSp modSp new mod">
-        <pc:chgData name="Tyanna Frison" userId="c8a9292a7676774c" providerId="LiveId" clId="{0884B420-BC33-F941-8670-1D47317EB863}" dt="2022-06-12T23:33:17.630" v="3283" actId="20577"/>
-        <pc:sldMkLst>
-          <pc:docMk/>
-          <pc:sldMk cId="3430050265" sldId="264"/>
-        </pc:sldMkLst>
-        <pc:spChg chg="mod">
-          <ac:chgData name="Tyanna Frison" userId="c8a9292a7676774c" providerId="LiveId" clId="{0884B420-BC33-F941-8670-1D47317EB863}" dt="2022-06-10T18:44:15.416" v="3042" actId="207"/>
-          <ac:spMkLst>
-            <pc:docMk/>
-            <pc:sldMk cId="3430050265" sldId="264"/>
-            <ac:spMk id="2" creationId="{710AA4BC-CA73-F343-8636-D59EBF07AF30}"/>
-          </ac:spMkLst>
-        </pc:spChg>
-        <pc:spChg chg="mod">
-          <ac:chgData name="Tyanna Frison" userId="c8a9292a7676774c" providerId="LiveId" clId="{0884B420-BC33-F941-8670-1D47317EB863}" dt="2022-06-12T23:33:17.630" v="3283" actId="20577"/>
-          <ac:spMkLst>
-            <pc:docMk/>
-            <pc:sldMk cId="3430050265" sldId="264"/>
-            <ac:spMk id="3" creationId="{A72B3CFE-92EF-B94B-886B-754AAF52E179}"/>
-          </ac:spMkLst>
-        </pc:spChg>
-        <pc:graphicFrameChg chg="add mod modGraphic">
-          <ac:chgData name="Tyanna Frison" userId="c8a9292a7676774c" providerId="LiveId" clId="{0884B420-BC33-F941-8670-1D47317EB863}" dt="2022-06-10T18:38:49.514" v="2852" actId="14100"/>
-          <ac:graphicFrameMkLst>
-            <pc:docMk/>
-            <pc:sldMk cId="3430050265" sldId="264"/>
-            <ac:graphicFrameMk id="4" creationId="{44BD2DED-22E5-4241-B027-4EF0AD0F5C37}"/>
-          </ac:graphicFrameMkLst>
-        </pc:graphicFrameChg>
-        <pc:graphicFrameChg chg="add del mod">
-          <ac:chgData name="Tyanna Frison" userId="c8a9292a7676774c" providerId="LiveId" clId="{0884B420-BC33-F941-8670-1D47317EB863}" dt="2022-06-10T18:40:18.515" v="2854"/>
-          <ac:graphicFrameMkLst>
-            <pc:docMk/>
-            <pc:sldMk cId="3430050265" sldId="264"/>
-            <ac:graphicFrameMk id="5" creationId="{4C06F924-B93B-7848-A901-D936EDB3000F}"/>
-          </ac:graphicFrameMkLst>
-        </pc:graphicFrameChg>
-        <pc:graphicFrameChg chg="add mod">
-          <ac:chgData name="Tyanna Frison" userId="c8a9292a7676774c" providerId="LiveId" clId="{0884B420-BC33-F941-8670-1D47317EB863}" dt="2022-06-10T18:41:11.319" v="2857"/>
-          <ac:graphicFrameMkLst>
-            <pc:docMk/>
-            <pc:sldMk cId="3430050265" sldId="264"/>
-            <ac:graphicFrameMk id="6" creationId="{FAD6CE5A-CF8D-CE4D-AAF7-6B9B421D8765}"/>
-          </ac:graphicFrameMkLst>
-        </pc:graphicFrameChg>
-      </pc:sldChg>
-      <pc:sldChg chg="addSp delSp modSp new mod">
-        <pc:chgData name="Tyanna Frison" userId="c8a9292a7676774c" providerId="LiveId" clId="{0884B420-BC33-F941-8670-1D47317EB863}" dt="2022-06-10T18:44:00.660" v="3040"/>
-        <pc:sldMkLst>
-          <pc:docMk/>
-          <pc:sldMk cId="4210724390" sldId="265"/>
-        </pc:sldMkLst>
-        <pc:spChg chg="mod">
-          <ac:chgData name="Tyanna Frison" userId="c8a9292a7676774c" providerId="LiveId" clId="{0884B420-BC33-F941-8670-1D47317EB863}" dt="2022-06-10T18:43:59.479" v="3038" actId="207"/>
-          <ac:spMkLst>
-            <pc:docMk/>
-            <pc:sldMk cId="4210724390" sldId="265"/>
-            <ac:spMk id="2" creationId="{43E6BB2B-3897-174C-A3D8-D12A96B9A3EE}"/>
-          </ac:spMkLst>
-        </pc:spChg>
-        <pc:spChg chg="mod">
-          <ac:chgData name="Tyanna Frison" userId="c8a9292a7676774c" providerId="LiveId" clId="{0884B420-BC33-F941-8670-1D47317EB863}" dt="2022-06-10T18:43:17.883" v="3036" actId="20577"/>
-          <ac:spMkLst>
-            <pc:docMk/>
-            <pc:sldMk cId="4210724390" sldId="265"/>
-            <ac:spMk id="3" creationId="{7A89EF51-CFE2-2B47-A6C1-6F103DFA5062}"/>
-          </ac:spMkLst>
-        </pc:spChg>
-        <pc:spChg chg="add del mod">
-          <ac:chgData name="Tyanna Frison" userId="c8a9292a7676774c" providerId="LiveId" clId="{0884B420-BC33-F941-8670-1D47317EB863}" dt="2022-06-10T18:44:00.660" v="3040"/>
-          <ac:spMkLst>
-            <pc:docMk/>
-            <pc:sldMk cId="4210724390" sldId="265"/>
-            <ac:spMk id="4" creationId="{22FC199A-8B17-194F-BCDA-EB8A813CAFDE}"/>
-          </ac:spMkLst>
-        </pc:spChg>
-      </pc:sldChg>
-      <pc:sldChg chg="delSp modSp new mod">
-        <pc:chgData name="Tyanna Frison" userId="c8a9292a7676774c" providerId="LiveId" clId="{0884B420-BC33-F941-8670-1D47317EB863}" dt="2022-06-10T18:45:12.698" v="3165" actId="207"/>
-        <pc:sldMkLst>
-          <pc:docMk/>
-          <pc:sldMk cId="974526142" sldId="266"/>
-        </pc:sldMkLst>
-        <pc:spChg chg="mod">
-          <ac:chgData name="Tyanna Frison" userId="c8a9292a7676774c" providerId="LiveId" clId="{0884B420-BC33-F941-8670-1D47317EB863}" dt="2022-06-10T18:45:12.698" v="3165" actId="207"/>
-          <ac:spMkLst>
-            <pc:docMk/>
-            <pc:sldMk cId="974526142" sldId="266"/>
-            <ac:spMk id="2" creationId="{13119417-5F86-314D-9D77-D62AC5BBF07D}"/>
-          </ac:spMkLst>
-        </pc:spChg>
-        <pc:spChg chg="del mod">
-          <ac:chgData name="Tyanna Frison" userId="c8a9292a7676774c" providerId="LiveId" clId="{0884B420-BC33-F941-8670-1D47317EB863}" dt="2022-06-10T18:44:41.187" v="3047" actId="478"/>
-          <ac:spMkLst>
-            <pc:docMk/>
-            <pc:sldMk cId="974526142" sldId="266"/>
-            <ac:spMk id="3" creationId="{089F54C3-CB0E-024E-B9EE-60DDF1572EC8}"/>
-          </ac:spMkLst>
-        </pc:spChg>
-      </pc:sldChg>
-    </pc:docChg>
-  </pc:docChgLst>
-  <pc:docChgLst>
-    <pc:chgData name="Tyanna Frison" userId="c8a9292a7676774c" providerId="Windows Live" clId="Web-{2ECCF882-F447-4C54-8CD7-D6A2C9CC64B2}"/>
-    <pc:docChg chg="modSld">
-      <pc:chgData name="Tyanna Frison" userId="c8a9292a7676774c" providerId="Windows Live" clId="Web-{2ECCF882-F447-4C54-8CD7-D6A2C9CC64B2}" dt="2022-06-05T22:18:36.711" v="28" actId="20577"/>
-      <pc:docMkLst>
-        <pc:docMk/>
-      </pc:docMkLst>
-      <pc:sldChg chg="modSp">
-        <pc:chgData name="Tyanna Frison" userId="c8a9292a7676774c" providerId="Windows Live" clId="Web-{2ECCF882-F447-4C54-8CD7-D6A2C9CC64B2}" dt="2022-06-05T22:18:25.429" v="23" actId="20577"/>
-        <pc:sldMkLst>
-          <pc:docMk/>
-          <pc:sldMk cId="1726641951" sldId="256"/>
-        </pc:sldMkLst>
-        <pc:spChg chg="mod">
-          <ac:chgData name="Tyanna Frison" userId="c8a9292a7676774c" providerId="Windows Live" clId="Web-{2ECCF882-F447-4C54-8CD7-D6A2C9CC64B2}" dt="2022-06-05T22:18:25.429" v="23" actId="20577"/>
-          <ac:spMkLst>
-            <pc:docMk/>
-            <pc:sldMk cId="1726641951" sldId="256"/>
-            <ac:spMk id="3" creationId="{D8EAFC47-29C8-DA4B-802C-DEA9A036607B}"/>
-          </ac:spMkLst>
-        </pc:spChg>
-      </pc:sldChg>
-      <pc:sldChg chg="addSp delSp modSp">
-        <pc:chgData name="Tyanna Frison" userId="c8a9292a7676774c" providerId="Windows Live" clId="Web-{2ECCF882-F447-4C54-8CD7-D6A2C9CC64B2}" dt="2022-06-05T22:18:36.711" v="28" actId="20577"/>
-        <pc:sldMkLst>
-          <pc:docMk/>
-          <pc:sldMk cId="1947129714" sldId="258"/>
-        </pc:sldMkLst>
-        <pc:spChg chg="mod">
-          <ac:chgData name="Tyanna Frison" userId="c8a9292a7676774c" providerId="Windows Live" clId="Web-{2ECCF882-F447-4C54-8CD7-D6A2C9CC64B2}" dt="2022-06-05T22:18:36.711" v="28" actId="20577"/>
-          <ac:spMkLst>
-            <pc:docMk/>
-            <pc:sldMk cId="1947129714" sldId="258"/>
-            <ac:spMk id="2" creationId="{531A3473-0DF5-E94B-9CD0-F2B639E35DC6}"/>
-          </ac:spMkLst>
-        </pc:spChg>
-        <pc:spChg chg="mod">
-          <ac:chgData name="Tyanna Frison" userId="c8a9292a7676774c" providerId="Windows Live" clId="Web-{2ECCF882-F447-4C54-8CD7-D6A2C9CC64B2}" dt="2022-06-05T22:17:26.240" v="15" actId="20577"/>
-          <ac:spMkLst>
-            <pc:docMk/>
-            <pc:sldMk cId="1947129714" sldId="258"/>
-            <ac:spMk id="3" creationId="{B084AFD4-34A0-4B42-8C5B-24E97AF43C68}"/>
-          </ac:spMkLst>
-        </pc:spChg>
-        <pc:spChg chg="add del mod">
-          <ac:chgData name="Tyanna Frison" userId="c8a9292a7676774c" providerId="Windows Live" clId="Web-{2ECCF882-F447-4C54-8CD7-D6A2C9CC64B2}" dt="2022-06-05T22:17:16.350" v="12"/>
-          <ac:spMkLst>
-            <pc:docMk/>
-            <pc:sldMk cId="1947129714" sldId="258"/>
-            <ac:spMk id="4" creationId="{FA943432-DA56-242E-331E-B9374C8916ED}"/>
-          </ac:spMkLst>
-        </pc:spChg>
-        <pc:spChg chg="add del mod">
-          <ac:chgData name="Tyanna Frison" userId="c8a9292a7676774c" providerId="Windows Live" clId="Web-{2ECCF882-F447-4C54-8CD7-D6A2C9CC64B2}" dt="2022-06-05T22:16:56.521" v="6"/>
-          <ac:spMkLst>
-            <pc:docMk/>
-            <pc:sldMk cId="1947129714" sldId="258"/>
-            <ac:spMk id="5" creationId="{6143141B-1430-4FF3-5B29-0234C0054D99}"/>
-          </ac:spMkLst>
-        </pc:spChg>
-        <pc:spChg chg="add del">
-          <ac:chgData name="Tyanna Frison" userId="c8a9292a7676774c" providerId="Windows Live" clId="Web-{2ECCF882-F447-4C54-8CD7-D6A2C9CC64B2}" dt="2022-06-05T22:16:39.802" v="3"/>
-          <ac:spMkLst>
-            <pc:docMk/>
-            <pc:sldMk cId="1947129714" sldId="258"/>
-            <ac:spMk id="6" creationId="{4171BAC0-C723-5225-86B2-7D95B9F29290}"/>
-          </ac:spMkLst>
-        </pc:spChg>
-        <pc:spChg chg="add del">
-          <ac:chgData name="Tyanna Frison" userId="c8a9292a7676774c" providerId="Windows Live" clId="Web-{2ECCF882-F447-4C54-8CD7-D6A2C9CC64B2}" dt="2022-06-05T22:17:30.397" v="17"/>
-          <ac:spMkLst>
-            <pc:docMk/>
-            <pc:sldMk cId="1947129714" sldId="258"/>
-            <ac:spMk id="7" creationId="{4DD97EB0-4E86-D44B-A00E-262C0F5DC27A}"/>
-          </ac:spMkLst>
-        </pc:spChg>
-        <pc:spChg chg="add del">
-          <ac:chgData name="Tyanna Frison" userId="c8a9292a7676774c" providerId="Windows Live" clId="Web-{2ECCF882-F447-4C54-8CD7-D6A2C9CC64B2}" dt="2022-06-05T22:17:28.662" v="16"/>
-          <ac:spMkLst>
-            <pc:docMk/>
-            <pc:sldMk cId="1947129714" sldId="258"/>
-            <ac:spMk id="8" creationId="{A4DF824F-53DC-0EBF-6559-B63BBCA8498B}"/>
-          </ac:spMkLst>
-        </pc:spChg>
-      </pc:sldChg>
-      <pc:sldChg chg="modSp">
-        <pc:chgData name="Tyanna Frison" userId="c8a9292a7676774c" providerId="Windows Live" clId="Web-{2ECCF882-F447-4C54-8CD7-D6A2C9CC64B2}" dt="2022-06-05T22:17:41.100" v="18" actId="20577"/>
-        <pc:sldMkLst>
-          <pc:docMk/>
-          <pc:sldMk cId="753871748" sldId="259"/>
-        </pc:sldMkLst>
-        <pc:spChg chg="mod">
-          <ac:chgData name="Tyanna Frison" userId="c8a9292a7676774c" providerId="Windows Live" clId="Web-{2ECCF882-F447-4C54-8CD7-D6A2C9CC64B2}" dt="2022-06-05T22:17:41.100" v="18" actId="20577"/>
-          <ac:spMkLst>
-            <pc:docMk/>
-            <pc:sldMk cId="753871748" sldId="259"/>
-            <ac:spMk id="4" creationId="{195E0DBA-D03B-F54C-B17E-902D7CD5AB29}"/>
-          </ac:spMkLst>
-        </pc:spChg>
-      </pc:sldChg>
-    </pc:docChg>
-  </pc:docChgLst>
-</pc:chgInfo>
 </file>
 
 <file path=ppt/charts/chart1.xml><?xml version="1.0" encoding="utf-8"?>
@@ -2377,8 +1771,8 @@
     </mc:Fallback>
   </mc:AlternateContent>
   <c:pivotSource>
-    <c:name>[capstone1 excel.xlsx]dashboard!PivotTable17</c:name>
-    <c:fmtId val="-1"/>
+    <c:name>[capstone1 excel (1).xlsx]dashboard!PivotTable17</c:name>
+    <c:fmtId val="8"/>
   </c:pivotSource>
   <c:chart>
     <c:title>
@@ -2402,13 +1796,12 @@
             </a:pPr>
             <a:r>
               <a:rPr lang="en-US"/>
-              <a:t>Useer</a:t>
+              <a:t>User</a:t>
             </a:r>
             <a:r>
               <a:rPr lang="en-US" baseline="0"/>
-              <a:t> Scenario</a:t>
-            </a:r>
-            <a:endParaRPr lang="en-US"/>
+              <a:t> Scenarios</a:t>
+            </a:r>
           </a:p>
         </c:rich>
       </c:tx>
@@ -2445,49 +1838,8 @@
     <c:pivotFmts>
       <c:pivotFmt>
         <c:idx val="0"/>
-        <c:spPr>
-          <a:solidFill>
-            <a:schemeClr val="accent1"/>
-          </a:solidFill>
-          <a:ln>
-            <a:noFill/>
-          </a:ln>
-          <a:effectLst/>
-        </c:spPr>
-        <c:marker>
-          <c:symbol val="none"/>
-        </c:marker>
         <c:dLbl>
           <c:idx val="0"/>
-          <c:spPr>
-            <a:noFill/>
-            <a:ln>
-              <a:noFill/>
-            </a:ln>
-            <a:effectLst/>
-          </c:spPr>
-          <c:txPr>
-            <a:bodyPr rot="0" spcFirstLastPara="1" vertOverflow="ellipsis" vert="horz" wrap="square" lIns="38100" tIns="19050" rIns="38100" bIns="19050" anchor="ctr" anchorCtr="1">
-              <a:spAutoFit/>
-            </a:bodyPr>
-            <a:lstStyle/>
-            <a:p>
-              <a:pPr>
-                <a:defRPr sz="900" b="0" i="0" u="none" strike="noStrike" kern="1200" baseline="0">
-                  <a:solidFill>
-                    <a:schemeClr val="tx1">
-                      <a:lumMod val="75000"/>
-                      <a:lumOff val="25000"/>
-                    </a:schemeClr>
-                  </a:solidFill>
-                  <a:latin typeface="+mn-lt"/>
-                  <a:ea typeface="+mn-ea"/>
-                  <a:cs typeface="+mn-cs"/>
-                </a:defRPr>
-              </a:pPr>
-              <a:endParaRPr lang="en-US"/>
-            </a:p>
-          </c:txPr>
           <c:showLegendKey val="0"/>
           <c:showVal val="0"/>
           <c:showCatName val="0"/>
@@ -2511,7 +1863,19 @@
           <a:effectLst/>
         </c:spPr>
         <c:marker>
-          <c:symbol val="none"/>
+          <c:symbol val="circle"/>
+          <c:size val="5"/>
+          <c:spPr>
+            <a:solidFill>
+              <a:schemeClr val="accent1"/>
+            </a:solidFill>
+            <a:ln w="9525">
+              <a:solidFill>
+                <a:schemeClr val="accent1"/>
+              </a:solidFill>
+            </a:ln>
+            <a:effectLst/>
+          </c:spPr>
         </c:marker>
         <c:dLbl>
           <c:idx val="0"/>
@@ -2719,17 +2083,17 @@
                 <c:formatCode>General</c:formatCode>
                 <c:ptCount val="2"/>
                 <c:pt idx="0">
-                  <c:v>421049166125</c:v>
+                  <c:v>25766375</c:v>
                 </c:pt>
                 <c:pt idx="1">
-                  <c:v>439995249526</c:v>
+                  <c:v>28336032.288840782</c:v>
                 </c:pt>
               </c:numCache>
             </c:numRef>
           </c:val>
           <c:extLst>
             <c:ext xmlns:c16="http://schemas.microsoft.com/office/drawing/2014/chart" uri="{C3380CC4-5D6E-409C-BE32-E72D297353CC}">
-              <c16:uniqueId val="{00000000-754A-4246-BDCD-5441CA693F3A}"/>
+              <c16:uniqueId val="{00000000-5793-BF4D-A63E-9A5563EEAA25}"/>
             </c:ext>
           </c:extLst>
         </c:ser>
@@ -5082,6 +4446,439 @@
 </cs:chartStyle>
 </file>
 
+<file path=ppt/notesMasters/notesMaster1.xml><?xml version="1.0" encoding="utf-8"?>
+<p:notesMaster xmlns:a="http://schemas.openxmlformats.org/drawingml/2006/main" xmlns:r="http://schemas.openxmlformats.org/officeDocument/2006/relationships" xmlns:p="http://schemas.openxmlformats.org/presentationml/2006/main">
+  <p:cSld>
+    <p:bg>
+      <p:bgRef idx="1001">
+        <a:schemeClr val="bg1"/>
+      </p:bgRef>
+    </p:bg>
+    <p:spTree>
+      <p:nvGrpSpPr>
+        <p:cNvPr id="1" name=""/>
+        <p:cNvGrpSpPr/>
+        <p:nvPr/>
+      </p:nvGrpSpPr>
+      <p:grpSpPr>
+        <a:xfrm>
+          <a:off x="0" y="0"/>
+          <a:ext cx="0" cy="0"/>
+          <a:chOff x="0" y="0"/>
+          <a:chExt cx="0" cy="0"/>
+        </a:xfrm>
+      </p:grpSpPr>
+      <p:sp>
+        <p:nvSpPr>
+          <p:cNvPr id="2" name="Header Placeholder 1"/>
+          <p:cNvSpPr>
+            <a:spLocks noGrp="1"/>
+          </p:cNvSpPr>
+          <p:nvPr>
+            <p:ph type="hdr" sz="quarter"/>
+          </p:nvPr>
+        </p:nvSpPr>
+        <p:spPr>
+          <a:xfrm>
+            <a:off x="0" y="0"/>
+            <a:ext cx="2971800" cy="458788"/>
+          </a:xfrm>
+          <a:prstGeom prst="rect">
+            <a:avLst/>
+          </a:prstGeom>
+        </p:spPr>
+        <p:txBody>
+          <a:bodyPr vert="horz" lIns="91440" tIns="45720" rIns="91440" bIns="45720" rtlCol="0"/>
+          <a:lstStyle>
+            <a:lvl1pPr algn="l">
+              <a:defRPr sz="1200"/>
+            </a:lvl1pPr>
+          </a:lstStyle>
+          <a:p>
+            <a:endParaRPr lang="en-US"/>
+          </a:p>
+        </p:txBody>
+      </p:sp>
+      <p:sp>
+        <p:nvSpPr>
+          <p:cNvPr id="3" name="Date Placeholder 2"/>
+          <p:cNvSpPr>
+            <a:spLocks noGrp="1"/>
+          </p:cNvSpPr>
+          <p:nvPr>
+            <p:ph type="dt" idx="1"/>
+          </p:nvPr>
+        </p:nvSpPr>
+        <p:spPr>
+          <a:xfrm>
+            <a:off x="3884613" y="0"/>
+            <a:ext cx="2971800" cy="458788"/>
+          </a:xfrm>
+          <a:prstGeom prst="rect">
+            <a:avLst/>
+          </a:prstGeom>
+        </p:spPr>
+        <p:txBody>
+          <a:bodyPr vert="horz" lIns="91440" tIns="45720" rIns="91440" bIns="45720" rtlCol="0"/>
+          <a:lstStyle>
+            <a:lvl1pPr algn="r">
+              <a:defRPr sz="1200"/>
+            </a:lvl1pPr>
+          </a:lstStyle>
+          <a:p>
+            <a:fld id="{8666465F-7D83-BF4C-9011-7C3114A29C2E}" type="datetimeFigureOut">
+              <a:rPr lang="en-US" smtClean="0"/>
+              <a:t>6/29/22</a:t>
+            </a:fld>
+            <a:endParaRPr lang="en-US"/>
+          </a:p>
+        </p:txBody>
+      </p:sp>
+      <p:sp>
+        <p:nvSpPr>
+          <p:cNvPr id="4" name="Slide Image Placeholder 3"/>
+          <p:cNvSpPr>
+            <a:spLocks noGrp="1" noRot="1" noChangeAspect="1"/>
+          </p:cNvSpPr>
+          <p:nvPr>
+            <p:ph type="sldImg" idx="2"/>
+          </p:nvPr>
+        </p:nvSpPr>
+        <p:spPr>
+          <a:xfrm>
+            <a:off x="685800" y="1143000"/>
+            <a:ext cx="5486400" cy="3086100"/>
+          </a:xfrm>
+          <a:prstGeom prst="rect">
+            <a:avLst/>
+          </a:prstGeom>
+          <a:noFill/>
+          <a:ln w="12700">
+            <a:solidFill>
+              <a:prstClr val="black"/>
+            </a:solidFill>
+          </a:ln>
+        </p:spPr>
+        <p:txBody>
+          <a:bodyPr vert="horz" lIns="91440" tIns="45720" rIns="91440" bIns="45720" rtlCol="0" anchor="ctr"/>
+          <a:lstStyle/>
+          <a:p>
+            <a:endParaRPr lang="en-US"/>
+          </a:p>
+        </p:txBody>
+      </p:sp>
+      <p:sp>
+        <p:nvSpPr>
+          <p:cNvPr id="5" name="Notes Placeholder 4"/>
+          <p:cNvSpPr>
+            <a:spLocks noGrp="1"/>
+          </p:cNvSpPr>
+          <p:nvPr>
+            <p:ph type="body" sz="quarter" idx="3"/>
+          </p:nvPr>
+        </p:nvSpPr>
+        <p:spPr>
+          <a:xfrm>
+            <a:off x="685800" y="4400550"/>
+            <a:ext cx="5486400" cy="3600450"/>
+          </a:xfrm>
+          <a:prstGeom prst="rect">
+            <a:avLst/>
+          </a:prstGeom>
+        </p:spPr>
+        <p:txBody>
+          <a:bodyPr vert="horz" lIns="91440" tIns="45720" rIns="91440" bIns="45720" rtlCol="0"/>
+          <a:lstStyle/>
+          <a:p>
+            <a:pPr lvl="0"/>
+            <a:r>
+              <a:rPr lang="en-US"/>
+              <a:t>Click to edit Master text styles</a:t>
+            </a:r>
+          </a:p>
+          <a:p>
+            <a:pPr lvl="1"/>
+            <a:r>
+              <a:rPr lang="en-US"/>
+              <a:t>Second level</a:t>
+            </a:r>
+          </a:p>
+          <a:p>
+            <a:pPr lvl="2"/>
+            <a:r>
+              <a:rPr lang="en-US"/>
+              <a:t>Third level</a:t>
+            </a:r>
+          </a:p>
+          <a:p>
+            <a:pPr lvl="3"/>
+            <a:r>
+              <a:rPr lang="en-US"/>
+              <a:t>Fourth level</a:t>
+            </a:r>
+          </a:p>
+          <a:p>
+            <a:pPr lvl="4"/>
+            <a:r>
+              <a:rPr lang="en-US"/>
+              <a:t>Fifth level</a:t>
+            </a:r>
+          </a:p>
+        </p:txBody>
+      </p:sp>
+      <p:sp>
+        <p:nvSpPr>
+          <p:cNvPr id="6" name="Footer Placeholder 5"/>
+          <p:cNvSpPr>
+            <a:spLocks noGrp="1"/>
+          </p:cNvSpPr>
+          <p:nvPr>
+            <p:ph type="ftr" sz="quarter" idx="4"/>
+          </p:nvPr>
+        </p:nvSpPr>
+        <p:spPr>
+          <a:xfrm>
+            <a:off x="0" y="8685213"/>
+            <a:ext cx="2971800" cy="458787"/>
+          </a:xfrm>
+          <a:prstGeom prst="rect">
+            <a:avLst/>
+          </a:prstGeom>
+        </p:spPr>
+        <p:txBody>
+          <a:bodyPr vert="horz" lIns="91440" tIns="45720" rIns="91440" bIns="45720" rtlCol="0" anchor="b"/>
+          <a:lstStyle>
+            <a:lvl1pPr algn="l">
+              <a:defRPr sz="1200"/>
+            </a:lvl1pPr>
+          </a:lstStyle>
+          <a:p>
+            <a:endParaRPr lang="en-US"/>
+          </a:p>
+        </p:txBody>
+      </p:sp>
+      <p:sp>
+        <p:nvSpPr>
+          <p:cNvPr id="7" name="Slide Number Placeholder 6"/>
+          <p:cNvSpPr>
+            <a:spLocks noGrp="1"/>
+          </p:cNvSpPr>
+          <p:nvPr>
+            <p:ph type="sldNum" sz="quarter" idx="5"/>
+          </p:nvPr>
+        </p:nvSpPr>
+        <p:spPr>
+          <a:xfrm>
+            <a:off x="3884613" y="8685213"/>
+            <a:ext cx="2971800" cy="458787"/>
+          </a:xfrm>
+          <a:prstGeom prst="rect">
+            <a:avLst/>
+          </a:prstGeom>
+        </p:spPr>
+        <p:txBody>
+          <a:bodyPr vert="horz" lIns="91440" tIns="45720" rIns="91440" bIns="45720" rtlCol="0" anchor="b"/>
+          <a:lstStyle>
+            <a:lvl1pPr algn="r">
+              <a:defRPr sz="1200"/>
+            </a:lvl1pPr>
+          </a:lstStyle>
+          <a:p>
+            <a:fld id="{DCAFEA12-3826-794A-8D51-D19F6BAD3933}" type="slidenum">
+              <a:rPr lang="en-US" smtClean="0"/>
+              <a:t>‹#›</a:t>
+            </a:fld>
+            <a:endParaRPr lang="en-US"/>
+          </a:p>
+        </p:txBody>
+      </p:sp>
+    </p:spTree>
+    <p:extLst>
+      <p:ext uri="{BB962C8B-B14F-4D97-AF65-F5344CB8AC3E}">
+        <p14:creationId xmlns:p14="http://schemas.microsoft.com/office/powerpoint/2010/main" val="2443949518"/>
+      </p:ext>
+    </p:extLst>
+  </p:cSld>
+  <p:clrMap bg1="lt1" tx1="dk1" bg2="lt2" tx2="dk2" accent1="accent1" accent2="accent2" accent3="accent3" accent4="accent4" accent5="accent5" accent6="accent6" hlink="hlink" folHlink="folHlink"/>
+  <p:notesStyle>
+    <a:lvl1pPr marL="0" algn="l" defTabSz="914400" rtl="0" eaLnBrk="1" latinLnBrk="0" hangingPunct="1">
+      <a:defRPr sz="1200" kern="1200">
+        <a:solidFill>
+          <a:schemeClr val="tx1"/>
+        </a:solidFill>
+        <a:latin typeface="+mn-lt"/>
+        <a:ea typeface="+mn-ea"/>
+        <a:cs typeface="+mn-cs"/>
+      </a:defRPr>
+    </a:lvl1pPr>
+    <a:lvl2pPr marL="457200" algn="l" defTabSz="914400" rtl="0" eaLnBrk="1" latinLnBrk="0" hangingPunct="1">
+      <a:defRPr sz="1200" kern="1200">
+        <a:solidFill>
+          <a:schemeClr val="tx1"/>
+        </a:solidFill>
+        <a:latin typeface="+mn-lt"/>
+        <a:ea typeface="+mn-ea"/>
+        <a:cs typeface="+mn-cs"/>
+      </a:defRPr>
+    </a:lvl2pPr>
+    <a:lvl3pPr marL="914400" algn="l" defTabSz="914400" rtl="0" eaLnBrk="1" latinLnBrk="0" hangingPunct="1">
+      <a:defRPr sz="1200" kern="1200">
+        <a:solidFill>
+          <a:schemeClr val="tx1"/>
+        </a:solidFill>
+        <a:latin typeface="+mn-lt"/>
+        <a:ea typeface="+mn-ea"/>
+        <a:cs typeface="+mn-cs"/>
+      </a:defRPr>
+    </a:lvl3pPr>
+    <a:lvl4pPr marL="1371600" algn="l" defTabSz="914400" rtl="0" eaLnBrk="1" latinLnBrk="0" hangingPunct="1">
+      <a:defRPr sz="1200" kern="1200">
+        <a:solidFill>
+          <a:schemeClr val="tx1"/>
+        </a:solidFill>
+        <a:latin typeface="+mn-lt"/>
+        <a:ea typeface="+mn-ea"/>
+        <a:cs typeface="+mn-cs"/>
+      </a:defRPr>
+    </a:lvl4pPr>
+    <a:lvl5pPr marL="1828800" algn="l" defTabSz="914400" rtl="0" eaLnBrk="1" latinLnBrk="0" hangingPunct="1">
+      <a:defRPr sz="1200" kern="1200">
+        <a:solidFill>
+          <a:schemeClr val="tx1"/>
+        </a:solidFill>
+        <a:latin typeface="+mn-lt"/>
+        <a:ea typeface="+mn-ea"/>
+        <a:cs typeface="+mn-cs"/>
+      </a:defRPr>
+    </a:lvl5pPr>
+    <a:lvl6pPr marL="2286000" algn="l" defTabSz="914400" rtl="0" eaLnBrk="1" latinLnBrk="0" hangingPunct="1">
+      <a:defRPr sz="1200" kern="1200">
+        <a:solidFill>
+          <a:schemeClr val="tx1"/>
+        </a:solidFill>
+        <a:latin typeface="+mn-lt"/>
+        <a:ea typeface="+mn-ea"/>
+        <a:cs typeface="+mn-cs"/>
+      </a:defRPr>
+    </a:lvl6pPr>
+    <a:lvl7pPr marL="2743200" algn="l" defTabSz="914400" rtl="0" eaLnBrk="1" latinLnBrk="0" hangingPunct="1">
+      <a:defRPr sz="1200" kern="1200">
+        <a:solidFill>
+          <a:schemeClr val="tx1"/>
+        </a:solidFill>
+        <a:latin typeface="+mn-lt"/>
+        <a:ea typeface="+mn-ea"/>
+        <a:cs typeface="+mn-cs"/>
+      </a:defRPr>
+    </a:lvl7pPr>
+    <a:lvl8pPr marL="3200400" algn="l" defTabSz="914400" rtl="0" eaLnBrk="1" latinLnBrk="0" hangingPunct="1">
+      <a:defRPr sz="1200" kern="1200">
+        <a:solidFill>
+          <a:schemeClr val="tx1"/>
+        </a:solidFill>
+        <a:latin typeface="+mn-lt"/>
+        <a:ea typeface="+mn-ea"/>
+        <a:cs typeface="+mn-cs"/>
+      </a:defRPr>
+    </a:lvl8pPr>
+    <a:lvl9pPr marL="3657600" algn="l" defTabSz="914400" rtl="0" eaLnBrk="1" latinLnBrk="0" hangingPunct="1">
+      <a:defRPr sz="1200" kern="1200">
+        <a:solidFill>
+          <a:schemeClr val="tx1"/>
+        </a:solidFill>
+        <a:latin typeface="+mn-lt"/>
+        <a:ea typeface="+mn-ea"/>
+        <a:cs typeface="+mn-cs"/>
+      </a:defRPr>
+    </a:lvl9pPr>
+  </p:notesStyle>
+</p:notesMaster>
+</file>
+
+<file path=ppt/notesSlides/notesSlide1.xml><?xml version="1.0" encoding="utf-8"?>
+<p:notes xmlns:a="http://schemas.openxmlformats.org/drawingml/2006/main" xmlns:r="http://schemas.openxmlformats.org/officeDocument/2006/relationships" xmlns:p="http://schemas.openxmlformats.org/presentationml/2006/main">
+  <p:cSld>
+    <p:spTree>
+      <p:nvGrpSpPr>
+        <p:cNvPr id="1" name=""/>
+        <p:cNvGrpSpPr/>
+        <p:nvPr/>
+      </p:nvGrpSpPr>
+      <p:grpSpPr>
+        <a:xfrm>
+          <a:off x="0" y="0"/>
+          <a:ext cx="0" cy="0"/>
+          <a:chOff x="0" y="0"/>
+          <a:chExt cx="0" cy="0"/>
+        </a:xfrm>
+      </p:grpSpPr>
+      <p:sp>
+        <p:nvSpPr>
+          <p:cNvPr id="2" name="Slide Image Placeholder 1"/>
+          <p:cNvSpPr>
+            <a:spLocks noGrp="1" noRot="1" noChangeAspect="1"/>
+          </p:cNvSpPr>
+          <p:nvPr>
+            <p:ph type="sldImg"/>
+          </p:nvPr>
+        </p:nvSpPr>
+        <p:spPr/>
+      </p:sp>
+      <p:sp>
+        <p:nvSpPr>
+          <p:cNvPr id="3" name="Notes Placeholder 2"/>
+          <p:cNvSpPr>
+            <a:spLocks noGrp="1"/>
+          </p:cNvSpPr>
+          <p:nvPr>
+            <p:ph type="body" idx="1"/>
+          </p:nvPr>
+        </p:nvSpPr>
+        <p:spPr/>
+        <p:txBody>
+          <a:bodyPr/>
+          <a:lstStyle/>
+          <a:p>
+            <a:endParaRPr lang="en-US" dirty="0"/>
+          </a:p>
+        </p:txBody>
+      </p:sp>
+      <p:sp>
+        <p:nvSpPr>
+          <p:cNvPr id="4" name="Slide Number Placeholder 3"/>
+          <p:cNvSpPr>
+            <a:spLocks noGrp="1"/>
+          </p:cNvSpPr>
+          <p:nvPr>
+            <p:ph type="sldNum" sz="quarter" idx="5"/>
+          </p:nvPr>
+        </p:nvSpPr>
+        <p:spPr/>
+        <p:txBody>
+          <a:bodyPr/>
+          <a:lstStyle/>
+          <a:p>
+            <a:fld id="{DCAFEA12-3826-794A-8D51-D19F6BAD3933}" type="slidenum">
+              <a:rPr lang="en-US" smtClean="0"/>
+              <a:t>7</a:t>
+            </a:fld>
+            <a:endParaRPr lang="en-US"/>
+          </a:p>
+        </p:txBody>
+      </p:sp>
+    </p:spTree>
+    <p:extLst>
+      <p:ext uri="{BB962C8B-B14F-4D97-AF65-F5344CB8AC3E}">
+        <p14:creationId xmlns:p14="http://schemas.microsoft.com/office/powerpoint/2010/main" val="3370305477"/>
+      </p:ext>
+    </p:extLst>
+  </p:cSld>
+  <p:clrMapOvr>
+    <a:masterClrMapping/>
+  </p:clrMapOvr>
+</p:notes>
+</file>
+
 <file path=ppt/slideLayouts/slideLayout1.xml><?xml version="1.0" encoding="utf-8"?>
 <p:sldLayout xmlns:a="http://schemas.openxmlformats.org/drawingml/2006/main" xmlns:r="http://schemas.openxmlformats.org/officeDocument/2006/relationships" xmlns:p="http://schemas.openxmlformats.org/presentationml/2006/main" type="title" preserve="1">
   <p:cSld name="Title Slide">
@@ -5296,7 +5093,7 @@
             <a:fld id="{48A87A34-81AB-432B-8DAE-1953F412C126}" type="datetimeFigureOut">
               <a:rPr lang="en-US" smtClean="0"/>
               <a:pPr/>
-              <a:t>6/12/22</a:t>
+              <a:t>6/29/22</a:t>
             </a:fld>
             <a:endParaRPr lang="en-US" dirty="0"/>
           </a:p>
@@ -5588,7 +5385,7 @@
             <a:fld id="{48A87A34-81AB-432B-8DAE-1953F412C126}" type="datetimeFigureOut">
               <a:rPr lang="en-US" smtClean="0"/>
               <a:pPr/>
-              <a:t>6/12/22</a:t>
+              <a:t>6/29/22</a:t>
             </a:fld>
             <a:endParaRPr lang="en-US" dirty="0"/>
           </a:p>
@@ -5849,7 +5646,7 @@
             <a:fld id="{48A87A34-81AB-432B-8DAE-1953F412C126}" type="datetimeFigureOut">
               <a:rPr lang="en-US" smtClean="0"/>
               <a:pPr/>
-              <a:t>6/12/22</a:t>
+              <a:t>6/29/22</a:t>
             </a:fld>
             <a:endParaRPr lang="en-US" dirty="0"/>
           </a:p>
@@ -6320,7 +6117,7 @@
             <a:fld id="{48A87A34-81AB-432B-8DAE-1953F412C126}" type="datetimeFigureOut">
               <a:rPr lang="en-US" smtClean="0"/>
               <a:pPr/>
-              <a:t>6/12/22</a:t>
+              <a:t>6/29/22</a:t>
             </a:fld>
             <a:endParaRPr lang="en-US" dirty="0"/>
           </a:p>
@@ -6502,7 +6299,7 @@
             <a:fld id="{48A87A34-81AB-432B-8DAE-1953F412C126}" type="datetimeFigureOut">
               <a:rPr lang="en-US" smtClean="0"/>
               <a:pPr/>
-              <a:t>6/12/22</a:t>
+              <a:t>6/29/22</a:t>
             </a:fld>
             <a:endParaRPr lang="en-US" dirty="0"/>
           </a:p>
@@ -7080,7 +6877,7 @@
             <a:fld id="{48A87A34-81AB-432B-8DAE-1953F412C126}" type="datetimeFigureOut">
               <a:rPr lang="en-US" smtClean="0"/>
               <a:pPr/>
-              <a:t>6/12/22</a:t>
+              <a:t>6/29/22</a:t>
             </a:fld>
             <a:endParaRPr lang="en-US" dirty="0"/>
           </a:p>
@@ -7414,7 +7211,7 @@
             <a:fld id="{48A87A34-81AB-432B-8DAE-1953F412C126}" type="datetimeFigureOut">
               <a:rPr lang="en-US" smtClean="0"/>
               <a:pPr/>
-              <a:t>6/12/22</a:t>
+              <a:t>6/29/22</a:t>
             </a:fld>
             <a:endParaRPr lang="en-US" dirty="0"/>
           </a:p>
@@ -7590,7 +7387,7 @@
           <a:p>
             <a:fld id="{48A87A34-81AB-432B-8DAE-1953F412C126}" type="datetimeFigureOut">
               <a:rPr lang="en-US" smtClean="0"/>
-              <a:t>6/12/22</a:t>
+              <a:t>6/29/22</a:t>
             </a:fld>
             <a:endParaRPr lang="en-US" dirty="0"/>
           </a:p>
@@ -7770,7 +7567,7 @@
           <a:p>
             <a:fld id="{48A87A34-81AB-432B-8DAE-1953F412C126}" type="datetimeFigureOut">
               <a:rPr lang="en-US" smtClean="0"/>
-              <a:t>6/12/22</a:t>
+              <a:t>6/29/22</a:t>
             </a:fld>
             <a:endParaRPr lang="en-US" dirty="0"/>
           </a:p>
@@ -7940,7 +7737,7 @@
           <a:p>
             <a:fld id="{48A87A34-81AB-432B-8DAE-1953F412C126}" type="datetimeFigureOut">
               <a:rPr lang="en-US" smtClean="0"/>
-              <a:t>6/12/22</a:t>
+              <a:t>6/29/22</a:t>
             </a:fld>
             <a:endParaRPr lang="en-US" dirty="0"/>
           </a:p>
@@ -8197,7 +7994,7 @@
           <a:p>
             <a:fld id="{48A87A34-81AB-432B-8DAE-1953F412C126}" type="datetimeFigureOut">
               <a:rPr lang="en-US" smtClean="0"/>
-              <a:t>6/12/22</a:t>
+              <a:t>6/29/22</a:t>
             </a:fld>
             <a:endParaRPr lang="en-US" dirty="0"/>
           </a:p>
@@ -8489,7 +8286,7 @@
           <a:p>
             <a:fld id="{48A87A34-81AB-432B-8DAE-1953F412C126}" type="datetimeFigureOut">
               <a:rPr lang="en-US" smtClean="0"/>
-              <a:t>6/12/22</a:t>
+              <a:t>6/29/22</a:t>
             </a:fld>
             <a:endParaRPr lang="en-US" dirty="0"/>
           </a:p>
@@ -8919,7 +8716,7 @@
           <a:p>
             <a:fld id="{48A87A34-81AB-432B-8DAE-1953F412C126}" type="datetimeFigureOut">
               <a:rPr lang="en-US" smtClean="0"/>
-              <a:t>6/12/22</a:t>
+              <a:t>6/29/22</a:t>
             </a:fld>
             <a:endParaRPr lang="en-US" dirty="0"/>
           </a:p>
@@ -9037,7 +8834,7 @@
           <a:p>
             <a:fld id="{48A87A34-81AB-432B-8DAE-1953F412C126}" type="datetimeFigureOut">
               <a:rPr lang="en-US" smtClean="0"/>
-              <a:t>6/12/22</a:t>
+              <a:t>6/29/22</a:t>
             </a:fld>
             <a:endParaRPr lang="en-US" dirty="0"/>
           </a:p>
@@ -9132,7 +8929,7 @@
           <a:p>
             <a:fld id="{48A87A34-81AB-432B-8DAE-1953F412C126}" type="datetimeFigureOut">
               <a:rPr lang="en-US" smtClean="0"/>
-              <a:t>6/12/22</a:t>
+              <a:t>6/29/22</a:t>
             </a:fld>
             <a:endParaRPr lang="en-US" dirty="0"/>
           </a:p>
@@ -9415,7 +9212,7 @@
           <a:p>
             <a:fld id="{48A87A34-81AB-432B-8DAE-1953F412C126}" type="datetimeFigureOut">
               <a:rPr lang="en-US" smtClean="0"/>
-              <a:t>6/12/22</a:t>
+              <a:t>6/29/22</a:t>
             </a:fld>
             <a:endParaRPr lang="en-US" dirty="0"/>
           </a:p>
@@ -9706,7 +9503,7 @@
           <a:p>
             <a:fld id="{48A87A34-81AB-432B-8DAE-1953F412C126}" type="datetimeFigureOut">
               <a:rPr lang="en-US" smtClean="0"/>
-              <a:t>6/12/22</a:t>
+              <a:t>6/29/22</a:t>
             </a:fld>
             <a:endParaRPr lang="en-US" dirty="0"/>
           </a:p>
@@ -9938,7 +9735,7 @@
             <a:fld id="{48A87A34-81AB-432B-8DAE-1953F412C126}" type="datetimeFigureOut">
               <a:rPr lang="en-US" smtClean="0"/>
               <a:pPr/>
-              <a:t>6/12/22</a:t>
+              <a:t>6/29/22</a:t>
             </a:fld>
             <a:endParaRPr lang="en-US" dirty="0"/>
           </a:p>
@@ -10724,7 +10521,12 @@
             <p:ph type="ctrTitle"/>
           </p:nvPr>
         </p:nvSpPr>
-        <p:spPr/>
+        <p:spPr>
+          <a:xfrm>
+            <a:off x="2044930" y="2755900"/>
+            <a:ext cx="8382303" cy="1822450"/>
+          </a:xfrm>
+        </p:spPr>
         <p:txBody>
           <a:bodyPr>
             <a:normAutofit/>
@@ -10737,7 +10539,7 @@
                   <a:srgbClr val="FF0000"/>
                 </a:solidFill>
               </a:rPr>
-              <a:t>Vehicle Purchase Analyst</a:t>
+              <a:t>Vehicle Purchase Analysis</a:t>
             </a:r>
           </a:p>
         </p:txBody>
@@ -10760,7 +10562,7 @@
         </p:nvSpPr>
         <p:spPr>
           <a:xfrm>
-            <a:off x="1751012" y="3886200"/>
+            <a:off x="1884015" y="4817226"/>
             <a:ext cx="8676222" cy="735227"/>
           </a:xfrm>
         </p:spPr>
@@ -10919,7 +10721,12 @@
             <p:ph idx="1"/>
           </p:nvPr>
         </p:nvSpPr>
-        <p:spPr/>
+        <p:spPr>
+          <a:xfrm>
+            <a:off x="1141413" y="1845426"/>
+            <a:ext cx="9905998" cy="2709950"/>
+          </a:xfrm>
+        </p:spPr>
         <p:txBody>
           <a:bodyPr/>
           <a:lstStyle/>
@@ -11109,7 +10916,7 @@
               <a:rPr lang="en-US" sz="1800" dirty="0">
                 <a:latin typeface="+mn-lt"/>
               </a:rPr>
-              <a:t> in </a:t>
+              <a:t>  based in </a:t>
             </a:r>
             <a:r>
               <a:rPr lang="en-US" sz="1800" i="1" dirty="0">
@@ -11520,7 +11327,7 @@
                 </a:solidFill>
                 <a:latin typeface="+mn-lt"/>
               </a:rPr>
-              <a:t>The primary goal is to give suggestions on  minimizing cost and maximizing  revenue</a:t>
+              <a:t>The primary goal is to give suggestions on  minimizing cost and maximizing revenue to provide cost efficient plans for economic growth . </a:t>
             </a:r>
             <a:br>
               <a:rPr lang="en-US" sz="2000" dirty="0">
@@ -11874,7 +11681,12 @@
             <p:ph idx="1"/>
           </p:nvPr>
         </p:nvSpPr>
-        <p:spPr/>
+        <p:spPr>
+          <a:xfrm>
+            <a:off x="1141413" y="1862051"/>
+            <a:ext cx="9905998" cy="2842953"/>
+          </a:xfrm>
+        </p:spPr>
         <p:txBody>
           <a:bodyPr/>
           <a:lstStyle/>
@@ -11893,7 +11705,7 @@
           <a:p>
             <a:r>
               <a:rPr lang="en-US" dirty="0"/>
-              <a:t>Lastly it came to testing out what if scenarios the most successful</a:t>
+              <a:t>Lastly it came to testing out “what if "scenarios the  find the most most successful</a:t>
             </a:r>
           </a:p>
         </p:txBody>
@@ -12153,1243 +11965,6 @@
           </a:p>
         </p:txBody>
       </p:sp>
-      <p:graphicFrame>
-        <p:nvGraphicFramePr>
-          <p:cNvPr id="5" name="Content Placeholder 4">
-            <a:extLst>
-              <a:ext uri="{FF2B5EF4-FFF2-40B4-BE49-F238E27FC236}">
-                <a16:creationId xmlns:a16="http://schemas.microsoft.com/office/drawing/2014/main" id="{B270BF1D-E605-604B-8263-FE40670C1B76}"/>
-              </a:ext>
-            </a:extLst>
-          </p:cNvPr>
-          <p:cNvGraphicFramePr>
-            <a:graphicFrameLocks noGrp="1"/>
-          </p:cNvGraphicFramePr>
-          <p:nvPr>
-            <p:ph idx="1"/>
-            <p:extLst>
-              <p:ext uri="{D42A27DB-BD31-4B8C-83A1-F6EECF244321}">
-                <p14:modId xmlns:p14="http://schemas.microsoft.com/office/powerpoint/2010/main" val="4091370699"/>
-              </p:ext>
-            </p:extLst>
-          </p:nvPr>
-        </p:nvGraphicFramePr>
-        <p:xfrm>
-          <a:off x="188911" y="928255"/>
-          <a:ext cx="10659198" cy="2565400"/>
-        </p:xfrm>
-        <a:graphic>
-          <a:graphicData uri="http://schemas.openxmlformats.org/drawingml/2006/table">
-            <a:tbl>
-              <a:tblPr>
-                <a:tableStyleId>{5C22544A-7EE6-4342-B048-85BDC9FD1C3A}</a:tableStyleId>
-              </a:tblPr>
-              <a:tblGrid>
-                <a:gridCol w="2346009">
-                  <a:extLst>
-                    <a:ext uri="{9D8B030D-6E8A-4147-A177-3AD203B41FA5}">
-                      <a16:colId xmlns:a16="http://schemas.microsoft.com/office/drawing/2014/main" val="355469949"/>
-                    </a:ext>
-                  </a:extLst>
-                </a:gridCol>
-                <a:gridCol w="2189480">
-                  <a:extLst>
-                    <a:ext uri="{9D8B030D-6E8A-4147-A177-3AD203B41FA5}">
-                      <a16:colId xmlns:a16="http://schemas.microsoft.com/office/drawing/2014/main" val="3164999615"/>
-                    </a:ext>
-                  </a:extLst>
-                </a:gridCol>
-                <a:gridCol w="2798433">
-                  <a:extLst>
-                    <a:ext uri="{9D8B030D-6E8A-4147-A177-3AD203B41FA5}">
-                      <a16:colId xmlns:a16="http://schemas.microsoft.com/office/drawing/2014/main" val="2672917021"/>
-                    </a:ext>
-                  </a:extLst>
-                </a:gridCol>
-                <a:gridCol w="3325276">
-                  <a:extLst>
-                    <a:ext uri="{9D8B030D-6E8A-4147-A177-3AD203B41FA5}">
-                      <a16:colId xmlns:a16="http://schemas.microsoft.com/office/drawing/2014/main" val="3976588557"/>
-                    </a:ext>
-                  </a:extLst>
-                </a:gridCol>
-              </a:tblGrid>
-              <a:tr h="330200">
-                <a:tc>
-                  <a:txBody>
-                    <a:bodyPr/>
-                    <a:lstStyle/>
-                    <a:p>
-                      <a:pPr algn="l" fontAlgn="b"/>
-                      <a:r>
-                        <a:rPr lang="en-US" sz="1200" u="none" strike="noStrike">
-                          <a:effectLst/>
-                        </a:rPr>
-                        <a:t>car rented</a:t>
-                      </a:r>
-                      <a:endParaRPr lang="en-US" sz="1200" b="1" i="0" u="none" strike="noStrike">
-                        <a:solidFill>
-                          <a:srgbClr val="000000"/>
-                        </a:solidFill>
-                        <a:effectLst/>
-                        <a:latin typeface="Calibri" panose="020F0502020204030204" pitchFamily="34" charset="0"/>
-                      </a:endParaRPr>
-                    </a:p>
-                  </a:txBody>
-                  <a:tcPr marL="0" marR="0" marT="0" marB="0" anchor="b"/>
-                </a:tc>
-                <a:tc>
-                  <a:txBody>
-                    <a:bodyPr/>
-                    <a:lstStyle/>
-                    <a:p>
-                      <a:pPr algn="l" fontAlgn="b"/>
-                      <a:r>
-                        <a:rPr lang="en-US" sz="1200" u="none" strike="noStrike">
-                          <a:effectLst/>
-                        </a:rPr>
-                        <a:t>daily rentals</a:t>
-                      </a:r>
-                      <a:endParaRPr lang="en-US" sz="1200" b="1" i="0" u="none" strike="noStrike">
-                        <a:solidFill>
-                          <a:srgbClr val="000000"/>
-                        </a:solidFill>
-                        <a:effectLst/>
-                        <a:latin typeface="Calibri" panose="020F0502020204030204" pitchFamily="34" charset="0"/>
-                      </a:endParaRPr>
-                    </a:p>
-                  </a:txBody>
-                  <a:tcPr marL="0" marR="0" marT="0" marB="0" anchor="b"/>
-                </a:tc>
-                <a:tc>
-                  <a:txBody>
-                    <a:bodyPr/>
-                    <a:lstStyle/>
-                    <a:p>
-                      <a:pPr algn="l" fontAlgn="b"/>
-                      <a:r>
-                        <a:rPr lang="en-US" sz="1200" u="none" strike="noStrike">
-                          <a:effectLst/>
-                        </a:rPr>
-                        <a:t>rental profit</a:t>
-                      </a:r>
-                      <a:endParaRPr lang="en-US" sz="1200" b="1" i="0" u="none" strike="noStrike">
-                        <a:solidFill>
-                          <a:srgbClr val="000000"/>
-                        </a:solidFill>
-                        <a:effectLst/>
-                        <a:latin typeface="Calibri" panose="020F0502020204030204" pitchFamily="34" charset="0"/>
-                      </a:endParaRPr>
-                    </a:p>
-                  </a:txBody>
-                  <a:tcPr marL="0" marR="0" marT="0" marB="0" anchor="b"/>
-                </a:tc>
-                <a:tc>
-                  <a:txBody>
-                    <a:bodyPr/>
-                    <a:lstStyle/>
-                    <a:p>
-                      <a:pPr algn="l" fontAlgn="b"/>
-                      <a:r>
-                        <a:rPr lang="en-US" sz="1200" u="none" strike="noStrike" dirty="0">
-                          <a:effectLst/>
-                        </a:rPr>
-                        <a:t>annual  revenue</a:t>
-                      </a:r>
-                      <a:endParaRPr lang="en-US" sz="1200" b="1" i="0" u="none" strike="noStrike" dirty="0">
-                        <a:solidFill>
-                          <a:srgbClr val="000000"/>
-                        </a:solidFill>
-                        <a:effectLst/>
-                        <a:latin typeface="Calibri" panose="020F0502020204030204" pitchFamily="34" charset="0"/>
-                      </a:endParaRPr>
-                    </a:p>
-                  </a:txBody>
-                  <a:tcPr marL="0" marR="0" marT="0" marB="0" anchor="b"/>
-                </a:tc>
-                <a:extLst>
-                  <a:ext uri="{0D108BD9-81ED-4DB2-BD59-A6C34878D82A}">
-                    <a16:rowId xmlns:a16="http://schemas.microsoft.com/office/drawing/2014/main" val="4197325563"/>
-                  </a:ext>
-                </a:extLst>
-              </a:tr>
-              <a:tr h="203200">
-                <a:tc>
-                  <a:txBody>
-                    <a:bodyPr/>
-                    <a:lstStyle/>
-                    <a:p>
-                      <a:pPr algn="l" fontAlgn="b"/>
-                      <a:r>
-                        <a:rPr lang="en-US" sz="1200" u="none" strike="noStrike">
-                          <a:effectLst/>
-                        </a:rPr>
-                        <a:t>Ford</a:t>
-                      </a:r>
-                      <a:endParaRPr lang="en-US" sz="1200" b="0" i="0" u="none" strike="noStrike">
-                        <a:solidFill>
-                          <a:srgbClr val="000000"/>
-                        </a:solidFill>
-                        <a:effectLst/>
-                        <a:latin typeface="Calibri" panose="020F0502020204030204" pitchFamily="34" charset="0"/>
-                      </a:endParaRPr>
-                    </a:p>
-                  </a:txBody>
-                  <a:tcPr marL="0" marR="0" marT="0" marB="0" anchor="b"/>
-                </a:tc>
-                <a:tc>
-                  <a:txBody>
-                    <a:bodyPr/>
-                    <a:lstStyle/>
-                    <a:p>
-                      <a:pPr algn="r" fontAlgn="b"/>
-                      <a:r>
-                        <a:rPr lang="en-US" sz="1200" u="none" strike="noStrike">
-                          <a:effectLst/>
-                        </a:rPr>
-                        <a:t>23742</a:t>
-                      </a:r>
-                      <a:endParaRPr lang="en-US" sz="1200" b="0" i="0" u="none" strike="noStrike">
-                        <a:solidFill>
-                          <a:srgbClr val="000000"/>
-                        </a:solidFill>
-                        <a:effectLst/>
-                        <a:latin typeface="Calibri" panose="020F0502020204030204" pitchFamily="34" charset="0"/>
-                      </a:endParaRPr>
-                    </a:p>
-                  </a:txBody>
-                  <a:tcPr marL="0" marR="0" marT="0" marB="0" anchor="b"/>
-                </a:tc>
-                <a:tc>
-                  <a:txBody>
-                    <a:bodyPr/>
-                    <a:lstStyle/>
-                    <a:p>
-                      <a:pPr algn="l" fontAlgn="b"/>
-                      <a:r>
-                        <a:rPr lang="en-US" sz="1200" u="none" strike="noStrike" dirty="0">
-                          <a:effectLst/>
-                        </a:rPr>
-                        <a:t> $       4,932,461 </a:t>
-                      </a:r>
-                      <a:endParaRPr lang="en-US" sz="1200" b="0" i="0" u="none" strike="noStrike" dirty="0">
-                        <a:solidFill>
-                          <a:srgbClr val="000000"/>
-                        </a:solidFill>
-                        <a:effectLst/>
-                        <a:latin typeface="Calibri" panose="020F0502020204030204" pitchFamily="34" charset="0"/>
-                      </a:endParaRPr>
-                    </a:p>
-                  </a:txBody>
-                  <a:tcPr marL="0" marR="0" marT="0" marB="0" anchor="b"/>
-                </a:tc>
-                <a:tc>
-                  <a:txBody>
-                    <a:bodyPr/>
-                    <a:lstStyle/>
-                    <a:p>
-                      <a:pPr algn="l" fontAlgn="b"/>
-                      <a:r>
-                        <a:rPr lang="en-US" sz="1200" u="none" strike="noStrike">
-                          <a:effectLst/>
-                        </a:rPr>
-                        <a:t> $      117,106,489,062 </a:t>
-                      </a:r>
-                      <a:endParaRPr lang="en-US" sz="1200" b="0" i="0" u="none" strike="noStrike">
-                        <a:solidFill>
-                          <a:srgbClr val="000000"/>
-                        </a:solidFill>
-                        <a:effectLst/>
-                        <a:latin typeface="Calibri" panose="020F0502020204030204" pitchFamily="34" charset="0"/>
-                      </a:endParaRPr>
-                    </a:p>
-                  </a:txBody>
-                  <a:tcPr marL="0" marR="0" marT="0" marB="0" anchor="b"/>
-                </a:tc>
-                <a:extLst>
-                  <a:ext uri="{0D108BD9-81ED-4DB2-BD59-A6C34878D82A}">
-                    <a16:rowId xmlns:a16="http://schemas.microsoft.com/office/drawing/2014/main" val="523885026"/>
-                  </a:ext>
-                </a:extLst>
-              </a:tr>
-              <a:tr h="203200">
-                <a:tc>
-                  <a:txBody>
-                    <a:bodyPr/>
-                    <a:lstStyle/>
-                    <a:p>
-                      <a:pPr algn="l" fontAlgn="b"/>
-                      <a:r>
-                        <a:rPr lang="en-US" sz="1200" u="none" strike="noStrike">
-                          <a:effectLst/>
-                        </a:rPr>
-                        <a:t>Chevrolet</a:t>
-                      </a:r>
-                      <a:endParaRPr lang="en-US" sz="1200" b="0" i="0" u="none" strike="noStrike">
-                        <a:solidFill>
-                          <a:srgbClr val="000000"/>
-                        </a:solidFill>
-                        <a:effectLst/>
-                        <a:latin typeface="Calibri" panose="020F0502020204030204" pitchFamily="34" charset="0"/>
-                      </a:endParaRPr>
-                    </a:p>
-                  </a:txBody>
-                  <a:tcPr marL="0" marR="0" marT="0" marB="0" anchor="b"/>
-                </a:tc>
-                <a:tc>
-                  <a:txBody>
-                    <a:bodyPr/>
-                    <a:lstStyle/>
-                    <a:p>
-                      <a:pPr algn="r" fontAlgn="b"/>
-                      <a:r>
-                        <a:rPr lang="en-US" sz="1200" u="none" strike="noStrike">
-                          <a:effectLst/>
-                        </a:rPr>
-                        <a:t>22137</a:t>
-                      </a:r>
-                      <a:endParaRPr lang="en-US" sz="1200" b="0" i="0" u="none" strike="noStrike">
-                        <a:solidFill>
-                          <a:srgbClr val="000000"/>
-                        </a:solidFill>
-                        <a:effectLst/>
-                        <a:latin typeface="Calibri" panose="020F0502020204030204" pitchFamily="34" charset="0"/>
-                      </a:endParaRPr>
-                    </a:p>
-                  </a:txBody>
-                  <a:tcPr marL="0" marR="0" marT="0" marB="0" anchor="b"/>
-                </a:tc>
-                <a:tc>
-                  <a:txBody>
-                    <a:bodyPr/>
-                    <a:lstStyle/>
-                    <a:p>
-                      <a:pPr algn="l" fontAlgn="b"/>
-                      <a:r>
-                        <a:rPr lang="en-US" sz="1200" u="none" strike="noStrike">
-                          <a:effectLst/>
-                        </a:rPr>
-                        <a:t> $       4,592,606 </a:t>
-                      </a:r>
-                      <a:endParaRPr lang="en-US" sz="1200" b="0" i="0" u="none" strike="noStrike">
-                        <a:solidFill>
-                          <a:srgbClr val="000000"/>
-                        </a:solidFill>
-                        <a:effectLst/>
-                        <a:latin typeface="Calibri" panose="020F0502020204030204" pitchFamily="34" charset="0"/>
-                      </a:endParaRPr>
-                    </a:p>
-                  </a:txBody>
-                  <a:tcPr marL="0" marR="0" marT="0" marB="0" anchor="b"/>
-                </a:tc>
-                <a:tc>
-                  <a:txBody>
-                    <a:bodyPr/>
-                    <a:lstStyle/>
-                    <a:p>
-                      <a:pPr algn="l" fontAlgn="b"/>
-                      <a:r>
-                        <a:rPr lang="en-US" sz="1200" u="none" strike="noStrike" dirty="0">
-                          <a:effectLst/>
-                        </a:rPr>
-                        <a:t> $      101,666,519,022 </a:t>
-                      </a:r>
-                      <a:endParaRPr lang="en-US" sz="1200" b="0" i="0" u="none" strike="noStrike" dirty="0">
-                        <a:solidFill>
-                          <a:srgbClr val="000000"/>
-                        </a:solidFill>
-                        <a:effectLst/>
-                        <a:latin typeface="Calibri" panose="020F0502020204030204" pitchFamily="34" charset="0"/>
-                      </a:endParaRPr>
-                    </a:p>
-                  </a:txBody>
-                  <a:tcPr marL="0" marR="0" marT="0" marB="0" anchor="b"/>
-                </a:tc>
-                <a:extLst>
-                  <a:ext uri="{0D108BD9-81ED-4DB2-BD59-A6C34878D82A}">
-                    <a16:rowId xmlns:a16="http://schemas.microsoft.com/office/drawing/2014/main" val="2084604746"/>
-                  </a:ext>
-                </a:extLst>
-              </a:tr>
-              <a:tr h="203200">
-                <a:tc>
-                  <a:txBody>
-                    <a:bodyPr/>
-                    <a:lstStyle/>
-                    <a:p>
-                      <a:pPr algn="l" fontAlgn="b"/>
-                      <a:r>
-                        <a:rPr lang="en-US" sz="1200" u="none" strike="noStrike">
-                          <a:effectLst/>
-                        </a:rPr>
-                        <a:t>Dodge</a:t>
-                      </a:r>
-                      <a:endParaRPr lang="en-US" sz="1200" b="0" i="0" u="none" strike="noStrike">
-                        <a:solidFill>
-                          <a:srgbClr val="000000"/>
-                        </a:solidFill>
-                        <a:effectLst/>
-                        <a:latin typeface="Calibri" panose="020F0502020204030204" pitchFamily="34" charset="0"/>
-                      </a:endParaRPr>
-                    </a:p>
-                  </a:txBody>
-                  <a:tcPr marL="0" marR="0" marT="0" marB="0" anchor="b"/>
-                </a:tc>
-                <a:tc>
-                  <a:txBody>
-                    <a:bodyPr/>
-                    <a:lstStyle/>
-                    <a:p>
-                      <a:pPr algn="r" fontAlgn="b"/>
-                      <a:r>
-                        <a:rPr lang="en-US" sz="1200" u="none" strike="noStrike">
-                          <a:effectLst/>
-                        </a:rPr>
-                        <a:t>15527</a:t>
-                      </a:r>
-                      <a:endParaRPr lang="en-US" sz="1200" b="0" i="0" u="none" strike="noStrike">
-                        <a:solidFill>
-                          <a:srgbClr val="000000"/>
-                        </a:solidFill>
-                        <a:effectLst/>
-                        <a:latin typeface="Calibri" panose="020F0502020204030204" pitchFamily="34" charset="0"/>
-                      </a:endParaRPr>
-                    </a:p>
-                  </a:txBody>
-                  <a:tcPr marL="0" marR="0" marT="0" marB="0" anchor="b"/>
-                </a:tc>
-                <a:tc>
-                  <a:txBody>
-                    <a:bodyPr/>
-                    <a:lstStyle/>
-                    <a:p>
-                      <a:pPr algn="l" fontAlgn="b"/>
-                      <a:r>
-                        <a:rPr lang="en-US" sz="1200" u="none" strike="noStrike">
-                          <a:effectLst/>
-                        </a:rPr>
-                        <a:t> $       3,237,683 </a:t>
-                      </a:r>
-                      <a:endParaRPr lang="en-US" sz="1200" b="0" i="0" u="none" strike="noStrike">
-                        <a:solidFill>
-                          <a:srgbClr val="000000"/>
-                        </a:solidFill>
-                        <a:effectLst/>
-                        <a:latin typeface="Calibri" panose="020F0502020204030204" pitchFamily="34" charset="0"/>
-                      </a:endParaRPr>
-                    </a:p>
-                  </a:txBody>
-                  <a:tcPr marL="0" marR="0" marT="0" marB="0" anchor="b"/>
-                </a:tc>
-                <a:tc>
-                  <a:txBody>
-                    <a:bodyPr/>
-                    <a:lstStyle/>
-                    <a:p>
-                      <a:pPr algn="l" fontAlgn="b"/>
-                      <a:r>
-                        <a:rPr lang="en-US" sz="1200" u="none" strike="noStrike">
-                          <a:effectLst/>
-                        </a:rPr>
-                        <a:t> $        50,271,503,941 </a:t>
-                      </a:r>
-                      <a:endParaRPr lang="en-US" sz="1200" b="0" i="0" u="none" strike="noStrike">
-                        <a:solidFill>
-                          <a:srgbClr val="000000"/>
-                        </a:solidFill>
-                        <a:effectLst/>
-                        <a:latin typeface="Calibri" panose="020F0502020204030204" pitchFamily="34" charset="0"/>
-                      </a:endParaRPr>
-                    </a:p>
-                  </a:txBody>
-                  <a:tcPr marL="0" marR="0" marT="0" marB="0" anchor="b"/>
-                </a:tc>
-                <a:extLst>
-                  <a:ext uri="{0D108BD9-81ED-4DB2-BD59-A6C34878D82A}">
-                    <a16:rowId xmlns:a16="http://schemas.microsoft.com/office/drawing/2014/main" val="423267907"/>
-                  </a:ext>
-                </a:extLst>
-              </a:tr>
-              <a:tr h="203200">
-                <a:tc>
-                  <a:txBody>
-                    <a:bodyPr/>
-                    <a:lstStyle/>
-                    <a:p>
-                      <a:pPr algn="l" fontAlgn="b"/>
-                      <a:r>
-                        <a:rPr lang="en-US" sz="1200" u="none" strike="noStrike">
-                          <a:effectLst/>
-                        </a:rPr>
-                        <a:t>Toyota</a:t>
-                      </a:r>
-                      <a:endParaRPr lang="en-US" sz="1200" b="0" i="0" u="none" strike="noStrike">
-                        <a:solidFill>
-                          <a:srgbClr val="000000"/>
-                        </a:solidFill>
-                        <a:effectLst/>
-                        <a:latin typeface="Calibri" panose="020F0502020204030204" pitchFamily="34" charset="0"/>
-                      </a:endParaRPr>
-                    </a:p>
-                  </a:txBody>
-                  <a:tcPr marL="0" marR="0" marT="0" marB="0" anchor="b"/>
-                </a:tc>
-                <a:tc>
-                  <a:txBody>
-                    <a:bodyPr/>
-                    <a:lstStyle/>
-                    <a:p>
-                      <a:pPr algn="r" fontAlgn="b"/>
-                      <a:r>
-                        <a:rPr lang="en-US" sz="1200" u="none" strike="noStrike">
-                          <a:effectLst/>
-                        </a:rPr>
-                        <a:t>12707</a:t>
-                      </a:r>
-                      <a:endParaRPr lang="en-US" sz="1200" b="0" i="0" u="none" strike="noStrike">
-                        <a:solidFill>
-                          <a:srgbClr val="000000"/>
-                        </a:solidFill>
-                        <a:effectLst/>
-                        <a:latin typeface="Calibri" panose="020F0502020204030204" pitchFamily="34" charset="0"/>
-                      </a:endParaRPr>
-                    </a:p>
-                  </a:txBody>
-                  <a:tcPr marL="0" marR="0" marT="0" marB="0" anchor="b"/>
-                </a:tc>
-                <a:tc>
-                  <a:txBody>
-                    <a:bodyPr/>
-                    <a:lstStyle/>
-                    <a:p>
-                      <a:pPr algn="l" fontAlgn="b"/>
-                      <a:r>
-                        <a:rPr lang="en-US" sz="1200" u="none" strike="noStrike">
-                          <a:effectLst/>
-                        </a:rPr>
-                        <a:t> $       2,577,479 </a:t>
-                      </a:r>
-                      <a:endParaRPr lang="en-US" sz="1200" b="0" i="0" u="none" strike="noStrike">
-                        <a:solidFill>
-                          <a:srgbClr val="000000"/>
-                        </a:solidFill>
-                        <a:effectLst/>
-                        <a:latin typeface="Calibri" panose="020F0502020204030204" pitchFamily="34" charset="0"/>
-                      </a:endParaRPr>
-                    </a:p>
-                  </a:txBody>
-                  <a:tcPr marL="0" marR="0" marT="0" marB="0" anchor="b"/>
-                </a:tc>
-                <a:tc>
-                  <a:txBody>
-                    <a:bodyPr/>
-                    <a:lstStyle/>
-                    <a:p>
-                      <a:pPr algn="l" fontAlgn="b"/>
-                      <a:r>
-                        <a:rPr lang="en-US" sz="1200" u="none" strike="noStrike">
-                          <a:effectLst/>
-                        </a:rPr>
-                        <a:t> $        32,752,025,653 </a:t>
-                      </a:r>
-                      <a:endParaRPr lang="en-US" sz="1200" b="0" i="0" u="none" strike="noStrike">
-                        <a:solidFill>
-                          <a:srgbClr val="000000"/>
-                        </a:solidFill>
-                        <a:effectLst/>
-                        <a:latin typeface="Calibri" panose="020F0502020204030204" pitchFamily="34" charset="0"/>
-                      </a:endParaRPr>
-                    </a:p>
-                  </a:txBody>
-                  <a:tcPr marL="0" marR="0" marT="0" marB="0" anchor="b"/>
-                </a:tc>
-                <a:extLst>
-                  <a:ext uri="{0D108BD9-81ED-4DB2-BD59-A6C34878D82A}">
-                    <a16:rowId xmlns:a16="http://schemas.microsoft.com/office/drawing/2014/main" val="63992148"/>
-                  </a:ext>
-                </a:extLst>
-              </a:tr>
-              <a:tr h="203200">
-                <a:tc>
-                  <a:txBody>
-                    <a:bodyPr/>
-                    <a:lstStyle/>
-                    <a:p>
-                      <a:pPr algn="l" fontAlgn="b"/>
-                      <a:r>
-                        <a:rPr lang="en-US" sz="1200" u="none" strike="noStrike">
-                          <a:effectLst/>
-                        </a:rPr>
-                        <a:t>GMC</a:t>
-                      </a:r>
-                      <a:endParaRPr lang="en-US" sz="1200" b="0" i="0" u="none" strike="noStrike">
-                        <a:solidFill>
-                          <a:srgbClr val="000000"/>
-                        </a:solidFill>
-                        <a:effectLst/>
-                        <a:latin typeface="Calibri" panose="020F0502020204030204" pitchFamily="34" charset="0"/>
-                      </a:endParaRPr>
-                    </a:p>
-                  </a:txBody>
-                  <a:tcPr marL="0" marR="0" marT="0" marB="0" anchor="b"/>
-                </a:tc>
-                <a:tc>
-                  <a:txBody>
-                    <a:bodyPr/>
-                    <a:lstStyle/>
-                    <a:p>
-                      <a:pPr algn="r" fontAlgn="b"/>
-                      <a:r>
-                        <a:rPr lang="en-US" sz="1200" u="none" strike="noStrike">
-                          <a:effectLst/>
-                        </a:rPr>
-                        <a:t>11313</a:t>
-                      </a:r>
-                      <a:endParaRPr lang="en-US" sz="1200" b="0" i="0" u="none" strike="noStrike">
-                        <a:solidFill>
-                          <a:srgbClr val="000000"/>
-                        </a:solidFill>
-                        <a:effectLst/>
-                        <a:latin typeface="Calibri" panose="020F0502020204030204" pitchFamily="34" charset="0"/>
-                      </a:endParaRPr>
-                    </a:p>
-                  </a:txBody>
-                  <a:tcPr marL="0" marR="0" marT="0" marB="0" anchor="b"/>
-                </a:tc>
-                <a:tc>
-                  <a:txBody>
-                    <a:bodyPr/>
-                    <a:lstStyle/>
-                    <a:p>
-                      <a:pPr algn="l" fontAlgn="b"/>
-                      <a:r>
-                        <a:rPr lang="en-US" sz="1200" u="none" strike="noStrike">
-                          <a:effectLst/>
-                        </a:rPr>
-                        <a:t> $       2,416,900 </a:t>
-                      </a:r>
-                      <a:endParaRPr lang="en-US" sz="1200" b="0" i="0" u="none" strike="noStrike">
-                        <a:solidFill>
-                          <a:srgbClr val="000000"/>
-                        </a:solidFill>
-                        <a:effectLst/>
-                        <a:latin typeface="Calibri" panose="020F0502020204030204" pitchFamily="34" charset="0"/>
-                      </a:endParaRPr>
-                    </a:p>
-                  </a:txBody>
-                  <a:tcPr marL="0" marR="0" marT="0" marB="0" anchor="b"/>
-                </a:tc>
-                <a:tc>
-                  <a:txBody>
-                    <a:bodyPr/>
-                    <a:lstStyle/>
-                    <a:p>
-                      <a:pPr algn="l" fontAlgn="b"/>
-                      <a:r>
-                        <a:rPr lang="en-US" sz="1200" u="none" strike="noStrike">
-                          <a:effectLst/>
-                        </a:rPr>
-                        <a:t> $        27,342,389,700 </a:t>
-                      </a:r>
-                      <a:endParaRPr lang="en-US" sz="1200" b="0" i="0" u="none" strike="noStrike">
-                        <a:solidFill>
-                          <a:srgbClr val="000000"/>
-                        </a:solidFill>
-                        <a:effectLst/>
-                        <a:latin typeface="Calibri" panose="020F0502020204030204" pitchFamily="34" charset="0"/>
-                      </a:endParaRPr>
-                    </a:p>
-                  </a:txBody>
-                  <a:tcPr marL="0" marR="0" marT="0" marB="0" anchor="b"/>
-                </a:tc>
-                <a:extLst>
-                  <a:ext uri="{0D108BD9-81ED-4DB2-BD59-A6C34878D82A}">
-                    <a16:rowId xmlns:a16="http://schemas.microsoft.com/office/drawing/2014/main" val="1706342092"/>
-                  </a:ext>
-                </a:extLst>
-              </a:tr>
-              <a:tr h="203200">
-                <a:tc>
-                  <a:txBody>
-                    <a:bodyPr/>
-                    <a:lstStyle/>
-                    <a:p>
-                      <a:pPr algn="l" fontAlgn="b"/>
-                      <a:r>
-                        <a:rPr lang="en-US" sz="1200" u="none" strike="noStrike">
-                          <a:effectLst/>
-                        </a:rPr>
-                        <a:t>Mitsubishi</a:t>
-                      </a:r>
-                      <a:endParaRPr lang="en-US" sz="1200" b="0" i="0" u="none" strike="noStrike">
-                        <a:solidFill>
-                          <a:srgbClr val="000000"/>
-                        </a:solidFill>
-                        <a:effectLst/>
-                        <a:latin typeface="Calibri" panose="020F0502020204030204" pitchFamily="34" charset="0"/>
-                      </a:endParaRPr>
-                    </a:p>
-                  </a:txBody>
-                  <a:tcPr marL="0" marR="0" marT="0" marB="0" anchor="b"/>
-                </a:tc>
-                <a:tc>
-                  <a:txBody>
-                    <a:bodyPr/>
-                    <a:lstStyle/>
-                    <a:p>
-                      <a:pPr algn="r" fontAlgn="b"/>
-                      <a:r>
-                        <a:rPr lang="en-US" sz="1200" u="none" strike="noStrike">
-                          <a:effectLst/>
-                        </a:rPr>
-                        <a:t>11103</a:t>
-                      </a:r>
-                      <a:endParaRPr lang="en-US" sz="1200" b="0" i="0" u="none" strike="noStrike">
-                        <a:solidFill>
-                          <a:srgbClr val="000000"/>
-                        </a:solidFill>
-                        <a:effectLst/>
-                        <a:latin typeface="Calibri" panose="020F0502020204030204" pitchFamily="34" charset="0"/>
-                      </a:endParaRPr>
-                    </a:p>
-                  </a:txBody>
-                  <a:tcPr marL="0" marR="0" marT="0" marB="0" anchor="b"/>
-                </a:tc>
-                <a:tc>
-                  <a:txBody>
-                    <a:bodyPr/>
-                    <a:lstStyle/>
-                    <a:p>
-                      <a:pPr algn="l" fontAlgn="b"/>
-                      <a:r>
-                        <a:rPr lang="en-US" sz="1200" u="none" strike="noStrike">
-                          <a:effectLst/>
-                        </a:rPr>
-                        <a:t> $       2,397,316 </a:t>
-                      </a:r>
-                      <a:endParaRPr lang="en-US" sz="1200" b="0" i="0" u="none" strike="noStrike">
-                        <a:solidFill>
-                          <a:srgbClr val="000000"/>
-                        </a:solidFill>
-                        <a:effectLst/>
-                        <a:latin typeface="Calibri" panose="020F0502020204030204" pitchFamily="34" charset="0"/>
-                      </a:endParaRPr>
-                    </a:p>
-                  </a:txBody>
-                  <a:tcPr marL="0" marR="0" marT="0" marB="0" anchor="b"/>
-                </a:tc>
-                <a:tc>
-                  <a:txBody>
-                    <a:bodyPr/>
-                    <a:lstStyle/>
-                    <a:p>
-                      <a:pPr algn="l" fontAlgn="b"/>
-                      <a:r>
-                        <a:rPr lang="en-US" sz="1200" u="none" strike="noStrike">
-                          <a:effectLst/>
-                        </a:rPr>
-                        <a:t> $        26,617,399,548 </a:t>
-                      </a:r>
-                      <a:endParaRPr lang="en-US" sz="1200" b="0" i="0" u="none" strike="noStrike">
-                        <a:solidFill>
-                          <a:srgbClr val="000000"/>
-                        </a:solidFill>
-                        <a:effectLst/>
-                        <a:latin typeface="Calibri" panose="020F0502020204030204" pitchFamily="34" charset="0"/>
-                      </a:endParaRPr>
-                    </a:p>
-                  </a:txBody>
-                  <a:tcPr marL="0" marR="0" marT="0" marB="0" anchor="b"/>
-                </a:tc>
-                <a:extLst>
-                  <a:ext uri="{0D108BD9-81ED-4DB2-BD59-A6C34878D82A}">
-                    <a16:rowId xmlns:a16="http://schemas.microsoft.com/office/drawing/2014/main" val="3950113836"/>
-                  </a:ext>
-                </a:extLst>
-              </a:tr>
-              <a:tr h="203200">
-                <a:tc>
-                  <a:txBody>
-                    <a:bodyPr/>
-                    <a:lstStyle/>
-                    <a:p>
-                      <a:pPr algn="l" fontAlgn="b"/>
-                      <a:r>
-                        <a:rPr lang="en-US" sz="1200" u="none" strike="noStrike">
-                          <a:effectLst/>
-                        </a:rPr>
-                        <a:t>Pontiac</a:t>
-                      </a:r>
-                      <a:endParaRPr lang="en-US" sz="1200" b="0" i="0" u="none" strike="noStrike">
-                        <a:solidFill>
-                          <a:srgbClr val="000000"/>
-                        </a:solidFill>
-                        <a:effectLst/>
-                        <a:latin typeface="Calibri" panose="020F0502020204030204" pitchFamily="34" charset="0"/>
-                      </a:endParaRPr>
-                    </a:p>
-                  </a:txBody>
-                  <a:tcPr marL="0" marR="0" marT="0" marB="0" anchor="b"/>
-                </a:tc>
-                <a:tc>
-                  <a:txBody>
-                    <a:bodyPr/>
-                    <a:lstStyle/>
-                    <a:p>
-                      <a:pPr algn="r" fontAlgn="b"/>
-                      <a:r>
-                        <a:rPr lang="en-US" sz="1200" u="none" strike="noStrike">
-                          <a:effectLst/>
-                        </a:rPr>
-                        <a:t>10100</a:t>
-                      </a:r>
-                      <a:endParaRPr lang="en-US" sz="1200" b="0" i="0" u="none" strike="noStrike">
-                        <a:solidFill>
-                          <a:srgbClr val="000000"/>
-                        </a:solidFill>
-                        <a:effectLst/>
-                        <a:latin typeface="Calibri" panose="020F0502020204030204" pitchFamily="34" charset="0"/>
-                      </a:endParaRPr>
-                    </a:p>
-                  </a:txBody>
-                  <a:tcPr marL="0" marR="0" marT="0" marB="0" anchor="b"/>
-                </a:tc>
-                <a:tc>
-                  <a:txBody>
-                    <a:bodyPr/>
-                    <a:lstStyle/>
-                    <a:p>
-                      <a:pPr algn="l" fontAlgn="b"/>
-                      <a:r>
-                        <a:rPr lang="en-US" sz="1200" u="none" strike="noStrike">
-                          <a:effectLst/>
-                        </a:rPr>
-                        <a:t> $       2,033,966 </a:t>
-                      </a:r>
-                      <a:endParaRPr lang="en-US" sz="1200" b="0" i="0" u="none" strike="noStrike">
-                        <a:solidFill>
-                          <a:srgbClr val="000000"/>
-                        </a:solidFill>
-                        <a:effectLst/>
-                        <a:latin typeface="Calibri" panose="020F0502020204030204" pitchFamily="34" charset="0"/>
-                      </a:endParaRPr>
-                    </a:p>
-                  </a:txBody>
-                  <a:tcPr marL="0" marR="0" marT="0" marB="0" anchor="b"/>
-                </a:tc>
-                <a:tc>
-                  <a:txBody>
-                    <a:bodyPr/>
-                    <a:lstStyle/>
-                    <a:p>
-                      <a:pPr algn="l" fontAlgn="b"/>
-                      <a:r>
-                        <a:rPr lang="en-US" sz="1200" u="none" strike="noStrike">
-                          <a:effectLst/>
-                        </a:rPr>
-                        <a:t> $        20,543,056,600 </a:t>
-                      </a:r>
-                      <a:endParaRPr lang="en-US" sz="1200" b="0" i="0" u="none" strike="noStrike">
-                        <a:solidFill>
-                          <a:srgbClr val="000000"/>
-                        </a:solidFill>
-                        <a:effectLst/>
-                        <a:latin typeface="Calibri" panose="020F0502020204030204" pitchFamily="34" charset="0"/>
-                      </a:endParaRPr>
-                    </a:p>
-                  </a:txBody>
-                  <a:tcPr marL="0" marR="0" marT="0" marB="0" anchor="b"/>
-                </a:tc>
-                <a:extLst>
-                  <a:ext uri="{0D108BD9-81ED-4DB2-BD59-A6C34878D82A}">
-                    <a16:rowId xmlns:a16="http://schemas.microsoft.com/office/drawing/2014/main" val="3815044151"/>
-                  </a:ext>
-                </a:extLst>
-              </a:tr>
-              <a:tr h="203200">
-                <a:tc>
-                  <a:txBody>
-                    <a:bodyPr/>
-                    <a:lstStyle/>
-                    <a:p>
-                      <a:pPr algn="l" fontAlgn="b"/>
-                      <a:r>
-                        <a:rPr lang="en-US" sz="1200" u="none" strike="noStrike">
-                          <a:effectLst/>
-                        </a:rPr>
-                        <a:t>Volkswagen</a:t>
-                      </a:r>
-                      <a:endParaRPr lang="en-US" sz="1200" b="0" i="0" u="none" strike="noStrike">
-                        <a:solidFill>
-                          <a:srgbClr val="000000"/>
-                        </a:solidFill>
-                        <a:effectLst/>
-                        <a:latin typeface="Calibri" panose="020F0502020204030204" pitchFamily="34" charset="0"/>
-                      </a:endParaRPr>
-                    </a:p>
-                  </a:txBody>
-                  <a:tcPr marL="0" marR="0" marT="0" marB="0" anchor="b"/>
-                </a:tc>
-                <a:tc>
-                  <a:txBody>
-                    <a:bodyPr/>
-                    <a:lstStyle/>
-                    <a:p>
-                      <a:pPr algn="r" fontAlgn="b"/>
-                      <a:r>
-                        <a:rPr lang="en-US" sz="1200" u="none" strike="noStrike">
-                          <a:effectLst/>
-                        </a:rPr>
-                        <a:t>10710</a:t>
-                      </a:r>
-                      <a:endParaRPr lang="en-US" sz="1200" b="0" i="0" u="none" strike="noStrike">
-                        <a:solidFill>
-                          <a:srgbClr val="000000"/>
-                        </a:solidFill>
-                        <a:effectLst/>
-                        <a:latin typeface="Calibri" panose="020F0502020204030204" pitchFamily="34" charset="0"/>
-                      </a:endParaRPr>
-                    </a:p>
-                  </a:txBody>
-                  <a:tcPr marL="0" marR="0" marT="0" marB="0" anchor="b"/>
-                </a:tc>
-                <a:tc>
-                  <a:txBody>
-                    <a:bodyPr/>
-                    <a:lstStyle/>
-                    <a:p>
-                      <a:pPr algn="l" fontAlgn="b"/>
-                      <a:r>
-                        <a:rPr lang="en-US" sz="1200" u="none" strike="noStrike">
-                          <a:effectLst/>
-                        </a:rPr>
-                        <a:t> $       1,936,553 </a:t>
-                      </a:r>
-                      <a:endParaRPr lang="en-US" sz="1200" b="0" i="0" u="none" strike="noStrike">
-                        <a:solidFill>
-                          <a:srgbClr val="000000"/>
-                        </a:solidFill>
-                        <a:effectLst/>
-                        <a:latin typeface="Calibri" panose="020F0502020204030204" pitchFamily="34" charset="0"/>
-                      </a:endParaRPr>
-                    </a:p>
-                  </a:txBody>
-                  <a:tcPr marL="0" marR="0" marT="0" marB="0" anchor="b"/>
-                </a:tc>
-                <a:tc>
-                  <a:txBody>
-                    <a:bodyPr/>
-                    <a:lstStyle/>
-                    <a:p>
-                      <a:pPr algn="l" fontAlgn="b"/>
-                      <a:r>
-                        <a:rPr lang="en-US" sz="1200" u="none" strike="noStrike">
-                          <a:effectLst/>
-                        </a:rPr>
-                        <a:t> $        20,740,482,630 </a:t>
-                      </a:r>
-                      <a:endParaRPr lang="en-US" sz="1200" b="0" i="0" u="none" strike="noStrike">
-                        <a:solidFill>
-                          <a:srgbClr val="000000"/>
-                        </a:solidFill>
-                        <a:effectLst/>
-                        <a:latin typeface="Calibri" panose="020F0502020204030204" pitchFamily="34" charset="0"/>
-                      </a:endParaRPr>
-                    </a:p>
-                  </a:txBody>
-                  <a:tcPr marL="0" marR="0" marT="0" marB="0" anchor="b"/>
-                </a:tc>
-                <a:extLst>
-                  <a:ext uri="{0D108BD9-81ED-4DB2-BD59-A6C34878D82A}">
-                    <a16:rowId xmlns:a16="http://schemas.microsoft.com/office/drawing/2014/main" val="3588573599"/>
-                  </a:ext>
-                </a:extLst>
-              </a:tr>
-              <a:tr h="203200">
-                <a:tc>
-                  <a:txBody>
-                    <a:bodyPr/>
-                    <a:lstStyle/>
-                    <a:p>
-                      <a:pPr algn="l" fontAlgn="b"/>
-                      <a:r>
-                        <a:rPr lang="en-US" sz="1200" u="none" strike="noStrike">
-                          <a:effectLst/>
-                        </a:rPr>
-                        <a:t>Mercedes-Benz</a:t>
-                      </a:r>
-                      <a:endParaRPr lang="en-US" sz="1200" b="0" i="0" u="none" strike="noStrike">
-                        <a:solidFill>
-                          <a:srgbClr val="000000"/>
-                        </a:solidFill>
-                        <a:effectLst/>
-                        <a:latin typeface="Calibri" panose="020F0502020204030204" pitchFamily="34" charset="0"/>
-                      </a:endParaRPr>
-                    </a:p>
-                  </a:txBody>
-                  <a:tcPr marL="0" marR="0" marT="0" marB="0" anchor="b"/>
-                </a:tc>
-                <a:tc>
-                  <a:txBody>
-                    <a:bodyPr/>
-                    <a:lstStyle/>
-                    <a:p>
-                      <a:pPr algn="r" fontAlgn="b"/>
-                      <a:r>
-                        <a:rPr lang="en-US" sz="1200" u="none" strike="noStrike">
-                          <a:effectLst/>
-                        </a:rPr>
-                        <a:t>10799</a:t>
-                      </a:r>
-                      <a:endParaRPr lang="en-US" sz="1200" b="0" i="0" u="none" strike="noStrike">
-                        <a:solidFill>
-                          <a:srgbClr val="000000"/>
-                        </a:solidFill>
-                        <a:effectLst/>
-                        <a:latin typeface="Calibri" panose="020F0502020204030204" pitchFamily="34" charset="0"/>
-                      </a:endParaRPr>
-                    </a:p>
-                  </a:txBody>
-                  <a:tcPr marL="0" marR="0" marT="0" marB="0" anchor="b"/>
-                </a:tc>
-                <a:tc>
-                  <a:txBody>
-                    <a:bodyPr/>
-                    <a:lstStyle/>
-                    <a:p>
-                      <a:pPr algn="l" fontAlgn="b"/>
-                      <a:r>
-                        <a:rPr lang="en-US" sz="1200" u="none" strike="noStrike">
-                          <a:effectLst/>
-                        </a:rPr>
-                        <a:t> $       2,016,274 </a:t>
-                      </a:r>
-                      <a:endParaRPr lang="en-US" sz="1200" b="0" i="0" u="none" strike="noStrike">
-                        <a:solidFill>
-                          <a:srgbClr val="000000"/>
-                        </a:solidFill>
-                        <a:effectLst/>
-                        <a:latin typeface="Calibri" panose="020F0502020204030204" pitchFamily="34" charset="0"/>
-                      </a:endParaRPr>
-                    </a:p>
-                  </a:txBody>
-                  <a:tcPr marL="0" marR="0" marT="0" marB="0" anchor="b"/>
-                </a:tc>
-                <a:tc>
-                  <a:txBody>
-                    <a:bodyPr/>
-                    <a:lstStyle/>
-                    <a:p>
-                      <a:pPr algn="l" fontAlgn="b"/>
-                      <a:r>
-                        <a:rPr lang="en-US" sz="1200" u="none" strike="noStrike">
-                          <a:effectLst/>
-                        </a:rPr>
-                        <a:t> $        21,773,742,926 </a:t>
-                      </a:r>
-                      <a:endParaRPr lang="en-US" sz="1200" b="0" i="0" u="none" strike="noStrike">
-                        <a:solidFill>
-                          <a:srgbClr val="000000"/>
-                        </a:solidFill>
-                        <a:effectLst/>
-                        <a:latin typeface="Calibri" panose="020F0502020204030204" pitchFamily="34" charset="0"/>
-                      </a:endParaRPr>
-                    </a:p>
-                  </a:txBody>
-                  <a:tcPr marL="0" marR="0" marT="0" marB="0" anchor="b"/>
-                </a:tc>
-                <a:extLst>
-                  <a:ext uri="{0D108BD9-81ED-4DB2-BD59-A6C34878D82A}">
-                    <a16:rowId xmlns:a16="http://schemas.microsoft.com/office/drawing/2014/main" val="2506850377"/>
-                  </a:ext>
-                </a:extLst>
-              </a:tr>
-              <a:tr h="203200">
-                <a:tc>
-                  <a:txBody>
-                    <a:bodyPr/>
-                    <a:lstStyle/>
-                    <a:p>
-                      <a:pPr algn="l" fontAlgn="b"/>
-                      <a:r>
-                        <a:rPr lang="en-US" sz="1200" u="none" strike="noStrike">
-                          <a:effectLst/>
-                        </a:rPr>
-                        <a:t>BMW</a:t>
-                      </a:r>
-                      <a:endParaRPr lang="en-US" sz="1200" b="0" i="0" u="none" strike="noStrike">
-                        <a:solidFill>
-                          <a:srgbClr val="000000"/>
-                        </a:solidFill>
-                        <a:effectLst/>
-                        <a:latin typeface="Calibri" panose="020F0502020204030204" pitchFamily="34" charset="0"/>
-                      </a:endParaRPr>
-                    </a:p>
-                  </a:txBody>
-                  <a:tcPr marL="0" marR="0" marT="0" marB="0" anchor="b"/>
-                </a:tc>
-                <a:tc>
-                  <a:txBody>
-                    <a:bodyPr/>
-                    <a:lstStyle/>
-                    <a:p>
-                      <a:pPr algn="r" fontAlgn="b"/>
-                      <a:r>
-                        <a:rPr lang="en-US" sz="1200" u="none" strike="noStrike">
-                          <a:effectLst/>
-                        </a:rPr>
-                        <a:t>10726</a:t>
-                      </a:r>
-                      <a:endParaRPr lang="en-US" sz="1200" b="0" i="0" u="none" strike="noStrike">
-                        <a:solidFill>
-                          <a:srgbClr val="000000"/>
-                        </a:solidFill>
-                        <a:effectLst/>
-                        <a:latin typeface="Calibri" panose="020F0502020204030204" pitchFamily="34" charset="0"/>
-                      </a:endParaRPr>
-                    </a:p>
-                  </a:txBody>
-                  <a:tcPr marL="0" marR="0" marT="0" marB="0" anchor="b"/>
-                </a:tc>
-                <a:tc>
-                  <a:txBody>
-                    <a:bodyPr/>
-                    <a:lstStyle/>
-                    <a:p>
-                      <a:pPr algn="l" fontAlgn="b"/>
-                      <a:r>
-                        <a:rPr lang="en-US" sz="1200" u="none" strike="noStrike">
-                          <a:effectLst/>
-                        </a:rPr>
-                        <a:t> $       1,974,794 </a:t>
-                      </a:r>
-                      <a:endParaRPr lang="en-US" sz="1200" b="0" i="0" u="none" strike="noStrike">
-                        <a:solidFill>
-                          <a:srgbClr val="000000"/>
-                        </a:solidFill>
-                        <a:effectLst/>
-                        <a:latin typeface="Calibri" panose="020F0502020204030204" pitchFamily="34" charset="0"/>
-                      </a:endParaRPr>
-                    </a:p>
-                  </a:txBody>
-                  <a:tcPr marL="0" marR="0" marT="0" marB="0" anchor="b"/>
-                </a:tc>
-                <a:tc>
-                  <a:txBody>
-                    <a:bodyPr/>
-                    <a:lstStyle/>
-                    <a:p>
-                      <a:pPr algn="l" fontAlgn="b"/>
-                      <a:r>
-                        <a:rPr lang="en-US" sz="1200" u="none" strike="noStrike">
-                          <a:effectLst/>
-                        </a:rPr>
-                        <a:t> $        21,181,640,444 </a:t>
-                      </a:r>
-                      <a:endParaRPr lang="en-US" sz="1200" b="0" i="0" u="none" strike="noStrike">
-                        <a:solidFill>
-                          <a:srgbClr val="000000"/>
-                        </a:solidFill>
-                        <a:effectLst/>
-                        <a:latin typeface="Calibri" panose="020F0502020204030204" pitchFamily="34" charset="0"/>
-                      </a:endParaRPr>
-                    </a:p>
-                  </a:txBody>
-                  <a:tcPr marL="0" marR="0" marT="0" marB="0" anchor="b"/>
-                </a:tc>
-                <a:extLst>
-                  <a:ext uri="{0D108BD9-81ED-4DB2-BD59-A6C34878D82A}">
-                    <a16:rowId xmlns:a16="http://schemas.microsoft.com/office/drawing/2014/main" val="1545474924"/>
-                  </a:ext>
-                </a:extLst>
-              </a:tr>
-              <a:tr h="203200">
-                <a:tc>
-                  <a:txBody>
-                    <a:bodyPr/>
-                    <a:lstStyle/>
-                    <a:p>
-                      <a:pPr algn="l" fontAlgn="b"/>
-                      <a:r>
-                        <a:rPr lang="en-US" sz="1200" u="none" strike="noStrike">
-                          <a:effectLst/>
-                        </a:rPr>
-                        <a:t>Scenario revenue</a:t>
-                      </a:r>
-                      <a:endParaRPr lang="en-US" sz="1200" b="0" i="0" u="none" strike="noStrike">
-                        <a:solidFill>
-                          <a:srgbClr val="000000"/>
-                        </a:solidFill>
-                        <a:effectLst/>
-                        <a:latin typeface="Calibri" panose="020F0502020204030204" pitchFamily="34" charset="0"/>
-                      </a:endParaRPr>
-                    </a:p>
-                  </a:txBody>
-                  <a:tcPr marL="0" marR="0" marT="0" marB="0" anchor="b"/>
-                </a:tc>
-                <a:tc gridSpan="2">
-                  <a:txBody>
-                    <a:bodyPr/>
-                    <a:lstStyle/>
-                    <a:p>
-                      <a:pPr algn="l" fontAlgn="b"/>
-                      <a:r>
-                        <a:rPr lang="en-US" sz="1200" b="0" i="0" u="none" strike="noStrike" dirty="0">
-                          <a:solidFill>
-                            <a:srgbClr val="FF0000"/>
-                          </a:solidFill>
-                          <a:effectLst/>
-                          <a:latin typeface="Calibri" panose="020F0502020204030204" pitchFamily="34" charset="0"/>
-                        </a:rPr>
-                        <a:t>`</a:t>
-                      </a:r>
-                    </a:p>
-                  </a:txBody>
-                  <a:tcPr marL="0" marR="0" marT="0" marB="0" anchor="b"/>
-                </a:tc>
-                <a:tc hMerge="1">
-                  <a:txBody>
-                    <a:bodyPr/>
-                    <a:lstStyle/>
-                    <a:p>
-                      <a:endParaRPr lang="en-US"/>
-                    </a:p>
-                  </a:txBody>
-                  <a:tcPr/>
-                </a:tc>
-                <a:tc>
-                  <a:txBody>
-                    <a:bodyPr/>
-                    <a:lstStyle/>
-                    <a:p>
-                      <a:pPr algn="l" fontAlgn="b"/>
-                      <a:r>
-                        <a:rPr lang="en-US" sz="1200" u="none" strike="noStrike" dirty="0">
-                          <a:effectLst/>
-                        </a:rPr>
-                        <a:t> $ 439,995,249,526.00 </a:t>
-                      </a:r>
-                      <a:endParaRPr lang="en-US" sz="1200" b="1" i="0" u="none" strike="noStrike" dirty="0">
-                        <a:solidFill>
-                          <a:srgbClr val="000000"/>
-                        </a:solidFill>
-                        <a:effectLst/>
-                        <a:latin typeface="Calibri" panose="020F0502020204030204" pitchFamily="34" charset="0"/>
-                      </a:endParaRPr>
-                    </a:p>
-                  </a:txBody>
-                  <a:tcPr marL="0" marR="0" marT="0" marB="0" anchor="b"/>
-                </a:tc>
-                <a:extLst>
-                  <a:ext uri="{0D108BD9-81ED-4DB2-BD59-A6C34878D82A}">
-                    <a16:rowId xmlns:a16="http://schemas.microsoft.com/office/drawing/2014/main" val="470520603"/>
-                  </a:ext>
-                </a:extLst>
-              </a:tr>
-            </a:tbl>
-          </a:graphicData>
-        </a:graphic>
-      </p:graphicFrame>
       <p:sp>
         <p:nvSpPr>
           <p:cNvPr id="13" name="Graphic 7" descr="Arrow Up with solid fill">
@@ -13609,10 +12184,10 @@
           <p:nvPr/>
         </p:nvPicPr>
         <p:blipFill>
-          <a:blip r:embed="rId2">
+          <a:blip r:embed="rId3">
             <a:extLst>
               <a:ext uri="{96DAC541-7B7A-43D3-8B79-37D633B846F1}">
-                <asvg:svgBlip xmlns:asvg="http://schemas.microsoft.com/office/drawing/2016/SVG/main" r:embed="rId3"/>
+                <asvg:svgBlip xmlns:asvg="http://schemas.microsoft.com/office/drawing/2016/SVG/main" r:embed="rId4"/>
               </a:ext>
             </a:extLst>
           </a:blip>
@@ -13645,10 +12220,10 @@
           <p:nvPr/>
         </p:nvPicPr>
         <p:blipFill>
-          <a:blip r:embed="rId2">
+          <a:blip r:embed="rId3">
             <a:extLst>
               <a:ext uri="{96DAC541-7B7A-43D3-8B79-37D633B846F1}">
-                <asvg:svgBlip xmlns:asvg="http://schemas.microsoft.com/office/drawing/2016/SVG/main" r:embed="rId3"/>
+                <asvg:svgBlip xmlns:asvg="http://schemas.microsoft.com/office/drawing/2016/SVG/main" r:embed="rId4"/>
               </a:ext>
             </a:extLst>
           </a:blip>
@@ -13731,7 +12306,7 @@
           <a:p>
             <a:r>
               <a:rPr lang="en-US" dirty="0"/>
-              <a:t>Increasing rental price by 10% </a:t>
+              <a:t>Increasing rental profit by 10% </a:t>
             </a:r>
           </a:p>
         </p:txBody>
@@ -13771,6 +12346,1246 @@
           </a:p>
         </p:txBody>
       </p:sp>
+      <p:graphicFrame>
+        <p:nvGraphicFramePr>
+          <p:cNvPr id="28" name="Content Placeholder 27">
+            <a:extLst>
+              <a:ext uri="{FF2B5EF4-FFF2-40B4-BE49-F238E27FC236}">
+                <a16:creationId xmlns:a16="http://schemas.microsoft.com/office/drawing/2014/main" id="{AF04E465-E15F-B44F-83BB-D5047692FE78}"/>
+              </a:ext>
+            </a:extLst>
+          </p:cNvPr>
+          <p:cNvGraphicFramePr>
+            <a:graphicFrameLocks noGrp="1"/>
+          </p:cNvGraphicFramePr>
+          <p:nvPr>
+            <p:ph idx="1"/>
+            <p:extLst>
+              <p:ext uri="{D42A27DB-BD31-4B8C-83A1-F6EECF244321}">
+                <p14:modId xmlns:p14="http://schemas.microsoft.com/office/powerpoint/2010/main" val="3547568253"/>
+              </p:ext>
+            </p:extLst>
+          </p:nvPr>
+        </p:nvGraphicFramePr>
+        <p:xfrm>
+          <a:off x="1531133" y="834735"/>
+          <a:ext cx="7751413" cy="2565400"/>
+        </p:xfrm>
+        <a:graphic>
+          <a:graphicData uri="http://schemas.openxmlformats.org/drawingml/2006/table">
+            <a:tbl>
+              <a:tblPr>
+                <a:tableStyleId>{5C22544A-7EE6-4342-B048-85BDC9FD1C3A}</a:tableStyleId>
+              </a:tblPr>
+              <a:tblGrid>
+                <a:gridCol w="1975068">
+                  <a:extLst>
+                    <a:ext uri="{9D8B030D-6E8A-4147-A177-3AD203B41FA5}">
+                      <a16:colId xmlns:a16="http://schemas.microsoft.com/office/drawing/2014/main" val="2406472228"/>
+                    </a:ext>
+                  </a:extLst>
+                </a:gridCol>
+                <a:gridCol w="912813">
+                  <a:extLst>
+                    <a:ext uri="{9D8B030D-6E8A-4147-A177-3AD203B41FA5}">
+                      <a16:colId xmlns:a16="http://schemas.microsoft.com/office/drawing/2014/main" val="3647252050"/>
+                    </a:ext>
+                  </a:extLst>
+                </a:gridCol>
+                <a:gridCol w="2064035">
+                  <a:extLst>
+                    <a:ext uri="{9D8B030D-6E8A-4147-A177-3AD203B41FA5}">
+                      <a16:colId xmlns:a16="http://schemas.microsoft.com/office/drawing/2014/main" val="77568826"/>
+                    </a:ext>
+                  </a:extLst>
+                </a:gridCol>
+                <a:gridCol w="2799497">
+                  <a:extLst>
+                    <a:ext uri="{9D8B030D-6E8A-4147-A177-3AD203B41FA5}">
+                      <a16:colId xmlns:a16="http://schemas.microsoft.com/office/drawing/2014/main" val="444568613"/>
+                    </a:ext>
+                  </a:extLst>
+                </a:gridCol>
+              </a:tblGrid>
+              <a:tr h="330200">
+                <a:tc>
+                  <a:txBody>
+                    <a:bodyPr/>
+                    <a:lstStyle/>
+                    <a:p>
+                      <a:pPr algn="l" fontAlgn="b"/>
+                      <a:r>
+                        <a:rPr lang="en-US" sz="1200" u="none" strike="noStrike">
+                          <a:effectLst/>
+                        </a:rPr>
+                        <a:t>car rented</a:t>
+                      </a:r>
+                      <a:endParaRPr lang="en-US" sz="1200" b="1" i="0" u="none" strike="noStrike">
+                        <a:solidFill>
+                          <a:srgbClr val="000000"/>
+                        </a:solidFill>
+                        <a:effectLst/>
+                        <a:latin typeface="Calibri" panose="020F0502020204030204" pitchFamily="34" charset="0"/>
+                      </a:endParaRPr>
+                    </a:p>
+                  </a:txBody>
+                  <a:tcPr marL="0" marR="0" marT="0" marB="0" anchor="b"/>
+                </a:tc>
+                <a:tc>
+                  <a:txBody>
+                    <a:bodyPr/>
+                    <a:lstStyle/>
+                    <a:p>
+                      <a:pPr algn="l" fontAlgn="b"/>
+                      <a:r>
+                        <a:rPr lang="en-US" sz="1200" u="none" strike="noStrike" dirty="0">
+                          <a:effectLst/>
+                        </a:rPr>
+                        <a:t>daily rentals</a:t>
+                      </a:r>
+                      <a:endParaRPr lang="en-US" sz="1200" b="1" i="0" u="none" strike="noStrike" dirty="0">
+                        <a:solidFill>
+                          <a:srgbClr val="000000"/>
+                        </a:solidFill>
+                        <a:effectLst/>
+                        <a:latin typeface="Calibri" panose="020F0502020204030204" pitchFamily="34" charset="0"/>
+                      </a:endParaRPr>
+                    </a:p>
+                  </a:txBody>
+                  <a:tcPr marL="0" marR="0" marT="0" marB="0" anchor="b"/>
+                </a:tc>
+                <a:tc>
+                  <a:txBody>
+                    <a:bodyPr/>
+                    <a:lstStyle/>
+                    <a:p>
+                      <a:pPr algn="l" fontAlgn="b"/>
+                      <a:r>
+                        <a:rPr lang="en-US" sz="1200" u="none" strike="noStrike">
+                          <a:effectLst/>
+                        </a:rPr>
+                        <a:t>rental profit</a:t>
+                      </a:r>
+                      <a:endParaRPr lang="en-US" sz="1200" b="1" i="0" u="none" strike="noStrike">
+                        <a:solidFill>
+                          <a:srgbClr val="000000"/>
+                        </a:solidFill>
+                        <a:effectLst/>
+                        <a:latin typeface="Calibri" panose="020F0502020204030204" pitchFamily="34" charset="0"/>
+                      </a:endParaRPr>
+                    </a:p>
+                  </a:txBody>
+                  <a:tcPr marL="0" marR="0" marT="0" marB="0" anchor="b"/>
+                </a:tc>
+                <a:tc>
+                  <a:txBody>
+                    <a:bodyPr/>
+                    <a:lstStyle/>
+                    <a:p>
+                      <a:pPr algn="l" fontAlgn="b"/>
+                      <a:r>
+                        <a:rPr lang="en-US" sz="1200" u="none" strike="noStrike">
+                          <a:effectLst/>
+                        </a:rPr>
+                        <a:t>annual  revenue</a:t>
+                      </a:r>
+                      <a:endParaRPr lang="en-US" sz="1200" b="1" i="0" u="none" strike="noStrike">
+                        <a:solidFill>
+                          <a:srgbClr val="000000"/>
+                        </a:solidFill>
+                        <a:effectLst/>
+                        <a:latin typeface="Calibri" panose="020F0502020204030204" pitchFamily="34" charset="0"/>
+                      </a:endParaRPr>
+                    </a:p>
+                  </a:txBody>
+                  <a:tcPr marL="0" marR="0" marT="0" marB="0" anchor="b"/>
+                </a:tc>
+                <a:extLst>
+                  <a:ext uri="{0D108BD9-81ED-4DB2-BD59-A6C34878D82A}">
+                    <a16:rowId xmlns:a16="http://schemas.microsoft.com/office/drawing/2014/main" val="1577676731"/>
+                  </a:ext>
+                </a:extLst>
+              </a:tr>
+              <a:tr h="203200">
+                <a:tc>
+                  <a:txBody>
+                    <a:bodyPr/>
+                    <a:lstStyle/>
+                    <a:p>
+                      <a:pPr algn="l" fontAlgn="b"/>
+                      <a:r>
+                        <a:rPr lang="en-US" sz="1200" u="none" strike="noStrike">
+                          <a:effectLst/>
+                        </a:rPr>
+                        <a:t>Ford</a:t>
+                      </a:r>
+                      <a:endParaRPr lang="en-US" sz="1200" b="0" i="0" u="none" strike="noStrike">
+                        <a:solidFill>
+                          <a:srgbClr val="000000"/>
+                        </a:solidFill>
+                        <a:effectLst/>
+                        <a:latin typeface="Calibri" panose="020F0502020204030204" pitchFamily="34" charset="0"/>
+                      </a:endParaRPr>
+                    </a:p>
+                  </a:txBody>
+                  <a:tcPr marL="0" marR="0" marT="0" marB="0" anchor="b"/>
+                </a:tc>
+                <a:tc>
+                  <a:txBody>
+                    <a:bodyPr/>
+                    <a:lstStyle/>
+                    <a:p>
+                      <a:pPr algn="r" fontAlgn="b"/>
+                      <a:r>
+                        <a:rPr lang="en-US" sz="1200" u="none" strike="noStrike">
+                          <a:effectLst/>
+                        </a:rPr>
+                        <a:t>28303</a:t>
+                      </a:r>
+                      <a:endParaRPr lang="en-US" sz="1200" b="0" i="0" u="none" strike="noStrike">
+                        <a:solidFill>
+                          <a:srgbClr val="000000"/>
+                        </a:solidFill>
+                        <a:effectLst/>
+                        <a:latin typeface="Calibri" panose="020F0502020204030204" pitchFamily="34" charset="0"/>
+                      </a:endParaRPr>
+                    </a:p>
+                  </a:txBody>
+                  <a:tcPr marL="0" marR="0" marT="0" marB="0" anchor="b"/>
+                </a:tc>
+                <a:tc>
+                  <a:txBody>
+                    <a:bodyPr/>
+                    <a:lstStyle/>
+                    <a:p>
+                      <a:pPr algn="l" fontAlgn="b"/>
+                      <a:r>
+                        <a:rPr lang="en-US" sz="1200" u="none" strike="noStrike">
+                          <a:effectLst/>
+                        </a:rPr>
+                        <a:t> $                 177 </a:t>
+                      </a:r>
+                      <a:endParaRPr lang="en-US" sz="1200" b="0" i="0" u="none" strike="noStrike">
+                        <a:solidFill>
+                          <a:srgbClr val="000000"/>
+                        </a:solidFill>
+                        <a:effectLst/>
+                        <a:latin typeface="Calibri" panose="020F0502020204030204" pitchFamily="34" charset="0"/>
+                      </a:endParaRPr>
+                    </a:p>
+                  </a:txBody>
+                  <a:tcPr marL="0" marR="0" marT="0" marB="0" anchor="b"/>
+                </a:tc>
+                <a:tc>
+                  <a:txBody>
+                    <a:bodyPr/>
+                    <a:lstStyle/>
+                    <a:p>
+                      <a:pPr algn="l" fontAlgn="b"/>
+                      <a:r>
+                        <a:rPr lang="en-US" sz="1200" u="none" strike="noStrike">
+                          <a:effectLst/>
+                        </a:rPr>
+                        <a:t> $                 5,015,126 </a:t>
+                      </a:r>
+                      <a:endParaRPr lang="en-US" sz="1200" b="0" i="0" u="none" strike="noStrike">
+                        <a:solidFill>
+                          <a:srgbClr val="000000"/>
+                        </a:solidFill>
+                        <a:effectLst/>
+                        <a:latin typeface="Calibri" panose="020F0502020204030204" pitchFamily="34" charset="0"/>
+                      </a:endParaRPr>
+                    </a:p>
+                  </a:txBody>
+                  <a:tcPr marL="0" marR="0" marT="0" marB="0" anchor="b"/>
+                </a:tc>
+                <a:extLst>
+                  <a:ext uri="{0D108BD9-81ED-4DB2-BD59-A6C34878D82A}">
+                    <a16:rowId xmlns:a16="http://schemas.microsoft.com/office/drawing/2014/main" val="3271871529"/>
+                  </a:ext>
+                </a:extLst>
+              </a:tr>
+              <a:tr h="203200">
+                <a:tc>
+                  <a:txBody>
+                    <a:bodyPr/>
+                    <a:lstStyle/>
+                    <a:p>
+                      <a:pPr algn="l" fontAlgn="b"/>
+                      <a:r>
+                        <a:rPr lang="en-US" sz="1200" u="none" strike="noStrike">
+                          <a:effectLst/>
+                        </a:rPr>
+                        <a:t>Chevrolet</a:t>
+                      </a:r>
+                      <a:endParaRPr lang="en-US" sz="1200" b="0" i="0" u="none" strike="noStrike">
+                        <a:solidFill>
+                          <a:srgbClr val="000000"/>
+                        </a:solidFill>
+                        <a:effectLst/>
+                        <a:latin typeface="Calibri" panose="020F0502020204030204" pitchFamily="34" charset="0"/>
+                      </a:endParaRPr>
+                    </a:p>
+                  </a:txBody>
+                  <a:tcPr marL="0" marR="0" marT="0" marB="0" anchor="b"/>
+                </a:tc>
+                <a:tc>
+                  <a:txBody>
+                    <a:bodyPr/>
+                    <a:lstStyle/>
+                    <a:p>
+                      <a:pPr algn="r" fontAlgn="b"/>
+                      <a:r>
+                        <a:rPr lang="en-US" sz="1200" u="none" strike="noStrike">
+                          <a:effectLst/>
+                        </a:rPr>
+                        <a:t>25811</a:t>
+                      </a:r>
+                      <a:endParaRPr lang="en-US" sz="1200" b="0" i="0" u="none" strike="noStrike">
+                        <a:solidFill>
+                          <a:srgbClr val="000000"/>
+                        </a:solidFill>
+                        <a:effectLst/>
+                        <a:latin typeface="Calibri" panose="020F0502020204030204" pitchFamily="34" charset="0"/>
+                      </a:endParaRPr>
+                    </a:p>
+                  </a:txBody>
+                  <a:tcPr marL="0" marR="0" marT="0" marB="0" anchor="b"/>
+                </a:tc>
+                <a:tc>
+                  <a:txBody>
+                    <a:bodyPr/>
+                    <a:lstStyle/>
+                    <a:p>
+                      <a:pPr algn="l" fontAlgn="b"/>
+                      <a:r>
+                        <a:rPr lang="en-US" sz="1200" u="none" strike="noStrike">
+                          <a:effectLst/>
+                        </a:rPr>
+                        <a:t> $                 178 </a:t>
+                      </a:r>
+                      <a:endParaRPr lang="en-US" sz="1200" b="0" i="0" u="none" strike="noStrike">
+                        <a:solidFill>
+                          <a:srgbClr val="000000"/>
+                        </a:solidFill>
+                        <a:effectLst/>
+                        <a:latin typeface="Calibri" panose="020F0502020204030204" pitchFamily="34" charset="0"/>
+                      </a:endParaRPr>
+                    </a:p>
+                  </a:txBody>
+                  <a:tcPr marL="0" marR="0" marT="0" marB="0" anchor="b"/>
+                </a:tc>
+                <a:tc>
+                  <a:txBody>
+                    <a:bodyPr/>
+                    <a:lstStyle/>
+                    <a:p>
+                      <a:pPr algn="l" fontAlgn="b"/>
+                      <a:r>
+                        <a:rPr lang="en-US" sz="1200" u="none" strike="noStrike">
+                          <a:effectLst/>
+                        </a:rPr>
+                        <a:t> $                 4,590,332 </a:t>
+                      </a:r>
+                      <a:endParaRPr lang="en-US" sz="1200" b="0" i="0" u="none" strike="noStrike">
+                        <a:solidFill>
+                          <a:srgbClr val="000000"/>
+                        </a:solidFill>
+                        <a:effectLst/>
+                        <a:latin typeface="Calibri" panose="020F0502020204030204" pitchFamily="34" charset="0"/>
+                      </a:endParaRPr>
+                    </a:p>
+                  </a:txBody>
+                  <a:tcPr marL="0" marR="0" marT="0" marB="0" anchor="b"/>
+                </a:tc>
+                <a:extLst>
+                  <a:ext uri="{0D108BD9-81ED-4DB2-BD59-A6C34878D82A}">
+                    <a16:rowId xmlns:a16="http://schemas.microsoft.com/office/drawing/2014/main" val="3552974179"/>
+                  </a:ext>
+                </a:extLst>
+              </a:tr>
+              <a:tr h="203200">
+                <a:tc>
+                  <a:txBody>
+                    <a:bodyPr/>
+                    <a:lstStyle/>
+                    <a:p>
+                      <a:pPr algn="l" fontAlgn="b"/>
+                      <a:r>
+                        <a:rPr lang="en-US" sz="1200" u="none" strike="noStrike">
+                          <a:effectLst/>
+                        </a:rPr>
+                        <a:t>Dodge</a:t>
+                      </a:r>
+                      <a:endParaRPr lang="en-US" sz="1200" b="0" i="0" u="none" strike="noStrike">
+                        <a:solidFill>
+                          <a:srgbClr val="000000"/>
+                        </a:solidFill>
+                        <a:effectLst/>
+                        <a:latin typeface="Calibri" panose="020F0502020204030204" pitchFamily="34" charset="0"/>
+                      </a:endParaRPr>
+                    </a:p>
+                  </a:txBody>
+                  <a:tcPr marL="0" marR="0" marT="0" marB="0" anchor="b"/>
+                </a:tc>
+                <a:tc>
+                  <a:txBody>
+                    <a:bodyPr/>
+                    <a:lstStyle/>
+                    <a:p>
+                      <a:pPr algn="r" fontAlgn="b"/>
+                      <a:r>
+                        <a:rPr lang="en-US" sz="1200" u="none" strike="noStrike">
+                          <a:effectLst/>
+                        </a:rPr>
+                        <a:t>18463</a:t>
+                      </a:r>
+                      <a:endParaRPr lang="en-US" sz="1200" b="0" i="0" u="none" strike="noStrike">
+                        <a:solidFill>
+                          <a:srgbClr val="000000"/>
+                        </a:solidFill>
+                        <a:effectLst/>
+                        <a:latin typeface="Calibri" panose="020F0502020204030204" pitchFamily="34" charset="0"/>
+                      </a:endParaRPr>
+                    </a:p>
+                  </a:txBody>
+                  <a:tcPr marL="0" marR="0" marT="0" marB="0" anchor="b"/>
+                </a:tc>
+                <a:tc>
+                  <a:txBody>
+                    <a:bodyPr/>
+                    <a:lstStyle/>
+                    <a:p>
+                      <a:pPr algn="l" fontAlgn="b"/>
+                      <a:r>
+                        <a:rPr lang="en-US" sz="1200" u="none" strike="noStrike">
+                          <a:effectLst/>
+                        </a:rPr>
+                        <a:t> $                 178 </a:t>
+                      </a:r>
+                      <a:endParaRPr lang="en-US" sz="1200" b="0" i="0" u="none" strike="noStrike">
+                        <a:solidFill>
+                          <a:srgbClr val="000000"/>
+                        </a:solidFill>
+                        <a:effectLst/>
+                        <a:latin typeface="Calibri" panose="020F0502020204030204" pitchFamily="34" charset="0"/>
+                      </a:endParaRPr>
+                    </a:p>
+                  </a:txBody>
+                  <a:tcPr marL="0" marR="0" marT="0" marB="0" anchor="b"/>
+                </a:tc>
+                <a:tc>
+                  <a:txBody>
+                    <a:bodyPr/>
+                    <a:lstStyle/>
+                    <a:p>
+                      <a:pPr algn="l" fontAlgn="b"/>
+                      <a:r>
+                        <a:rPr lang="en-US" sz="1200" u="none" strike="noStrike">
+                          <a:effectLst/>
+                        </a:rPr>
+                        <a:t> $                 3,285,779 </a:t>
+                      </a:r>
+                      <a:endParaRPr lang="en-US" sz="1200" b="0" i="0" u="none" strike="noStrike">
+                        <a:solidFill>
+                          <a:srgbClr val="000000"/>
+                        </a:solidFill>
+                        <a:effectLst/>
+                        <a:latin typeface="Calibri" panose="020F0502020204030204" pitchFamily="34" charset="0"/>
+                      </a:endParaRPr>
+                    </a:p>
+                  </a:txBody>
+                  <a:tcPr marL="0" marR="0" marT="0" marB="0" anchor="b"/>
+                </a:tc>
+                <a:extLst>
+                  <a:ext uri="{0D108BD9-81ED-4DB2-BD59-A6C34878D82A}">
+                    <a16:rowId xmlns:a16="http://schemas.microsoft.com/office/drawing/2014/main" val="144038598"/>
+                  </a:ext>
+                </a:extLst>
+              </a:tr>
+              <a:tr h="203200">
+                <a:tc>
+                  <a:txBody>
+                    <a:bodyPr/>
+                    <a:lstStyle/>
+                    <a:p>
+                      <a:pPr algn="l" fontAlgn="b"/>
+                      <a:r>
+                        <a:rPr lang="en-US" sz="1200" u="none" strike="noStrike">
+                          <a:effectLst/>
+                        </a:rPr>
+                        <a:t>Toyota</a:t>
+                      </a:r>
+                      <a:endParaRPr lang="en-US" sz="1200" b="0" i="0" u="none" strike="noStrike">
+                        <a:solidFill>
+                          <a:srgbClr val="000000"/>
+                        </a:solidFill>
+                        <a:effectLst/>
+                        <a:latin typeface="Calibri" panose="020F0502020204030204" pitchFamily="34" charset="0"/>
+                      </a:endParaRPr>
+                    </a:p>
+                  </a:txBody>
+                  <a:tcPr marL="0" marR="0" marT="0" marB="0" anchor="b"/>
+                </a:tc>
+                <a:tc>
+                  <a:txBody>
+                    <a:bodyPr/>
+                    <a:lstStyle/>
+                    <a:p>
+                      <a:pPr algn="r" fontAlgn="b"/>
+                      <a:r>
+                        <a:rPr lang="en-US" sz="1200" u="none" strike="noStrike">
+                          <a:effectLst/>
+                        </a:rPr>
+                        <a:t>15182</a:t>
+                      </a:r>
+                      <a:endParaRPr lang="en-US" sz="1200" b="0" i="0" u="none" strike="noStrike">
+                        <a:solidFill>
+                          <a:srgbClr val="000000"/>
+                        </a:solidFill>
+                        <a:effectLst/>
+                        <a:latin typeface="Calibri" panose="020F0502020204030204" pitchFamily="34" charset="0"/>
+                      </a:endParaRPr>
+                    </a:p>
+                  </a:txBody>
+                  <a:tcPr marL="0" marR="0" marT="0" marB="0" anchor="b"/>
+                </a:tc>
+                <a:tc>
+                  <a:txBody>
+                    <a:bodyPr/>
+                    <a:lstStyle/>
+                    <a:p>
+                      <a:pPr algn="l" fontAlgn="b"/>
+                      <a:r>
+                        <a:rPr lang="en-US" sz="1200" u="none" strike="noStrike">
+                          <a:effectLst/>
+                        </a:rPr>
+                        <a:t> $                 173 </a:t>
+                      </a:r>
+                      <a:endParaRPr lang="en-US" sz="1200" b="0" i="0" u="none" strike="noStrike">
+                        <a:solidFill>
+                          <a:srgbClr val="000000"/>
+                        </a:solidFill>
+                        <a:effectLst/>
+                        <a:latin typeface="Calibri" panose="020F0502020204030204" pitchFamily="34" charset="0"/>
+                      </a:endParaRPr>
+                    </a:p>
+                  </a:txBody>
+                  <a:tcPr marL="0" marR="0" marT="0" marB="0" anchor="b"/>
+                </a:tc>
+                <a:tc>
+                  <a:txBody>
+                    <a:bodyPr/>
+                    <a:lstStyle/>
+                    <a:p>
+                      <a:pPr algn="l" fontAlgn="b"/>
+                      <a:r>
+                        <a:rPr lang="en-US" sz="1200" u="none" strike="noStrike">
+                          <a:effectLst/>
+                        </a:rPr>
+                        <a:t> $                 2,623,654 </a:t>
+                      </a:r>
+                      <a:endParaRPr lang="en-US" sz="1200" b="0" i="0" u="none" strike="noStrike">
+                        <a:solidFill>
+                          <a:srgbClr val="000000"/>
+                        </a:solidFill>
+                        <a:effectLst/>
+                        <a:latin typeface="Calibri" panose="020F0502020204030204" pitchFamily="34" charset="0"/>
+                      </a:endParaRPr>
+                    </a:p>
+                  </a:txBody>
+                  <a:tcPr marL="0" marR="0" marT="0" marB="0" anchor="b"/>
+                </a:tc>
+                <a:extLst>
+                  <a:ext uri="{0D108BD9-81ED-4DB2-BD59-A6C34878D82A}">
+                    <a16:rowId xmlns:a16="http://schemas.microsoft.com/office/drawing/2014/main" val="2188654764"/>
+                  </a:ext>
+                </a:extLst>
+              </a:tr>
+              <a:tr h="203200">
+                <a:tc>
+                  <a:txBody>
+                    <a:bodyPr/>
+                    <a:lstStyle/>
+                    <a:p>
+                      <a:pPr algn="l" fontAlgn="b"/>
+                      <a:r>
+                        <a:rPr lang="en-US" sz="1200" u="none" strike="noStrike">
+                          <a:effectLst/>
+                        </a:rPr>
+                        <a:t>GMC</a:t>
+                      </a:r>
+                      <a:endParaRPr lang="en-US" sz="1200" b="0" i="0" u="none" strike="noStrike">
+                        <a:solidFill>
+                          <a:srgbClr val="000000"/>
+                        </a:solidFill>
+                        <a:effectLst/>
+                        <a:latin typeface="Calibri" panose="020F0502020204030204" pitchFamily="34" charset="0"/>
+                      </a:endParaRPr>
+                    </a:p>
+                  </a:txBody>
+                  <a:tcPr marL="0" marR="0" marT="0" marB="0" anchor="b"/>
+                </a:tc>
+                <a:tc>
+                  <a:txBody>
+                    <a:bodyPr/>
+                    <a:lstStyle/>
+                    <a:p>
+                      <a:pPr algn="r" fontAlgn="b"/>
+                      <a:r>
+                        <a:rPr lang="en-US" sz="1200" u="none" strike="noStrike">
+                          <a:effectLst/>
+                        </a:rPr>
+                        <a:t>13212</a:t>
+                      </a:r>
+                      <a:endParaRPr lang="en-US" sz="1200" b="0" i="0" u="none" strike="noStrike">
+                        <a:solidFill>
+                          <a:srgbClr val="000000"/>
+                        </a:solidFill>
+                        <a:effectLst/>
+                        <a:latin typeface="Calibri" panose="020F0502020204030204" pitchFamily="34" charset="0"/>
+                      </a:endParaRPr>
+                    </a:p>
+                  </a:txBody>
+                  <a:tcPr marL="0" marR="0" marT="0" marB="0" anchor="b"/>
+                </a:tc>
+                <a:tc>
+                  <a:txBody>
+                    <a:bodyPr/>
+                    <a:lstStyle/>
+                    <a:p>
+                      <a:pPr algn="l" fontAlgn="b"/>
+                      <a:r>
+                        <a:rPr lang="en-US" sz="1200" u="none" strike="noStrike">
+                          <a:effectLst/>
+                        </a:rPr>
+                        <a:t> $                 183 </a:t>
+                      </a:r>
+                      <a:endParaRPr lang="en-US" sz="1200" b="0" i="0" u="none" strike="noStrike">
+                        <a:solidFill>
+                          <a:srgbClr val="000000"/>
+                        </a:solidFill>
+                        <a:effectLst/>
+                        <a:latin typeface="Calibri" panose="020F0502020204030204" pitchFamily="34" charset="0"/>
+                      </a:endParaRPr>
+                    </a:p>
+                  </a:txBody>
+                  <a:tcPr marL="0" marR="0" marT="0" marB="0" anchor="b"/>
+                </a:tc>
+                <a:tc>
+                  <a:txBody>
+                    <a:bodyPr/>
+                    <a:lstStyle/>
+                    <a:p>
+                      <a:pPr algn="l" fontAlgn="b"/>
+                      <a:r>
+                        <a:rPr lang="en-US" sz="1200" u="none" strike="noStrike">
+                          <a:effectLst/>
+                        </a:rPr>
+                        <a:t> $                 2,416,608 </a:t>
+                      </a:r>
+                      <a:endParaRPr lang="en-US" sz="1200" b="0" i="0" u="none" strike="noStrike">
+                        <a:solidFill>
+                          <a:srgbClr val="000000"/>
+                        </a:solidFill>
+                        <a:effectLst/>
+                        <a:latin typeface="Calibri" panose="020F0502020204030204" pitchFamily="34" charset="0"/>
+                      </a:endParaRPr>
+                    </a:p>
+                  </a:txBody>
+                  <a:tcPr marL="0" marR="0" marT="0" marB="0" anchor="b"/>
+                </a:tc>
+                <a:extLst>
+                  <a:ext uri="{0D108BD9-81ED-4DB2-BD59-A6C34878D82A}">
+                    <a16:rowId xmlns:a16="http://schemas.microsoft.com/office/drawing/2014/main" val="2401550673"/>
+                  </a:ext>
+                </a:extLst>
+              </a:tr>
+              <a:tr h="203200">
+                <a:tc>
+                  <a:txBody>
+                    <a:bodyPr/>
+                    <a:lstStyle/>
+                    <a:p>
+                      <a:pPr algn="l" fontAlgn="b"/>
+                      <a:r>
+                        <a:rPr lang="en-US" sz="1200" u="none" strike="noStrike">
+                          <a:effectLst/>
+                        </a:rPr>
+                        <a:t>Mitsubishi</a:t>
+                      </a:r>
+                      <a:endParaRPr lang="en-US" sz="1200" b="0" i="0" u="none" strike="noStrike">
+                        <a:solidFill>
+                          <a:srgbClr val="000000"/>
+                        </a:solidFill>
+                        <a:effectLst/>
+                        <a:latin typeface="Calibri" panose="020F0502020204030204" pitchFamily="34" charset="0"/>
+                      </a:endParaRPr>
+                    </a:p>
+                  </a:txBody>
+                  <a:tcPr marL="0" marR="0" marT="0" marB="0" anchor="b"/>
+                </a:tc>
+                <a:tc>
+                  <a:txBody>
+                    <a:bodyPr/>
+                    <a:lstStyle/>
+                    <a:p>
+                      <a:pPr algn="r" fontAlgn="b"/>
+                      <a:r>
+                        <a:rPr lang="en-US" sz="1200" u="none" strike="noStrike">
+                          <a:effectLst/>
+                        </a:rPr>
+                        <a:t>12889</a:t>
+                      </a:r>
+                      <a:endParaRPr lang="en-US" sz="1200" b="0" i="0" u="none" strike="noStrike">
+                        <a:solidFill>
+                          <a:srgbClr val="000000"/>
+                        </a:solidFill>
+                        <a:effectLst/>
+                        <a:latin typeface="Calibri" panose="020F0502020204030204" pitchFamily="34" charset="0"/>
+                      </a:endParaRPr>
+                    </a:p>
+                  </a:txBody>
+                  <a:tcPr marL="0" marR="0" marT="0" marB="0" anchor="b"/>
+                </a:tc>
+                <a:tc>
+                  <a:txBody>
+                    <a:bodyPr/>
+                    <a:lstStyle/>
+                    <a:p>
+                      <a:pPr algn="l" fontAlgn="b"/>
+                      <a:r>
+                        <a:rPr lang="en-US" sz="1200" u="none" strike="noStrike">
+                          <a:effectLst/>
+                        </a:rPr>
+                        <a:t> $                 181 </a:t>
+                      </a:r>
+                      <a:endParaRPr lang="en-US" sz="1200" b="0" i="0" u="none" strike="noStrike">
+                        <a:solidFill>
+                          <a:srgbClr val="000000"/>
+                        </a:solidFill>
+                        <a:effectLst/>
+                        <a:latin typeface="Calibri" panose="020F0502020204030204" pitchFamily="34" charset="0"/>
+                      </a:endParaRPr>
+                    </a:p>
+                  </a:txBody>
+                  <a:tcPr marL="0" marR="0" marT="0" marB="0" anchor="b"/>
+                </a:tc>
+                <a:tc>
+                  <a:txBody>
+                    <a:bodyPr/>
+                    <a:lstStyle/>
+                    <a:p>
+                      <a:pPr algn="l" fontAlgn="b"/>
+                      <a:r>
+                        <a:rPr lang="en-US" sz="1200" u="none" strike="noStrike">
+                          <a:effectLst/>
+                        </a:rPr>
+                        <a:t> $                 2,333,036 </a:t>
+                      </a:r>
+                      <a:endParaRPr lang="en-US" sz="1200" b="0" i="0" u="none" strike="noStrike">
+                        <a:solidFill>
+                          <a:srgbClr val="000000"/>
+                        </a:solidFill>
+                        <a:effectLst/>
+                        <a:latin typeface="Calibri" panose="020F0502020204030204" pitchFamily="34" charset="0"/>
+                      </a:endParaRPr>
+                    </a:p>
+                  </a:txBody>
+                  <a:tcPr marL="0" marR="0" marT="0" marB="0" anchor="b"/>
+                </a:tc>
+                <a:extLst>
+                  <a:ext uri="{0D108BD9-81ED-4DB2-BD59-A6C34878D82A}">
+                    <a16:rowId xmlns:a16="http://schemas.microsoft.com/office/drawing/2014/main" val="3038459842"/>
+                  </a:ext>
+                </a:extLst>
+              </a:tr>
+              <a:tr h="203200">
+                <a:tc>
+                  <a:txBody>
+                    <a:bodyPr/>
+                    <a:lstStyle/>
+                    <a:p>
+                      <a:pPr algn="l" fontAlgn="b"/>
+                      <a:r>
+                        <a:rPr lang="en-US" sz="1200" u="none" strike="noStrike">
+                          <a:effectLst/>
+                        </a:rPr>
+                        <a:t>Pontiac</a:t>
+                      </a:r>
+                      <a:endParaRPr lang="en-US" sz="1200" b="0" i="0" u="none" strike="noStrike">
+                        <a:solidFill>
+                          <a:srgbClr val="000000"/>
+                        </a:solidFill>
+                        <a:effectLst/>
+                        <a:latin typeface="Calibri" panose="020F0502020204030204" pitchFamily="34" charset="0"/>
+                      </a:endParaRPr>
+                    </a:p>
+                  </a:txBody>
+                  <a:tcPr marL="0" marR="0" marT="0" marB="0" anchor="b"/>
+                </a:tc>
+                <a:tc>
+                  <a:txBody>
+                    <a:bodyPr/>
+                    <a:lstStyle/>
+                    <a:p>
+                      <a:pPr algn="r" fontAlgn="b"/>
+                      <a:r>
+                        <a:rPr lang="en-US" sz="1200" u="none" strike="noStrike">
+                          <a:effectLst/>
+                        </a:rPr>
+                        <a:t>12227</a:t>
+                      </a:r>
+                      <a:endParaRPr lang="en-US" sz="1200" b="0" i="0" u="none" strike="noStrike">
+                        <a:solidFill>
+                          <a:srgbClr val="000000"/>
+                        </a:solidFill>
+                        <a:effectLst/>
+                        <a:latin typeface="Calibri" panose="020F0502020204030204" pitchFamily="34" charset="0"/>
+                      </a:endParaRPr>
+                    </a:p>
+                  </a:txBody>
+                  <a:tcPr marL="0" marR="0" marT="0" marB="0" anchor="b"/>
+                </a:tc>
+                <a:tc>
+                  <a:txBody>
+                    <a:bodyPr/>
+                    <a:lstStyle/>
+                    <a:p>
+                      <a:pPr algn="l" fontAlgn="b"/>
+                      <a:r>
+                        <a:rPr lang="en-US" sz="1200" u="none" strike="noStrike">
+                          <a:effectLst/>
+                        </a:rPr>
+                        <a:t> $                 175 </a:t>
+                      </a:r>
+                      <a:endParaRPr lang="en-US" sz="1200" b="0" i="0" u="none" strike="noStrike">
+                        <a:solidFill>
+                          <a:srgbClr val="000000"/>
+                        </a:solidFill>
+                        <a:effectLst/>
+                        <a:latin typeface="Calibri" panose="020F0502020204030204" pitchFamily="34" charset="0"/>
+                      </a:endParaRPr>
+                    </a:p>
+                  </a:txBody>
+                  <a:tcPr marL="0" marR="0" marT="0" marB="0" anchor="b"/>
+                </a:tc>
+                <a:tc>
+                  <a:txBody>
+                    <a:bodyPr/>
+                    <a:lstStyle/>
+                    <a:p>
+                      <a:pPr algn="l" fontAlgn="b"/>
+                      <a:r>
+                        <a:rPr lang="en-US" sz="1200" u="none" strike="noStrike">
+                          <a:effectLst/>
+                        </a:rPr>
+                        <a:t> $                 2,134,149 </a:t>
+                      </a:r>
+                      <a:endParaRPr lang="en-US" sz="1200" b="0" i="0" u="none" strike="noStrike">
+                        <a:solidFill>
+                          <a:srgbClr val="000000"/>
+                        </a:solidFill>
+                        <a:effectLst/>
+                        <a:latin typeface="Calibri" panose="020F0502020204030204" pitchFamily="34" charset="0"/>
+                      </a:endParaRPr>
+                    </a:p>
+                  </a:txBody>
+                  <a:tcPr marL="0" marR="0" marT="0" marB="0" anchor="b"/>
+                </a:tc>
+                <a:extLst>
+                  <a:ext uri="{0D108BD9-81ED-4DB2-BD59-A6C34878D82A}">
+                    <a16:rowId xmlns:a16="http://schemas.microsoft.com/office/drawing/2014/main" val="3509348178"/>
+                  </a:ext>
+                </a:extLst>
+              </a:tr>
+              <a:tr h="203200">
+                <a:tc>
+                  <a:txBody>
+                    <a:bodyPr/>
+                    <a:lstStyle/>
+                    <a:p>
+                      <a:pPr algn="l" fontAlgn="b"/>
+                      <a:r>
+                        <a:rPr lang="en-US" sz="1200" u="none" strike="noStrike">
+                          <a:effectLst/>
+                        </a:rPr>
+                        <a:t>Volkswagen</a:t>
+                      </a:r>
+                      <a:endParaRPr lang="en-US" sz="1200" b="0" i="0" u="none" strike="noStrike">
+                        <a:solidFill>
+                          <a:srgbClr val="000000"/>
+                        </a:solidFill>
+                        <a:effectLst/>
+                        <a:latin typeface="Calibri" panose="020F0502020204030204" pitchFamily="34" charset="0"/>
+                      </a:endParaRPr>
+                    </a:p>
+                  </a:txBody>
+                  <a:tcPr marL="0" marR="0" marT="0" marB="0" anchor="b"/>
+                </a:tc>
+                <a:tc>
+                  <a:txBody>
+                    <a:bodyPr/>
+                    <a:lstStyle/>
+                    <a:p>
+                      <a:pPr algn="r" fontAlgn="b"/>
+                      <a:r>
+                        <a:rPr lang="en-US" sz="1200" u="none" strike="noStrike">
+                          <a:effectLst/>
+                        </a:rPr>
+                        <a:t>11756</a:t>
+                      </a:r>
+                      <a:endParaRPr lang="en-US" sz="1200" b="0" i="0" u="none" strike="noStrike">
+                        <a:solidFill>
+                          <a:srgbClr val="000000"/>
+                        </a:solidFill>
+                        <a:effectLst/>
+                        <a:latin typeface="Calibri" panose="020F0502020204030204" pitchFamily="34" charset="0"/>
+                      </a:endParaRPr>
+                    </a:p>
+                  </a:txBody>
+                  <a:tcPr marL="0" marR="0" marT="0" marB="0" anchor="b"/>
+                </a:tc>
+                <a:tc>
+                  <a:txBody>
+                    <a:bodyPr/>
+                    <a:lstStyle/>
+                    <a:p>
+                      <a:pPr algn="l" fontAlgn="b"/>
+                      <a:r>
+                        <a:rPr lang="en-US" sz="1200" u="none" strike="noStrike">
+                          <a:effectLst/>
+                        </a:rPr>
+                        <a:t> $                 172 </a:t>
+                      </a:r>
+                      <a:endParaRPr lang="en-US" sz="1200" b="0" i="0" u="none" strike="noStrike">
+                        <a:solidFill>
+                          <a:srgbClr val="000000"/>
+                        </a:solidFill>
+                        <a:effectLst/>
+                        <a:latin typeface="Calibri" panose="020F0502020204030204" pitchFamily="34" charset="0"/>
+                      </a:endParaRPr>
+                    </a:p>
+                  </a:txBody>
+                  <a:tcPr marL="0" marR="0" marT="0" marB="0" anchor="b"/>
+                </a:tc>
+                <a:tc>
+                  <a:txBody>
+                    <a:bodyPr/>
+                    <a:lstStyle/>
+                    <a:p>
+                      <a:pPr algn="l" fontAlgn="b"/>
+                      <a:r>
+                        <a:rPr lang="en-US" sz="1200" u="none" strike="noStrike">
+                          <a:effectLst/>
+                        </a:rPr>
+                        <a:t> $                 2,026,444 </a:t>
+                      </a:r>
+                      <a:endParaRPr lang="en-US" sz="1200" b="0" i="0" u="none" strike="noStrike">
+                        <a:solidFill>
+                          <a:srgbClr val="000000"/>
+                        </a:solidFill>
+                        <a:effectLst/>
+                        <a:latin typeface="Calibri" panose="020F0502020204030204" pitchFamily="34" charset="0"/>
+                      </a:endParaRPr>
+                    </a:p>
+                  </a:txBody>
+                  <a:tcPr marL="0" marR="0" marT="0" marB="0" anchor="b"/>
+                </a:tc>
+                <a:extLst>
+                  <a:ext uri="{0D108BD9-81ED-4DB2-BD59-A6C34878D82A}">
+                    <a16:rowId xmlns:a16="http://schemas.microsoft.com/office/drawing/2014/main" val="2612036052"/>
+                  </a:ext>
+                </a:extLst>
+              </a:tr>
+              <a:tr h="203200">
+                <a:tc>
+                  <a:txBody>
+                    <a:bodyPr/>
+                    <a:lstStyle/>
+                    <a:p>
+                      <a:pPr algn="l" fontAlgn="b"/>
+                      <a:r>
+                        <a:rPr lang="en-US" sz="1200" u="none" strike="noStrike">
+                          <a:effectLst/>
+                        </a:rPr>
+                        <a:t>Mercedes-Benz</a:t>
+                      </a:r>
+                      <a:endParaRPr lang="en-US" sz="1200" b="0" i="0" u="none" strike="noStrike">
+                        <a:solidFill>
+                          <a:srgbClr val="000000"/>
+                        </a:solidFill>
+                        <a:effectLst/>
+                        <a:latin typeface="Calibri" panose="020F0502020204030204" pitchFamily="34" charset="0"/>
+                      </a:endParaRPr>
+                    </a:p>
+                  </a:txBody>
+                  <a:tcPr marL="0" marR="0" marT="0" marB="0" anchor="b"/>
+                </a:tc>
+                <a:tc>
+                  <a:txBody>
+                    <a:bodyPr/>
+                    <a:lstStyle/>
+                    <a:p>
+                      <a:pPr algn="r" fontAlgn="b"/>
+                      <a:r>
+                        <a:rPr lang="en-US" sz="1200" u="none" strike="noStrike">
+                          <a:effectLst/>
+                        </a:rPr>
+                        <a:t>11117</a:t>
+                      </a:r>
+                      <a:endParaRPr lang="en-US" sz="1200" b="0" i="0" u="none" strike="noStrike">
+                        <a:solidFill>
+                          <a:srgbClr val="000000"/>
+                        </a:solidFill>
+                        <a:effectLst/>
+                        <a:latin typeface="Calibri" panose="020F0502020204030204" pitchFamily="34" charset="0"/>
+                      </a:endParaRPr>
+                    </a:p>
+                  </a:txBody>
+                  <a:tcPr marL="0" marR="0" marT="0" marB="0" anchor="b"/>
+                </a:tc>
+                <a:tc>
+                  <a:txBody>
+                    <a:bodyPr/>
+                    <a:lstStyle/>
+                    <a:p>
+                      <a:pPr algn="l" fontAlgn="b"/>
+                      <a:r>
+                        <a:rPr lang="en-US" sz="1200" u="none" strike="noStrike">
+                          <a:effectLst/>
+                        </a:rPr>
+                        <a:t> $                 178 </a:t>
+                      </a:r>
+                      <a:endParaRPr lang="en-US" sz="1200" b="0" i="0" u="none" strike="noStrike">
+                        <a:solidFill>
+                          <a:srgbClr val="000000"/>
+                        </a:solidFill>
+                        <a:effectLst/>
+                        <a:latin typeface="Calibri" panose="020F0502020204030204" pitchFamily="34" charset="0"/>
+                      </a:endParaRPr>
+                    </a:p>
+                  </a:txBody>
+                  <a:tcPr marL="0" marR="0" marT="0" marB="0" anchor="b"/>
+                </a:tc>
+                <a:tc>
+                  <a:txBody>
+                    <a:bodyPr/>
+                    <a:lstStyle/>
+                    <a:p>
+                      <a:pPr algn="l" fontAlgn="b"/>
+                      <a:r>
+                        <a:rPr lang="en-US" sz="1200" u="none" strike="noStrike">
+                          <a:effectLst/>
+                        </a:rPr>
+                        <a:t> $                 1,973,909 </a:t>
+                      </a:r>
+                      <a:endParaRPr lang="en-US" sz="1200" b="0" i="0" u="none" strike="noStrike">
+                        <a:solidFill>
+                          <a:srgbClr val="000000"/>
+                        </a:solidFill>
+                        <a:effectLst/>
+                        <a:latin typeface="Calibri" panose="020F0502020204030204" pitchFamily="34" charset="0"/>
+                      </a:endParaRPr>
+                    </a:p>
+                  </a:txBody>
+                  <a:tcPr marL="0" marR="0" marT="0" marB="0" anchor="b"/>
+                </a:tc>
+                <a:extLst>
+                  <a:ext uri="{0D108BD9-81ED-4DB2-BD59-A6C34878D82A}">
+                    <a16:rowId xmlns:a16="http://schemas.microsoft.com/office/drawing/2014/main" val="2934391882"/>
+                  </a:ext>
+                </a:extLst>
+              </a:tr>
+              <a:tr h="203200">
+                <a:tc>
+                  <a:txBody>
+                    <a:bodyPr/>
+                    <a:lstStyle/>
+                    <a:p>
+                      <a:pPr algn="l" fontAlgn="b"/>
+                      <a:r>
+                        <a:rPr lang="en-US" sz="1200" u="none" strike="noStrike">
+                          <a:effectLst/>
+                        </a:rPr>
+                        <a:t>BMW</a:t>
+                      </a:r>
+                      <a:endParaRPr lang="en-US" sz="1200" b="0" i="0" u="none" strike="noStrike">
+                        <a:solidFill>
+                          <a:srgbClr val="000000"/>
+                        </a:solidFill>
+                        <a:effectLst/>
+                        <a:latin typeface="Calibri" panose="020F0502020204030204" pitchFamily="34" charset="0"/>
+                      </a:endParaRPr>
+                    </a:p>
+                  </a:txBody>
+                  <a:tcPr marL="0" marR="0" marT="0" marB="0" anchor="b"/>
+                </a:tc>
+                <a:tc>
+                  <a:txBody>
+                    <a:bodyPr/>
+                    <a:lstStyle/>
+                    <a:p>
+                      <a:pPr algn="r" fontAlgn="b"/>
+                      <a:r>
+                        <a:rPr lang="en-US" sz="1200" u="none" strike="noStrike">
+                          <a:effectLst/>
+                        </a:rPr>
+                        <a:t>11258</a:t>
+                      </a:r>
+                      <a:endParaRPr lang="en-US" sz="1200" b="0" i="0" u="none" strike="noStrike">
+                        <a:solidFill>
+                          <a:srgbClr val="000000"/>
+                        </a:solidFill>
+                        <a:effectLst/>
+                        <a:latin typeface="Calibri" panose="020F0502020204030204" pitchFamily="34" charset="0"/>
+                      </a:endParaRPr>
+                    </a:p>
+                  </a:txBody>
+                  <a:tcPr marL="0" marR="0" marT="0" marB="0" anchor="b"/>
+                </a:tc>
+                <a:tc>
+                  <a:txBody>
+                    <a:bodyPr/>
+                    <a:lstStyle/>
+                    <a:p>
+                      <a:pPr algn="l" fontAlgn="b"/>
+                      <a:r>
+                        <a:rPr lang="en-US" sz="1200" u="none" strike="noStrike">
+                          <a:effectLst/>
+                        </a:rPr>
+                        <a:t> $                 172 </a:t>
+                      </a:r>
+                      <a:endParaRPr lang="en-US" sz="1200" b="0" i="0" u="none" strike="noStrike">
+                        <a:solidFill>
+                          <a:srgbClr val="000000"/>
+                        </a:solidFill>
+                        <a:effectLst/>
+                        <a:latin typeface="Calibri" panose="020F0502020204030204" pitchFamily="34" charset="0"/>
+                      </a:endParaRPr>
+                    </a:p>
+                  </a:txBody>
+                  <a:tcPr marL="0" marR="0" marT="0" marB="0" anchor="b"/>
+                </a:tc>
+                <a:tc>
+                  <a:txBody>
+                    <a:bodyPr/>
+                    <a:lstStyle/>
+                    <a:p>
+                      <a:pPr algn="l" fontAlgn="b"/>
+                      <a:r>
+                        <a:rPr lang="en-US" sz="1200" u="none" strike="noStrike">
+                          <a:effectLst/>
+                        </a:rPr>
+                        <a:t> $                 1,936,996 </a:t>
+                      </a:r>
+                      <a:endParaRPr lang="en-US" sz="1200" b="0" i="0" u="none" strike="noStrike">
+                        <a:solidFill>
+                          <a:srgbClr val="000000"/>
+                        </a:solidFill>
+                        <a:effectLst/>
+                        <a:latin typeface="Calibri" panose="020F0502020204030204" pitchFamily="34" charset="0"/>
+                      </a:endParaRPr>
+                    </a:p>
+                  </a:txBody>
+                  <a:tcPr marL="0" marR="0" marT="0" marB="0" anchor="b"/>
+                </a:tc>
+                <a:extLst>
+                  <a:ext uri="{0D108BD9-81ED-4DB2-BD59-A6C34878D82A}">
+                    <a16:rowId xmlns:a16="http://schemas.microsoft.com/office/drawing/2014/main" val="3411153966"/>
+                  </a:ext>
+                </a:extLst>
+              </a:tr>
+              <a:tr h="203200">
+                <a:tc>
+                  <a:txBody>
+                    <a:bodyPr/>
+                    <a:lstStyle/>
+                    <a:p>
+                      <a:pPr algn="l" fontAlgn="b"/>
+                      <a:r>
+                        <a:rPr lang="en-US" sz="1200" u="none" strike="noStrike">
+                          <a:effectLst/>
+                        </a:rPr>
+                        <a:t>Scenario revenue</a:t>
+                      </a:r>
+                      <a:endParaRPr lang="en-US" sz="1200" b="0" i="0" u="none" strike="noStrike">
+                        <a:solidFill>
+                          <a:srgbClr val="000000"/>
+                        </a:solidFill>
+                        <a:effectLst/>
+                        <a:latin typeface="Calibri" panose="020F0502020204030204" pitchFamily="34" charset="0"/>
+                      </a:endParaRPr>
+                    </a:p>
+                  </a:txBody>
+                  <a:tcPr marL="0" marR="0" marT="0" marB="0" anchor="b"/>
+                </a:tc>
+                <a:tc gridSpan="2">
+                  <a:txBody>
+                    <a:bodyPr/>
+                    <a:lstStyle/>
+                    <a:p>
+                      <a:pPr algn="l" fontAlgn="b"/>
+                      <a:r>
+                        <a:rPr lang="en-US" sz="1200" u="none" strike="noStrike">
+                          <a:effectLst/>
+                        </a:rPr>
+                        <a:t>These values above can be changed</a:t>
+                      </a:r>
+                      <a:endParaRPr lang="en-US" sz="1200" b="0" i="0" u="none" strike="noStrike">
+                        <a:solidFill>
+                          <a:srgbClr val="FF0000"/>
+                        </a:solidFill>
+                        <a:effectLst/>
+                        <a:latin typeface="Calibri" panose="020F0502020204030204" pitchFamily="34" charset="0"/>
+                      </a:endParaRPr>
+                    </a:p>
+                  </a:txBody>
+                  <a:tcPr marL="0" marR="0" marT="0" marB="0" anchor="b"/>
+                </a:tc>
+                <a:tc hMerge="1">
+                  <a:txBody>
+                    <a:bodyPr/>
+                    <a:lstStyle/>
+                    <a:p>
+                      <a:endParaRPr lang="en-US"/>
+                    </a:p>
+                  </a:txBody>
+                  <a:tcPr/>
+                </a:tc>
+                <a:tc>
+                  <a:txBody>
+                    <a:bodyPr/>
+                    <a:lstStyle/>
+                    <a:p>
+                      <a:pPr algn="l" fontAlgn="b"/>
+                      <a:r>
+                        <a:rPr lang="en-US" sz="1200" u="none" strike="noStrike" dirty="0">
+                          <a:effectLst/>
+                        </a:rPr>
+                        <a:t> $          28,336,032.29 </a:t>
+                      </a:r>
+                      <a:endParaRPr lang="en-US" sz="1200" b="1" i="0" u="none" strike="noStrike" dirty="0">
+                        <a:solidFill>
+                          <a:srgbClr val="000000"/>
+                        </a:solidFill>
+                        <a:effectLst/>
+                        <a:latin typeface="Calibri" panose="020F0502020204030204" pitchFamily="34" charset="0"/>
+                      </a:endParaRPr>
+                    </a:p>
+                  </a:txBody>
+                  <a:tcPr marL="0" marR="0" marT="0" marB="0" anchor="b"/>
+                </a:tc>
+                <a:extLst>
+                  <a:ext uri="{0D108BD9-81ED-4DB2-BD59-A6C34878D82A}">
+                    <a16:rowId xmlns:a16="http://schemas.microsoft.com/office/drawing/2014/main" val="2918436957"/>
+                  </a:ext>
+                </a:extLst>
+              </a:tr>
+            </a:tbl>
+          </a:graphicData>
+        </a:graphic>
+      </p:graphicFrame>
     </p:spTree>
     <p:extLst>
       <p:ext uri="{BB962C8B-B14F-4D97-AF65-F5344CB8AC3E}">
@@ -13849,14 +13664,19 @@
             <p:ph idx="1"/>
           </p:nvPr>
         </p:nvSpPr>
-        <p:spPr/>
+        <p:spPr>
+          <a:xfrm>
+            <a:off x="1141413" y="2011681"/>
+            <a:ext cx="9905998" cy="3025832"/>
+          </a:xfrm>
+        </p:spPr>
         <p:txBody>
           <a:bodyPr/>
           <a:lstStyle/>
           <a:p>
             <a:r>
               <a:rPr lang="en-US" dirty="0"/>
-              <a:t>Increasing the price of the top selling daily rentals by 10% would increase revenue assuming that it will decrease sales but increase revenue</a:t>
+              <a:t>Increasing the price of the top selling daily rentals by 10% would increase revenue</a:t>
             </a:r>
           </a:p>
         </p:txBody>
@@ -13963,27 +13783,27 @@
       </p:sp>
       <p:graphicFrame>
         <p:nvGraphicFramePr>
-          <p:cNvPr id="4" name="Content Placeholder 4">
+          <p:cNvPr id="8" name="Table 7">
             <a:extLst>
               <a:ext uri="{FF2B5EF4-FFF2-40B4-BE49-F238E27FC236}">
-                <a16:creationId xmlns:a16="http://schemas.microsoft.com/office/drawing/2014/main" id="{44BD2DED-22E5-4241-B027-4EF0AD0F5C37}"/>
+                <a16:creationId xmlns:a16="http://schemas.microsoft.com/office/drawing/2014/main" id="{5E9B014D-4FD6-EA4E-83CF-693BF4CDFF8B}"/>
               </a:ext>
             </a:extLst>
           </p:cNvPr>
           <p:cNvGraphicFramePr>
-            <a:graphicFrameLocks/>
+            <a:graphicFrameLocks noGrp="1"/>
           </p:cNvGraphicFramePr>
           <p:nvPr>
             <p:extLst>
               <p:ext uri="{D42A27DB-BD31-4B8C-83A1-F6EECF244321}">
-                <p14:modId xmlns:p14="http://schemas.microsoft.com/office/powerpoint/2010/main" val="1640051330"/>
+                <p14:modId xmlns:p14="http://schemas.microsoft.com/office/powerpoint/2010/main" val="4215005314"/>
               </p:ext>
             </p:extLst>
           </p:nvPr>
         </p:nvGraphicFramePr>
         <p:xfrm>
-          <a:off x="653733" y="2438400"/>
-          <a:ext cx="4771707" cy="4297680"/>
+          <a:off x="366346" y="2568257"/>
+          <a:ext cx="5409967" cy="3188361"/>
         </p:xfrm>
         <a:graphic>
           <a:graphicData uri="http://schemas.openxmlformats.org/drawingml/2006/table">
@@ -13992,36 +13812,36 @@
                 <a:tableStyleId>{5C22544A-7EE6-4342-B048-85BDC9FD1C3A}</a:tableStyleId>
               </a:tblPr>
               <a:tblGrid>
-                <a:gridCol w="1050217">
+                <a:gridCol w="1190693">
                   <a:extLst>
                     <a:ext uri="{9D8B030D-6E8A-4147-A177-3AD203B41FA5}">
-                      <a16:colId xmlns:a16="http://schemas.microsoft.com/office/drawing/2014/main" val="355469949"/>
+                      <a16:colId xmlns:a16="http://schemas.microsoft.com/office/drawing/2014/main" val="628291022"/>
                     </a:ext>
                   </a:extLst>
                 </a:gridCol>
-                <a:gridCol w="980145">
+                <a:gridCol w="1287236">
                   <a:extLst>
                     <a:ext uri="{9D8B030D-6E8A-4147-A177-3AD203B41FA5}">
-                      <a16:colId xmlns:a16="http://schemas.microsoft.com/office/drawing/2014/main" val="3164999615"/>
+                      <a16:colId xmlns:a16="http://schemas.microsoft.com/office/drawing/2014/main" val="3292427539"/>
                     </a:ext>
                   </a:extLst>
                 </a:gridCol>
-                <a:gridCol w="1252749">
+                <a:gridCol w="1244328">
                   <a:extLst>
                     <a:ext uri="{9D8B030D-6E8A-4147-A177-3AD203B41FA5}">
-                      <a16:colId xmlns:a16="http://schemas.microsoft.com/office/drawing/2014/main" val="2672917021"/>
+                      <a16:colId xmlns:a16="http://schemas.microsoft.com/office/drawing/2014/main" val="2235237945"/>
                     </a:ext>
                   </a:extLst>
                 </a:gridCol>
-                <a:gridCol w="1488596">
+                <a:gridCol w="1687710">
                   <a:extLst>
                     <a:ext uri="{9D8B030D-6E8A-4147-A177-3AD203B41FA5}">
-                      <a16:colId xmlns:a16="http://schemas.microsoft.com/office/drawing/2014/main" val="3976588557"/>
+                      <a16:colId xmlns:a16="http://schemas.microsoft.com/office/drawing/2014/main" val="225485501"/>
                     </a:ext>
                   </a:extLst>
                 </a:gridCol>
               </a:tblGrid>
-              <a:tr h="152400">
+              <a:tr h="289851">
                 <a:tc>
                   <a:txBody>
                     <a:bodyPr/>
@@ -14075,12 +13895,12 @@
                     <a:p>
                       <a:pPr algn="l" fontAlgn="b"/>
                       <a:r>
-                        <a:rPr lang="en-US" sz="1200" u="none" strike="noStrike" dirty="0">
+                        <a:rPr lang="en-US" sz="1200" u="none" strike="noStrike">
                           <a:effectLst/>
                         </a:rPr>
-                        <a:t>rental profit</a:t>
+                        <a:t>rental price</a:t>
                       </a:r>
-                      <a:endParaRPr lang="en-US" sz="1200" b="1" i="0" u="none" strike="noStrike" dirty="0">
+                      <a:endParaRPr lang="en-US" sz="1200" b="1" i="0" u="none" strike="noStrike">
                         <a:solidFill>
                           <a:srgbClr val="000000"/>
                         </a:solidFill>
@@ -14098,12 +13918,12 @@
                     <a:p>
                       <a:pPr algn="l" fontAlgn="b"/>
                       <a:r>
-                        <a:rPr lang="en-US" sz="1200" u="none" strike="noStrike" dirty="0">
+                        <a:rPr lang="en-US" sz="1200" u="none" strike="noStrike">
                           <a:effectLst/>
                         </a:rPr>
                         <a:t>annual  revenue</a:t>
                       </a:r>
-                      <a:endParaRPr lang="en-US" sz="1200" b="1" i="0" u="none" strike="noStrike" dirty="0">
+                      <a:endParaRPr lang="en-US" sz="1200" b="1" i="0" u="none" strike="noStrike">
                         <a:solidFill>
                           <a:srgbClr val="000000"/>
                         </a:solidFill>
@@ -14116,11 +13936,11 @@
                 </a:tc>
                 <a:extLst>
                   <a:ext uri="{0D108BD9-81ED-4DB2-BD59-A6C34878D82A}">
-                    <a16:rowId xmlns:a16="http://schemas.microsoft.com/office/drawing/2014/main" val="4197325563"/>
+                    <a16:rowId xmlns:a16="http://schemas.microsoft.com/office/drawing/2014/main" val="217560705"/>
                   </a:ext>
                 </a:extLst>
               </a:tr>
-              <a:tr h="304800">
+              <a:tr h="289851">
                 <a:tc>
                   <a:txBody>
                     <a:bodyPr/>
@@ -14154,7 +13974,7 @@
                         <a:rPr lang="en-US" sz="1200" u="none" strike="noStrike">
                           <a:effectLst/>
                         </a:rPr>
-                        <a:t>23742</a:t>
+                        <a:t>28303</a:t>
                       </a:r>
                       <a:endParaRPr lang="en-US" sz="1200" b="0" i="0" u="none" strike="noStrike">
                         <a:solidFill>
@@ -14177,7 +13997,7 @@
                         <a:rPr lang="en-US" sz="1200" u="none" strike="noStrike">
                           <a:effectLst/>
                         </a:rPr>
-                        <a:t> $       4,932,461 </a:t>
+                        <a:t> $                 161 </a:t>
                       </a:r>
                       <a:endParaRPr lang="en-US" sz="1200" b="0" i="0" u="none" strike="noStrike">
                         <a:solidFill>
@@ -14200,7 +14020,7 @@
                         <a:rPr lang="en-US" sz="1200" u="none" strike="noStrike">
                           <a:effectLst/>
                         </a:rPr>
-                        <a:t> $      117,106,489,062 </a:t>
+                        <a:t> $                 4,566,297 </a:t>
                       </a:r>
                       <a:endParaRPr lang="en-US" sz="1200" b="0" i="0" u="none" strike="noStrike">
                         <a:solidFill>
@@ -14215,11 +14035,11 @@
                 </a:tc>
                 <a:extLst>
                   <a:ext uri="{0D108BD9-81ED-4DB2-BD59-A6C34878D82A}">
-                    <a16:rowId xmlns:a16="http://schemas.microsoft.com/office/drawing/2014/main" val="523885026"/>
+                    <a16:rowId xmlns:a16="http://schemas.microsoft.com/office/drawing/2014/main" val="3200985800"/>
                   </a:ext>
                 </a:extLst>
               </a:tr>
-              <a:tr h="304800">
+              <a:tr h="289851">
                 <a:tc>
                   <a:txBody>
                     <a:bodyPr/>
@@ -14253,7 +14073,7 @@
                         <a:rPr lang="en-US" sz="1200" u="none" strike="noStrike">
                           <a:effectLst/>
                         </a:rPr>
-                        <a:t>22137</a:t>
+                        <a:t>25811</a:t>
                       </a:r>
                       <a:endParaRPr lang="en-US" sz="1200" b="0" i="0" u="none" strike="noStrike">
                         <a:solidFill>
@@ -14276,7 +14096,7 @@
                         <a:rPr lang="en-US" sz="1200" u="none" strike="noStrike">
                           <a:effectLst/>
                         </a:rPr>
-                        <a:t> $       4,592,606 </a:t>
+                        <a:t> $                 162 </a:t>
                       </a:r>
                       <a:endParaRPr lang="en-US" sz="1200" b="0" i="0" u="none" strike="noStrike">
                         <a:solidFill>
@@ -14296,12 +14116,12 @@
                     <a:p>
                       <a:pPr algn="l" fontAlgn="b"/>
                       <a:r>
-                        <a:rPr lang="en-US" sz="1200" u="none" strike="noStrike" dirty="0">
+                        <a:rPr lang="en-US" sz="1200" u="none" strike="noStrike">
                           <a:effectLst/>
                         </a:rPr>
-                        <a:t> $      101,666,519,022 </a:t>
+                        <a:t> $                 4,172,461 </a:t>
                       </a:r>
-                      <a:endParaRPr lang="en-US" sz="1200" b="0" i="0" u="none" strike="noStrike" dirty="0">
+                      <a:endParaRPr lang="en-US" sz="1200" b="0" i="0" u="none" strike="noStrike">
                         <a:solidFill>
                           <a:srgbClr val="000000"/>
                         </a:solidFill>
@@ -14314,11 +14134,11 @@
                 </a:tc>
                 <a:extLst>
                   <a:ext uri="{0D108BD9-81ED-4DB2-BD59-A6C34878D82A}">
-                    <a16:rowId xmlns:a16="http://schemas.microsoft.com/office/drawing/2014/main" val="2084604746"/>
+                    <a16:rowId xmlns:a16="http://schemas.microsoft.com/office/drawing/2014/main" val="3690643749"/>
                   </a:ext>
                 </a:extLst>
               </a:tr>
-              <a:tr h="304800">
+              <a:tr h="289851">
                 <a:tc>
                   <a:txBody>
                     <a:bodyPr/>
@@ -14352,7 +14172,7 @@
                         <a:rPr lang="en-US" sz="1200" u="none" strike="noStrike">
                           <a:effectLst/>
                         </a:rPr>
-                        <a:t>15527</a:t>
+                        <a:t>18463</a:t>
                       </a:r>
                       <a:endParaRPr lang="en-US" sz="1200" b="0" i="0" u="none" strike="noStrike">
                         <a:solidFill>
@@ -14375,7 +14195,7 @@
                         <a:rPr lang="en-US" sz="1200" u="none" strike="noStrike">
                           <a:effectLst/>
                         </a:rPr>
-                        <a:t> $       3,237,683 </a:t>
+                        <a:t> $                 162 </a:t>
                       </a:r>
                       <a:endParaRPr lang="en-US" sz="1200" b="0" i="0" u="none" strike="noStrike">
                         <a:solidFill>
@@ -14398,7 +14218,7 @@
                         <a:rPr lang="en-US" sz="1200" u="none" strike="noStrike">
                           <a:effectLst/>
                         </a:rPr>
-                        <a:t> $        50,271,503,941 </a:t>
+                        <a:t> $                 2,985,308 </a:t>
                       </a:r>
                       <a:endParaRPr lang="en-US" sz="1200" b="0" i="0" u="none" strike="noStrike">
                         <a:solidFill>
@@ -14413,11 +14233,11 @@
                 </a:tc>
                 <a:extLst>
                   <a:ext uri="{0D108BD9-81ED-4DB2-BD59-A6C34878D82A}">
-                    <a16:rowId xmlns:a16="http://schemas.microsoft.com/office/drawing/2014/main" val="423267907"/>
+                    <a16:rowId xmlns:a16="http://schemas.microsoft.com/office/drawing/2014/main" val="1391607160"/>
                   </a:ext>
                 </a:extLst>
               </a:tr>
-              <a:tr h="304800">
+              <a:tr h="289851">
                 <a:tc>
                   <a:txBody>
                     <a:bodyPr/>
@@ -14451,7 +14271,7 @@
                         <a:rPr lang="en-US" sz="1200" u="none" strike="noStrike">
                           <a:effectLst/>
                         </a:rPr>
-                        <a:t>12707</a:t>
+                        <a:t>15182</a:t>
                       </a:r>
                       <a:endParaRPr lang="en-US" sz="1200" b="0" i="0" u="none" strike="noStrike">
                         <a:solidFill>
@@ -14474,7 +14294,7 @@
                         <a:rPr lang="en-US" sz="1200" u="none" strike="noStrike">
                           <a:effectLst/>
                         </a:rPr>
-                        <a:t> $       2,577,479 </a:t>
+                        <a:t> $                 157 </a:t>
                       </a:r>
                       <a:endParaRPr lang="en-US" sz="1200" b="0" i="0" u="none" strike="noStrike">
                         <a:solidFill>
@@ -14497,7 +14317,7 @@
                         <a:rPr lang="en-US" sz="1200" u="none" strike="noStrike">
                           <a:effectLst/>
                         </a:rPr>
-                        <a:t> $        32,752,025,653 </a:t>
+                        <a:t> $                 2,392,531 </a:t>
                       </a:r>
                       <a:endParaRPr lang="en-US" sz="1200" b="0" i="0" u="none" strike="noStrike">
                         <a:solidFill>
@@ -14512,11 +14332,11 @@
                 </a:tc>
                 <a:extLst>
                   <a:ext uri="{0D108BD9-81ED-4DB2-BD59-A6C34878D82A}">
-                    <a16:rowId xmlns:a16="http://schemas.microsoft.com/office/drawing/2014/main" val="63992148"/>
+                    <a16:rowId xmlns:a16="http://schemas.microsoft.com/office/drawing/2014/main" val="2999206391"/>
                   </a:ext>
                 </a:extLst>
               </a:tr>
-              <a:tr h="304800">
+              <a:tr h="289851">
                 <a:tc>
                   <a:txBody>
                     <a:bodyPr/>
@@ -14550,7 +14370,7 @@
                         <a:rPr lang="en-US" sz="1200" u="none" strike="noStrike">
                           <a:effectLst/>
                         </a:rPr>
-                        <a:t>11313</a:t>
+                        <a:t>13212</a:t>
                       </a:r>
                       <a:endParaRPr lang="en-US" sz="1200" b="0" i="0" u="none" strike="noStrike">
                         <a:solidFill>
@@ -14573,7 +14393,7 @@
                         <a:rPr lang="en-US" sz="1200" u="none" strike="noStrike">
                           <a:effectLst/>
                         </a:rPr>
-                        <a:t> $       2,416,900 </a:t>
+                        <a:t> $                 166 </a:t>
                       </a:r>
                       <a:endParaRPr lang="en-US" sz="1200" b="0" i="0" u="none" strike="noStrike">
                         <a:solidFill>
@@ -14596,7 +14416,7 @@
                         <a:rPr lang="en-US" sz="1200" u="none" strike="noStrike">
                           <a:effectLst/>
                         </a:rPr>
-                        <a:t> $        27,342,389,700 </a:t>
+                        <a:t> $                 2,194,285 </a:t>
                       </a:r>
                       <a:endParaRPr lang="en-US" sz="1200" b="0" i="0" u="none" strike="noStrike">
                         <a:solidFill>
@@ -14611,11 +14431,11 @@
                 </a:tc>
                 <a:extLst>
                   <a:ext uri="{0D108BD9-81ED-4DB2-BD59-A6C34878D82A}">
-                    <a16:rowId xmlns:a16="http://schemas.microsoft.com/office/drawing/2014/main" val="1706342092"/>
+                    <a16:rowId xmlns:a16="http://schemas.microsoft.com/office/drawing/2014/main" val="3661224181"/>
                   </a:ext>
                 </a:extLst>
               </a:tr>
-              <a:tr h="304800">
+              <a:tr h="289851">
                 <a:tc>
                   <a:txBody>
                     <a:bodyPr/>
@@ -14649,7 +14469,7 @@
                         <a:rPr lang="en-US" sz="1200" u="none" strike="noStrike">
                           <a:effectLst/>
                         </a:rPr>
-                        <a:t>11103</a:t>
+                        <a:t>12889</a:t>
                       </a:r>
                       <a:endParaRPr lang="en-US" sz="1200" b="0" i="0" u="none" strike="noStrike">
                         <a:solidFill>
@@ -14672,7 +14492,7 @@
                         <a:rPr lang="en-US" sz="1200" u="none" strike="noStrike">
                           <a:effectLst/>
                         </a:rPr>
-                        <a:t> $       2,397,316 </a:t>
+                        <a:t> $                 165 </a:t>
                       </a:r>
                       <a:endParaRPr lang="en-US" sz="1200" b="0" i="0" u="none" strike="noStrike">
                         <a:solidFill>
@@ -14695,7 +14515,7 @@
                         <a:rPr lang="en-US" sz="1200" u="none" strike="noStrike">
                           <a:effectLst/>
                         </a:rPr>
-                        <a:t> $        26,617,399,548 </a:t>
+                        <a:t> $                 2,108,776 </a:t>
                       </a:r>
                       <a:endParaRPr lang="en-US" sz="1200" b="0" i="0" u="none" strike="noStrike">
                         <a:solidFill>
@@ -14710,11 +14530,11 @@
                 </a:tc>
                 <a:extLst>
                   <a:ext uri="{0D108BD9-81ED-4DB2-BD59-A6C34878D82A}">
-                    <a16:rowId xmlns:a16="http://schemas.microsoft.com/office/drawing/2014/main" val="3950113836"/>
+                    <a16:rowId xmlns:a16="http://schemas.microsoft.com/office/drawing/2014/main" val="1264370625"/>
                   </a:ext>
                 </a:extLst>
               </a:tr>
-              <a:tr h="304800">
+              <a:tr h="289851">
                 <a:tc>
                   <a:txBody>
                     <a:bodyPr/>
@@ -14748,7 +14568,7 @@
                         <a:rPr lang="en-US" sz="1200" u="none" strike="noStrike">
                           <a:effectLst/>
                         </a:rPr>
-                        <a:t>10100</a:t>
+                        <a:t>12227</a:t>
                       </a:r>
                       <a:endParaRPr lang="en-US" sz="1200" b="0" i="0" u="none" strike="noStrike">
                         <a:solidFill>
@@ -14771,7 +14591,7 @@
                         <a:rPr lang="en-US" sz="1200" u="none" strike="noStrike">
                           <a:effectLst/>
                         </a:rPr>
-                        <a:t> $       2,033,966 </a:t>
+                        <a:t> $                 159 </a:t>
                       </a:r>
                       <a:endParaRPr lang="en-US" sz="1200" b="0" i="0" u="none" strike="noStrike">
                         <a:solidFill>
@@ -14794,7 +14614,7 @@
                         <a:rPr lang="en-US" sz="1200" u="none" strike="noStrike">
                           <a:effectLst/>
                         </a:rPr>
-                        <a:t> $        20,543,056,600 </a:t>
+                        <a:t> $                 1,934,870 </a:t>
                       </a:r>
                       <a:endParaRPr lang="en-US" sz="1200" b="0" i="0" u="none" strike="noStrike">
                         <a:solidFill>
@@ -14809,11 +14629,11 @@
                 </a:tc>
                 <a:extLst>
                   <a:ext uri="{0D108BD9-81ED-4DB2-BD59-A6C34878D82A}">
-                    <a16:rowId xmlns:a16="http://schemas.microsoft.com/office/drawing/2014/main" val="3815044151"/>
+                    <a16:rowId xmlns:a16="http://schemas.microsoft.com/office/drawing/2014/main" val="635831131"/>
                   </a:ext>
                 </a:extLst>
               </a:tr>
-              <a:tr h="304800">
+              <a:tr h="289851">
                 <a:tc>
                   <a:txBody>
                     <a:bodyPr/>
@@ -14847,7 +14667,7 @@
                         <a:rPr lang="en-US" sz="1200" u="none" strike="noStrike">
                           <a:effectLst/>
                         </a:rPr>
-                        <a:t>10710</a:t>
+                        <a:t>11756</a:t>
                       </a:r>
                       <a:endParaRPr lang="en-US" sz="1200" b="0" i="0" u="none" strike="noStrike">
                         <a:solidFill>
@@ -14870,7 +14690,7 @@
                         <a:rPr lang="en-US" sz="1200" u="none" strike="noStrike">
                           <a:effectLst/>
                         </a:rPr>
-                        <a:t> $       1,936,553 </a:t>
+                        <a:t> $                 157 </a:t>
                       </a:r>
                       <a:endParaRPr lang="en-US" sz="1200" b="0" i="0" u="none" strike="noStrike">
                         <a:solidFill>
@@ -14893,7 +14713,7 @@
                         <a:rPr lang="en-US" sz="1200" u="none" strike="noStrike">
                           <a:effectLst/>
                         </a:rPr>
-                        <a:t> $        20,740,482,630 </a:t>
+                        <a:t> $                 1,843,870 </a:t>
                       </a:r>
                       <a:endParaRPr lang="en-US" sz="1200" b="0" i="0" u="none" strike="noStrike">
                         <a:solidFill>
@@ -14908,11 +14728,11 @@
                 </a:tc>
                 <a:extLst>
                   <a:ext uri="{0D108BD9-81ED-4DB2-BD59-A6C34878D82A}">
-                    <a16:rowId xmlns:a16="http://schemas.microsoft.com/office/drawing/2014/main" val="3588573599"/>
+                    <a16:rowId xmlns:a16="http://schemas.microsoft.com/office/drawing/2014/main" val="2395541752"/>
                   </a:ext>
                 </a:extLst>
               </a:tr>
-              <a:tr h="304800">
+              <a:tr h="289851">
                 <a:tc>
                   <a:txBody>
                     <a:bodyPr/>
@@ -14946,7 +14766,7 @@
                         <a:rPr lang="en-US" sz="1200" u="none" strike="noStrike">
                           <a:effectLst/>
                         </a:rPr>
-                        <a:t>10799</a:t>
+                        <a:t>11117</a:t>
                       </a:r>
                       <a:endParaRPr lang="en-US" sz="1200" b="0" i="0" u="none" strike="noStrike">
                         <a:solidFill>
@@ -14969,7 +14789,7 @@
                         <a:rPr lang="en-US" sz="1200" u="none" strike="noStrike">
                           <a:effectLst/>
                         </a:rPr>
-                        <a:t> $       2,016,274 </a:t>
+                        <a:t> $                 161 </a:t>
                       </a:r>
                       <a:endParaRPr lang="en-US" sz="1200" b="0" i="0" u="none" strike="noStrike">
                         <a:solidFill>
@@ -14992,7 +14812,7 @@
                         <a:rPr lang="en-US" sz="1200" u="none" strike="noStrike">
                           <a:effectLst/>
                         </a:rPr>
-                        <a:t> $        21,773,742,926 </a:t>
+                        <a:t> $                 1,803,951 </a:t>
                       </a:r>
                       <a:endParaRPr lang="en-US" sz="1200" b="0" i="0" u="none" strike="noStrike">
                         <a:solidFill>
@@ -15007,11 +14827,11 @@
                 </a:tc>
                 <a:extLst>
                   <a:ext uri="{0D108BD9-81ED-4DB2-BD59-A6C34878D82A}">
-                    <a16:rowId xmlns:a16="http://schemas.microsoft.com/office/drawing/2014/main" val="2506850377"/>
+                    <a16:rowId xmlns:a16="http://schemas.microsoft.com/office/drawing/2014/main" val="72699214"/>
                   </a:ext>
                 </a:extLst>
               </a:tr>
-              <a:tr h="304800">
+              <a:tr h="289851">
                 <a:tc>
                   <a:txBody>
                     <a:bodyPr/>
@@ -15045,7 +14865,7 @@
                         <a:rPr lang="en-US" sz="1200" u="none" strike="noStrike">
                           <a:effectLst/>
                         </a:rPr>
-                        <a:t>10726</a:t>
+                        <a:t>11258</a:t>
                       </a:r>
                       <a:endParaRPr lang="en-US" sz="1200" b="0" i="0" u="none" strike="noStrike">
                         <a:solidFill>
@@ -15068,7 +14888,7 @@
                         <a:rPr lang="en-US" sz="1200" u="none" strike="noStrike">
                           <a:effectLst/>
                         </a:rPr>
-                        <a:t> $       1,974,794 </a:t>
+                        <a:t> $                 156 </a:t>
                       </a:r>
                       <a:endParaRPr lang="en-US" sz="1200" b="0" i="0" u="none" strike="noStrike">
                         <a:solidFill>
@@ -15088,12 +14908,12 @@
                     <a:p>
                       <a:pPr algn="l" fontAlgn="b"/>
                       <a:r>
-                        <a:rPr lang="en-US" sz="1200" u="none" strike="noStrike">
+                        <a:rPr lang="en-US" sz="1200" u="none" strike="noStrike" dirty="0">
                           <a:effectLst/>
                         </a:rPr>
-                        <a:t> $        21,181,640,444 </a:t>
+                        <a:t> $                 1,764,026 </a:t>
                       </a:r>
-                      <a:endParaRPr lang="en-US" sz="1200" b="0" i="0" u="none" strike="noStrike">
+                      <a:endParaRPr lang="en-US" sz="1200" b="0" i="0" u="none" strike="noStrike" dirty="0">
                         <a:solidFill>
                           <a:srgbClr val="000000"/>
                         </a:solidFill>
@@ -15106,90 +14926,7 @@
                 </a:tc>
                 <a:extLst>
                   <a:ext uri="{0D108BD9-81ED-4DB2-BD59-A6C34878D82A}">
-                    <a16:rowId xmlns:a16="http://schemas.microsoft.com/office/drawing/2014/main" val="1545474924"/>
-                  </a:ext>
-                </a:extLst>
-              </a:tr>
-              <a:tr h="457200">
-                <a:tc>
-                  <a:txBody>
-                    <a:bodyPr/>
-                    <a:lstStyle/>
-                    <a:p>
-                      <a:pPr algn="l" fontAlgn="b"/>
-                      <a:r>
-                        <a:rPr lang="en-US" sz="1200" u="none" strike="noStrike">
-                          <a:effectLst/>
-                        </a:rPr>
-                        <a:t>Scenario revenue</a:t>
-                      </a:r>
-                      <a:endParaRPr lang="en-US" sz="1200" b="0" i="0" u="none" strike="noStrike">
-                        <a:solidFill>
-                          <a:srgbClr val="000000"/>
-                        </a:solidFill>
-                        <a:effectLst/>
-                        <a:latin typeface="Calibri" panose="020F0502020204030204" pitchFamily="34" charset="0"/>
-                      </a:endParaRPr>
-                    </a:p>
-                  </a:txBody>
-                  <a:tcPr marL="0" marR="0" marT="0" marB="0" anchor="b"/>
-                </a:tc>
-                <a:tc gridSpan="2">
-                  <a:txBody>
-                    <a:bodyPr/>
-                    <a:lstStyle/>
-                    <a:p>
-                      <a:pPr algn="l" fontAlgn="b"/>
-                      <a:r>
-                        <a:rPr lang="en-US" sz="1200" b="0" i="0" u="none" strike="noStrike" dirty="0">
-                          <a:solidFill>
-                            <a:srgbClr val="FF0000"/>
-                          </a:solidFill>
-                          <a:effectLst/>
-                          <a:latin typeface="Calibri" panose="020F0502020204030204" pitchFamily="34" charset="0"/>
-                        </a:rPr>
-                        <a:t>`</a:t>
-                      </a:r>
-                    </a:p>
-                  </a:txBody>
-                  <a:tcPr marL="0" marR="0" marT="0" marB="0" anchor="b"/>
-                </a:tc>
-                <a:tc hMerge="1">
-                  <a:txBody>
-                    <a:bodyPr/>
-                    <a:lstStyle/>
-                    <a:p>
-                      <a:endParaRPr lang="en-US"/>
-                    </a:p>
-                  </a:txBody>
-                  <a:tcPr/>
-                </a:tc>
-                <a:tc>
-                  <a:txBody>
-                    <a:bodyPr/>
-                    <a:lstStyle/>
-                    <a:p>
-                      <a:pPr algn="l" fontAlgn="b"/>
-                      <a:r>
-                        <a:rPr lang="en-US" sz="1200" u="none" strike="noStrike" dirty="0">
-                          <a:effectLst/>
-                        </a:rPr>
-                        <a:t> $ 439,995,249,526.00 </a:t>
-                      </a:r>
-                      <a:endParaRPr lang="en-US" sz="1200" b="1" i="0" u="none" strike="noStrike" dirty="0">
-                        <a:solidFill>
-                          <a:srgbClr val="000000"/>
-                        </a:solidFill>
-                        <a:effectLst/>
-                        <a:latin typeface="Calibri" panose="020F0502020204030204" pitchFamily="34" charset="0"/>
-                      </a:endParaRPr>
-                    </a:p>
-                  </a:txBody>
-                  <a:tcPr marL="0" marR="0" marT="0" marB="0" anchor="b"/>
-                </a:tc>
-                <a:extLst>
-                  <a:ext uri="{0D108BD9-81ED-4DB2-BD59-A6C34878D82A}">
-                    <a16:rowId xmlns:a16="http://schemas.microsoft.com/office/drawing/2014/main" val="470520603"/>
+                    <a16:rowId xmlns:a16="http://schemas.microsoft.com/office/drawing/2014/main" val="2258022021"/>
                   </a:ext>
                 </a:extLst>
               </a:tr>
@@ -15199,7 +14936,7 @@
       </p:graphicFrame>
       <p:graphicFrame>
         <p:nvGraphicFramePr>
-          <p:cNvPr id="6" name="Chart 5">
+          <p:cNvPr id="9" name="Chart 8">
             <a:extLst>
               <a:ext uri="{FF2B5EF4-FFF2-40B4-BE49-F238E27FC236}">
                 <a16:creationId xmlns:a16="http://schemas.microsoft.com/office/drawing/2014/main" id="{FAD6CE5A-CF8D-CE4D-AAF7-6B9B421D8765}"/>
@@ -15212,14 +14949,14 @@
           <p:nvPr>
             <p:extLst>
               <p:ext uri="{D42A27DB-BD31-4B8C-83A1-F6EECF244321}">
-                <p14:modId xmlns:p14="http://schemas.microsoft.com/office/powerpoint/2010/main" val="2850705413"/>
+                <p14:modId xmlns:p14="http://schemas.microsoft.com/office/powerpoint/2010/main" val="3885739641"/>
               </p:ext>
             </p:extLst>
           </p:nvPr>
         </p:nvGraphicFramePr>
         <p:xfrm>
-          <a:off x="6002974" y="2680799"/>
-          <a:ext cx="4330096" cy="3075820"/>
+          <a:off x="6063700" y="2564009"/>
+          <a:ext cx="4330096" cy="2827262"/>
         </p:xfrm>
         <a:graphic>
           <a:graphicData uri="http://schemas.openxmlformats.org/drawingml/2006/chart">
@@ -15494,4 +15231,299 @@
     </a:ext>
   </a:extLst>
 </a:theme>
+</file>
+
+<file path=ppt/theme/theme2.xml><?xml version="1.0" encoding="utf-8"?>
+<a:theme xmlns:a="http://schemas.openxmlformats.org/drawingml/2006/main" name="Office Theme">
+  <a:themeElements>
+    <a:clrScheme name="Office">
+      <a:dk1>
+        <a:sysClr val="windowText" lastClr="000000"/>
+      </a:dk1>
+      <a:lt1>
+        <a:sysClr val="window" lastClr="FFFFFF"/>
+      </a:lt1>
+      <a:dk2>
+        <a:srgbClr val="44546A"/>
+      </a:dk2>
+      <a:lt2>
+        <a:srgbClr val="E7E6E6"/>
+      </a:lt2>
+      <a:accent1>
+        <a:srgbClr val="4472C4"/>
+      </a:accent1>
+      <a:accent2>
+        <a:srgbClr val="ED7D31"/>
+      </a:accent2>
+      <a:accent3>
+        <a:srgbClr val="A5A5A5"/>
+      </a:accent3>
+      <a:accent4>
+        <a:srgbClr val="FFC000"/>
+      </a:accent4>
+      <a:accent5>
+        <a:srgbClr val="5B9BD5"/>
+      </a:accent5>
+      <a:accent6>
+        <a:srgbClr val="70AD47"/>
+      </a:accent6>
+      <a:hlink>
+        <a:srgbClr val="0563C1"/>
+      </a:hlink>
+      <a:folHlink>
+        <a:srgbClr val="954F72"/>
+      </a:folHlink>
+    </a:clrScheme>
+    <a:fontScheme name="Office">
+      <a:majorFont>
+        <a:latin typeface="Calibri Light" panose="020F0302020204030204"/>
+        <a:ea typeface=""/>
+        <a:cs typeface=""/>
+        <a:font script="Jpan" typeface="游ゴシック Light"/>
+        <a:font script="Hang" typeface="맑은 고딕"/>
+        <a:font script="Hans" typeface="等线 Light"/>
+        <a:font script="Hant" typeface="新細明體"/>
+        <a:font script="Arab" typeface="Times New Roman"/>
+        <a:font script="Hebr" typeface="Times New Roman"/>
+        <a:font script="Thai" typeface="Angsana New"/>
+        <a:font script="Ethi" typeface="Nyala"/>
+        <a:font script="Beng" typeface="Vrinda"/>
+        <a:font script="Gujr" typeface="Shruti"/>
+        <a:font script="Khmr" typeface="MoolBoran"/>
+        <a:font script="Knda" typeface="Tunga"/>
+        <a:font script="Guru" typeface="Raavi"/>
+        <a:font script="Cans" typeface="Euphemia"/>
+        <a:font script="Cher" typeface="Plantagenet Cherokee"/>
+        <a:font script="Yiii" typeface="Microsoft Yi Baiti"/>
+        <a:font script="Tibt" typeface="Microsoft Himalaya"/>
+        <a:font script="Thaa" typeface="MV Boli"/>
+        <a:font script="Deva" typeface="Mangal"/>
+        <a:font script="Telu" typeface="Gautami"/>
+        <a:font script="Taml" typeface="Latha"/>
+        <a:font script="Syrc" typeface="Estrangelo Edessa"/>
+        <a:font script="Orya" typeface="Kalinga"/>
+        <a:font script="Mlym" typeface="Kartika"/>
+        <a:font script="Laoo" typeface="DokChampa"/>
+        <a:font script="Sinh" typeface="Iskoola Pota"/>
+        <a:font script="Mong" typeface="Mongolian Baiti"/>
+        <a:font script="Viet" typeface="Times New Roman"/>
+        <a:font script="Uigh" typeface="Microsoft Uighur"/>
+        <a:font script="Geor" typeface="Sylfaen"/>
+        <a:font script="Armn" typeface="Arial"/>
+        <a:font script="Bugi" typeface="Leelawadee UI"/>
+        <a:font script="Bopo" typeface="Microsoft JhengHei"/>
+        <a:font script="Java" typeface="Javanese Text"/>
+        <a:font script="Lisu" typeface="Segoe UI"/>
+        <a:font script="Mymr" typeface="Myanmar Text"/>
+        <a:font script="Nkoo" typeface="Ebrima"/>
+        <a:font script="Olck" typeface="Nirmala UI"/>
+        <a:font script="Osma" typeface="Ebrima"/>
+        <a:font script="Phag" typeface="Phagspa"/>
+        <a:font script="Syrn" typeface="Estrangelo Edessa"/>
+        <a:font script="Syrj" typeface="Estrangelo Edessa"/>
+        <a:font script="Syre" typeface="Estrangelo Edessa"/>
+        <a:font script="Sora" typeface="Nirmala UI"/>
+        <a:font script="Tale" typeface="Microsoft Tai Le"/>
+        <a:font script="Talu" typeface="Microsoft New Tai Lue"/>
+        <a:font script="Tfng" typeface="Ebrima"/>
+      </a:majorFont>
+      <a:minorFont>
+        <a:latin typeface="Calibri" panose="020F0502020204030204"/>
+        <a:ea typeface=""/>
+        <a:cs typeface=""/>
+        <a:font script="Jpan" typeface="游ゴシック"/>
+        <a:font script="Hang" typeface="맑은 고딕"/>
+        <a:font script="Hans" typeface="等线"/>
+        <a:font script="Hant" typeface="新細明體"/>
+        <a:font script="Arab" typeface="Arial"/>
+        <a:font script="Hebr" typeface="Arial"/>
+        <a:font script="Thai" typeface="Cordia New"/>
+        <a:font script="Ethi" typeface="Nyala"/>
+        <a:font script="Beng" typeface="Vrinda"/>
+        <a:font script="Gujr" typeface="Shruti"/>
+        <a:font script="Khmr" typeface="DaunPenh"/>
+        <a:font script="Knda" typeface="Tunga"/>
+        <a:font script="Guru" typeface="Raavi"/>
+        <a:font script="Cans" typeface="Euphemia"/>
+        <a:font script="Cher" typeface="Plantagenet Cherokee"/>
+        <a:font script="Yiii" typeface="Microsoft Yi Baiti"/>
+        <a:font script="Tibt" typeface="Microsoft Himalaya"/>
+        <a:font script="Thaa" typeface="MV Boli"/>
+        <a:font script="Deva" typeface="Mangal"/>
+        <a:font script="Telu" typeface="Gautami"/>
+        <a:font script="Taml" typeface="Latha"/>
+        <a:font script="Syrc" typeface="Estrangelo Edessa"/>
+        <a:font script="Orya" typeface="Kalinga"/>
+        <a:font script="Mlym" typeface="Kartika"/>
+        <a:font script="Laoo" typeface="DokChampa"/>
+        <a:font script="Sinh" typeface="Iskoola Pota"/>
+        <a:font script="Mong" typeface="Mongolian Baiti"/>
+        <a:font script="Viet" typeface="Arial"/>
+        <a:font script="Uigh" typeface="Microsoft Uighur"/>
+        <a:font script="Geor" typeface="Sylfaen"/>
+        <a:font script="Armn" typeface="Arial"/>
+        <a:font script="Bugi" typeface="Leelawadee UI"/>
+        <a:font script="Bopo" typeface="Microsoft JhengHei"/>
+        <a:font script="Java" typeface="Javanese Text"/>
+        <a:font script="Lisu" typeface="Segoe UI"/>
+        <a:font script="Mymr" typeface="Myanmar Text"/>
+        <a:font script="Nkoo" typeface="Ebrima"/>
+        <a:font script="Olck" typeface="Nirmala UI"/>
+        <a:font script="Osma" typeface="Ebrima"/>
+        <a:font script="Phag" typeface="Phagspa"/>
+        <a:font script="Syrn" typeface="Estrangelo Edessa"/>
+        <a:font script="Syrj" typeface="Estrangelo Edessa"/>
+        <a:font script="Syre" typeface="Estrangelo Edessa"/>
+        <a:font script="Sora" typeface="Nirmala UI"/>
+        <a:font script="Tale" typeface="Microsoft Tai Le"/>
+        <a:font script="Talu" typeface="Microsoft New Tai Lue"/>
+        <a:font script="Tfng" typeface="Ebrima"/>
+      </a:minorFont>
+    </a:fontScheme>
+    <a:fmtScheme name="Office">
+      <a:fillStyleLst>
+        <a:solidFill>
+          <a:schemeClr val="phClr"/>
+        </a:solidFill>
+        <a:gradFill rotWithShape="1">
+          <a:gsLst>
+            <a:gs pos="0">
+              <a:schemeClr val="phClr">
+                <a:lumMod val="110000"/>
+                <a:satMod val="105000"/>
+                <a:tint val="67000"/>
+              </a:schemeClr>
+            </a:gs>
+            <a:gs pos="50000">
+              <a:schemeClr val="phClr">
+                <a:lumMod val="105000"/>
+                <a:satMod val="103000"/>
+                <a:tint val="73000"/>
+              </a:schemeClr>
+            </a:gs>
+            <a:gs pos="100000">
+              <a:schemeClr val="phClr">
+                <a:lumMod val="105000"/>
+                <a:satMod val="109000"/>
+                <a:tint val="81000"/>
+              </a:schemeClr>
+            </a:gs>
+          </a:gsLst>
+          <a:lin ang="5400000" scaled="0"/>
+        </a:gradFill>
+        <a:gradFill rotWithShape="1">
+          <a:gsLst>
+            <a:gs pos="0">
+              <a:schemeClr val="phClr">
+                <a:satMod val="103000"/>
+                <a:lumMod val="102000"/>
+                <a:tint val="94000"/>
+              </a:schemeClr>
+            </a:gs>
+            <a:gs pos="50000">
+              <a:schemeClr val="phClr">
+                <a:satMod val="110000"/>
+                <a:lumMod val="100000"/>
+                <a:shade val="100000"/>
+              </a:schemeClr>
+            </a:gs>
+            <a:gs pos="100000">
+              <a:schemeClr val="phClr">
+                <a:lumMod val="99000"/>
+                <a:satMod val="120000"/>
+                <a:shade val="78000"/>
+              </a:schemeClr>
+            </a:gs>
+          </a:gsLst>
+          <a:lin ang="5400000" scaled="0"/>
+        </a:gradFill>
+      </a:fillStyleLst>
+      <a:lnStyleLst>
+        <a:ln w="6350" cap="flat" cmpd="sng" algn="ctr">
+          <a:solidFill>
+            <a:schemeClr val="phClr"/>
+          </a:solidFill>
+          <a:prstDash val="solid"/>
+          <a:miter lim="800000"/>
+        </a:ln>
+        <a:ln w="12700" cap="flat" cmpd="sng" algn="ctr">
+          <a:solidFill>
+            <a:schemeClr val="phClr"/>
+          </a:solidFill>
+          <a:prstDash val="solid"/>
+          <a:miter lim="800000"/>
+        </a:ln>
+        <a:ln w="19050" cap="flat" cmpd="sng" algn="ctr">
+          <a:solidFill>
+            <a:schemeClr val="phClr"/>
+          </a:solidFill>
+          <a:prstDash val="solid"/>
+          <a:miter lim="800000"/>
+        </a:ln>
+      </a:lnStyleLst>
+      <a:effectStyleLst>
+        <a:effectStyle>
+          <a:effectLst/>
+        </a:effectStyle>
+        <a:effectStyle>
+          <a:effectLst/>
+        </a:effectStyle>
+        <a:effectStyle>
+          <a:effectLst>
+            <a:outerShdw blurRad="57150" dist="19050" dir="5400000" algn="ctr" rotWithShape="0">
+              <a:srgbClr val="000000">
+                <a:alpha val="63000"/>
+              </a:srgbClr>
+            </a:outerShdw>
+          </a:effectLst>
+        </a:effectStyle>
+      </a:effectStyleLst>
+      <a:bgFillStyleLst>
+        <a:solidFill>
+          <a:schemeClr val="phClr"/>
+        </a:solidFill>
+        <a:solidFill>
+          <a:schemeClr val="phClr">
+            <a:tint val="95000"/>
+            <a:satMod val="170000"/>
+          </a:schemeClr>
+        </a:solidFill>
+        <a:gradFill rotWithShape="1">
+          <a:gsLst>
+            <a:gs pos="0">
+              <a:schemeClr val="phClr">
+                <a:tint val="93000"/>
+                <a:satMod val="150000"/>
+                <a:shade val="98000"/>
+                <a:lumMod val="102000"/>
+              </a:schemeClr>
+            </a:gs>
+            <a:gs pos="50000">
+              <a:schemeClr val="phClr">
+                <a:tint val="98000"/>
+                <a:satMod val="130000"/>
+                <a:shade val="90000"/>
+                <a:lumMod val="103000"/>
+              </a:schemeClr>
+            </a:gs>
+            <a:gs pos="100000">
+              <a:schemeClr val="phClr">
+                <a:shade val="63000"/>
+                <a:satMod val="120000"/>
+              </a:schemeClr>
+            </a:gs>
+          </a:gsLst>
+          <a:lin ang="5400000" scaled="0"/>
+        </a:gradFill>
+      </a:bgFillStyleLst>
+    </a:fmtScheme>
+  </a:themeElements>
+  <a:objectDefaults/>
+  <a:extraClrSchemeLst/>
+  <a:extLst>
+    <a:ext uri="{05A4C25C-085E-4340-85A3-A5531E510DB2}">
+      <thm15:themeFamily xmlns:thm15="http://schemas.microsoft.com/office/thememl/2012/main" name="Office Theme" id="{62F939B6-93AF-4DB8-9C6B-D6C7DFDC589F}" vid="{4A3C46E8-61CC-4603-A589-7422A47A8E4A}"/>
+    </a:ext>
+  </a:extLst>
+</a:theme>
 </file>